--- a/static/Ransomware_Angriff_-_Pharma_Batchumgebung_presentation.pptx
+++ b/static/Ransomware_Angriff_-_Pharma_Batchumgebung_presentation.pptx
@@ -2,19 +2,19 @@
 <file path=ppt/presentation.xml><?xml version="1.0" encoding="utf-8"?>
 <p:presentation xmlns:a="http://schemas.openxmlformats.org/drawingml/2006/main" xmlns:r="http://schemas.openxmlformats.org/officeDocument/2006/relationships" xmlns:p="http://schemas.openxmlformats.org/presentationml/2006/main" saveSubsetFonts="1" autoCompressPictures="0">
   <p:sldMasterIdLst>
-    <p:sldMasterId id="2147483648" r:id="rId1"/>
+    <p:sldMasterId id="2147483660" r:id="rId1"/>
   </p:sldMasterIdLst>
   <p:sldIdLst>
-    <p:sldId id="256" r:id="rId7"/>
-    <p:sldId id="257" r:id="rId8"/>
-    <p:sldId id="258" r:id="rId9"/>
-    <p:sldId id="259" r:id="rId10"/>
-    <p:sldId id="260" r:id="rId11"/>
-    <p:sldId id="261" r:id="rId12"/>
-    <p:sldId id="262" r:id="rId13"/>
-    <p:sldId id="263" r:id="rId14"/>
-    <p:sldId id="264" r:id="rId15"/>
-    <p:sldId id="265" r:id="rId16"/>
+    <p:sldId id="256" r:id="rId6"/>
+    <p:sldId id="257" r:id="rId7"/>
+    <p:sldId id="258" r:id="rId8"/>
+    <p:sldId id="259" r:id="rId9"/>
+    <p:sldId id="260" r:id="rId10"/>
+    <p:sldId id="261" r:id="rId11"/>
+    <p:sldId id="262" r:id="rId12"/>
+    <p:sldId id="263" r:id="rId13"/>
+    <p:sldId id="264" r:id="rId14"/>
+    <p:sldId id="265" r:id="rId15"/>
   </p:sldIdLst>
   <p:sldSz cx="9144000" cy="6858000" type="screen4x3"/>
   <p:notesSz cx="6858000" cy="9144000"/>
@@ -113,12 +113,28 @@
       </a:defRPr>
     </a:lvl9pPr>
   </p:defaultTextStyle>
+  <p:extLst>
+    <p:ext uri="{EFAFB233-063F-42B5-8137-9DF3F51BA10A}">
+      <p15:sldGuideLst xmlns:p15="http://schemas.microsoft.com/office/powerpoint/2012/main">
+        <p15:guide id="1" orient="horz" pos="2160">
+          <p15:clr>
+            <a:srgbClr val="A4A3A4"/>
+          </p15:clr>
+        </p15:guide>
+        <p15:guide id="2" pos="2880">
+          <p15:clr>
+            <a:srgbClr val="A4A3A4"/>
+          </p15:clr>
+        </p15:guide>
+      </p15:sldGuideLst>
+    </p:ext>
+  </p:extLst>
 </p:presentation>
 </file>
 
 <file path=ppt/slideLayouts/slideLayout1.xml><?xml version="1.0" encoding="utf-8"?>
 <p:sldLayout xmlns:a="http://schemas.openxmlformats.org/drawingml/2006/main" xmlns:r="http://schemas.openxmlformats.org/officeDocument/2006/relationships" xmlns:p="http://schemas.openxmlformats.org/presentationml/2006/main" type="title" preserve="1">
-  <p:cSld name="Title Slide">
+  <p:cSld name="Titelfolie">
     <p:spTree>
       <p:nvGrpSpPr>
         <p:cNvPr id="1" name=""/>
@@ -145,19 +161,25 @@
         </p:nvSpPr>
         <p:spPr>
           <a:xfrm>
-            <a:off x="685800" y="2130425"/>
-            <a:ext cx="7772400" cy="1470025"/>
+            <a:off x="1942416" y="2514601"/>
+            <a:ext cx="6600451" cy="2262781"/>
           </a:xfrm>
         </p:spPr>
         <p:txBody>
-          <a:bodyPr/>
-          <a:lstStyle/>
-          <a:p>
-            <a:r>
-              <a:rPr lang="en-US" smtClean="0"/>
-              <a:t>Click to edit Master title style</a:t>
-            </a:r>
-            <a:endParaRPr lang="en-US"/>
+          <a:bodyPr anchor="b">
+            <a:normAutofit/>
+          </a:bodyPr>
+          <a:lstStyle>
+            <a:lvl1pPr>
+              <a:defRPr sz="5400"/>
+            </a:lvl1pPr>
+          </a:lstStyle>
+          <a:p>
+            <a:r>
+              <a:rPr lang="de-DE"/>
+              <a:t>Mastertitelformat bearbeiten</a:t>
+            </a:r>
+            <a:endParaRPr lang="en-US" dirty="0"/>
           </a:p>
         </p:txBody>
       </p:sp>
@@ -173,19 +195,20 @@
         </p:nvSpPr>
         <p:spPr>
           <a:xfrm>
-            <a:off x="1371600" y="3886200"/>
-            <a:ext cx="6400800" cy="1752600"/>
+            <a:off x="1942416" y="4777380"/>
+            <a:ext cx="6600451" cy="1126283"/>
           </a:xfrm>
         </p:spPr>
         <p:txBody>
-          <a:bodyPr/>
+          <a:bodyPr anchor="t"/>
           <a:lstStyle>
-            <a:lvl1pPr marL="0" indent="0" algn="ctr">
+            <a:lvl1pPr marL="0" indent="0" algn="l">
               <a:buNone/>
               <a:defRPr>
                 <a:solidFill>
                   <a:schemeClr val="tx1">
-                    <a:tint val="75000"/>
+                    <a:lumMod val="65000"/>
+                    <a:lumOff val="35000"/>
                   </a:schemeClr>
                 </a:solidFill>
               </a:defRPr>
@@ -273,10 +296,10 @@
           </a:lstStyle>
           <a:p>
             <a:r>
-              <a:rPr lang="en-US" smtClean="0"/>
-              <a:t>Click to edit Master subtitle style</a:t>
-            </a:r>
-            <a:endParaRPr lang="en-US"/>
+              <a:rPr lang="de-DE"/>
+              <a:t>Master-Untertitelformat bearbeiten</a:t>
+            </a:r>
+            <a:endParaRPr lang="en-US" dirty="0"/>
           </a:p>
         </p:txBody>
       </p:sp>
@@ -297,7 +320,7 @@
           <a:p>
             <a:fld id="{5BCAD085-E8A6-8845-BD4E-CB4CCA059FC4}" type="datetimeFigureOut">
               <a:rPr lang="en-US" smtClean="0"/>
-              <a:t>1/27/13</a:t>
+              <a:t>6/8/2024</a:t>
             </a:fld>
             <a:endParaRPr lang="en-US"/>
           </a:p>
@@ -324,6 +347,82 @@
       </p:sp>
       <p:sp>
         <p:nvSpPr>
+          <p:cNvPr id="9" name="Freeform 8"/>
+          <p:cNvSpPr/>
+          <p:nvPr/>
+        </p:nvSpPr>
+        <p:spPr bwMode="auto">
+          <a:xfrm>
+            <a:off x="-31719" y="4321158"/>
+            <a:ext cx="1395473" cy="781781"/>
+          </a:xfrm>
+          <a:custGeom>
+            <a:avLst/>
+            <a:gdLst/>
+            <a:ahLst/>
+            <a:cxnLst/>
+            <a:rect l="l" t="t" r="r" b="b"/>
+            <a:pathLst>
+              <a:path w="8042" h="10000">
+                <a:moveTo>
+                  <a:pt x="5799" y="10000"/>
+                </a:moveTo>
+                <a:cubicBezTo>
+                  <a:pt x="5880" y="10000"/>
+                  <a:pt x="5934" y="9940"/>
+                  <a:pt x="5961" y="9880"/>
+                </a:cubicBezTo>
+                <a:cubicBezTo>
+                  <a:pt x="5961" y="9820"/>
+                  <a:pt x="5988" y="9820"/>
+                  <a:pt x="5988" y="9820"/>
+                </a:cubicBezTo>
+                <a:lnTo>
+                  <a:pt x="8042" y="5260"/>
+                </a:lnTo>
+                <a:cubicBezTo>
+                  <a:pt x="8096" y="5140"/>
+                  <a:pt x="8096" y="4901"/>
+                  <a:pt x="8042" y="4721"/>
+                </a:cubicBezTo>
+                <a:lnTo>
+                  <a:pt x="5988" y="221"/>
+                </a:lnTo>
+                <a:cubicBezTo>
+                  <a:pt x="5988" y="160"/>
+                  <a:pt x="5961" y="160"/>
+                  <a:pt x="5961" y="160"/>
+                </a:cubicBezTo>
+                <a:cubicBezTo>
+                  <a:pt x="5934" y="101"/>
+                  <a:pt x="5880" y="41"/>
+                  <a:pt x="5799" y="41"/>
+                </a:cubicBezTo>
+                <a:lnTo>
+                  <a:pt x="18" y="0"/>
+                </a:lnTo>
+                <a:cubicBezTo>
+                  <a:pt x="12" y="3330"/>
+                  <a:pt x="6" y="6661"/>
+                  <a:pt x="0" y="9991"/>
+                </a:cubicBezTo>
+                <a:lnTo>
+                  <a:pt x="5799" y="10000"/>
+                </a:lnTo>
+                <a:close/>
+              </a:path>
+            </a:pathLst>
+          </a:custGeom>
+          <a:solidFill>
+            <a:schemeClr val="accent1"/>
+          </a:solidFill>
+          <a:ln>
+            <a:noFill/>
+          </a:ln>
+        </p:spPr>
+      </p:sp>
+      <p:sp>
+        <p:nvSpPr>
           <p:cNvPr id="6" name="Slide Number Placeholder 5"/>
           <p:cNvSpPr>
             <a:spLocks noGrp="1"/>
@@ -332,14 +431,19 @@
             <p:ph type="sldNum" sz="quarter" idx="12"/>
           </p:nvPr>
         </p:nvSpPr>
-        <p:spPr/>
+        <p:spPr>
+          <a:xfrm>
+            <a:off x="423334" y="4529541"/>
+            <a:ext cx="584978" cy="365125"/>
+          </a:xfrm>
+        </p:spPr>
         <p:txBody>
           <a:bodyPr/>
           <a:lstStyle/>
           <a:p>
             <a:fld id="{C1FF6DA9-008F-8B48-92A6-B652298478BF}" type="slidenum">
               <a:rPr lang="en-US" smtClean="0"/>
-              <a:t>‹#›</a:t>
+              <a:t>‹Nr.›</a:t>
             </a:fld>
             <a:endParaRPr lang="en-US"/>
           </a:p>
@@ -348,7 +452,7 @@
     </p:spTree>
     <p:extLst>
       <p:ext uri="{BB962C8B-B14F-4D97-AF65-F5344CB8AC3E}">
-        <p14:creationId xmlns:p14="http://schemas.microsoft.com/office/powerpoint/2010/main" val="3168075583"/>
+        <p14:creationId xmlns:p14="http://schemas.microsoft.com/office/powerpoint/2010/main" val="422836408"/>
       </p:ext>
     </p:extLst>
   </p:cSld>
@@ -359,8 +463,8 @@
 </file>
 
 <file path=ppt/slideLayouts/slideLayout10.xml><?xml version="1.0" encoding="utf-8"?>
-<p:sldLayout xmlns:a="http://schemas.openxmlformats.org/drawingml/2006/main" xmlns:r="http://schemas.openxmlformats.org/officeDocument/2006/relationships" xmlns:p="http://schemas.openxmlformats.org/presentationml/2006/main" type="vertTx" preserve="1">
-  <p:cSld name="Title and Vertical Text">
+<p:sldLayout xmlns:a="http://schemas.openxmlformats.org/drawingml/2006/main" xmlns:r="http://schemas.openxmlformats.org/officeDocument/2006/relationships" xmlns:p="http://schemas.openxmlformats.org/presentationml/2006/main" preserve="1">
+  <p:cSld name="Titel und Beschriftung">
     <p:spTree>
       <p:nvGrpSpPr>
         <p:cNvPr id="1" name=""/>
@@ -385,573 +489,58 @@
             <p:ph type="title"/>
           </p:nvPr>
         </p:nvSpPr>
-        <p:spPr/>
-        <p:txBody>
-          <a:bodyPr/>
-          <a:lstStyle/>
-          <a:p>
-            <a:r>
-              <a:rPr lang="en-US" smtClean="0"/>
-              <a:t>Click to edit Master title style</a:t>
-            </a:r>
-            <a:endParaRPr lang="en-US"/>
-          </a:p>
-        </p:txBody>
-      </p:sp>
-      <p:sp>
-        <p:nvSpPr>
-          <p:cNvPr id="3" name="Vertical Text Placeholder 2"/>
-          <p:cNvSpPr>
-            <a:spLocks noGrp="1"/>
-          </p:cNvSpPr>
-          <p:nvPr>
-            <p:ph type="body" orient="vert" idx="1"/>
-          </p:nvPr>
-        </p:nvSpPr>
-        <p:spPr/>
-        <p:txBody>
-          <a:bodyPr vert="eaVert"/>
-          <a:lstStyle/>
-          <a:p>
-            <a:pPr lvl="0"/>
-            <a:r>
-              <a:rPr lang="en-US" smtClean="0"/>
-              <a:t>Click to edit Master text styles</a:t>
-            </a:r>
-          </a:p>
-          <a:p>
-            <a:pPr lvl="1"/>
-            <a:r>
-              <a:rPr lang="en-US" smtClean="0"/>
-              <a:t>Second level</a:t>
-            </a:r>
-          </a:p>
-          <a:p>
-            <a:pPr lvl="2"/>
-            <a:r>
-              <a:rPr lang="en-US" smtClean="0"/>
-              <a:t>Third level</a:t>
-            </a:r>
-          </a:p>
-          <a:p>
-            <a:pPr lvl="3"/>
-            <a:r>
-              <a:rPr lang="en-US" smtClean="0"/>
-              <a:t>Fourth level</a:t>
-            </a:r>
-          </a:p>
-          <a:p>
-            <a:pPr lvl="4"/>
-            <a:r>
-              <a:rPr lang="en-US" smtClean="0"/>
-              <a:t>Fifth level</a:t>
-            </a:r>
-            <a:endParaRPr lang="en-US"/>
-          </a:p>
-        </p:txBody>
-      </p:sp>
-      <p:sp>
-        <p:nvSpPr>
-          <p:cNvPr id="4" name="Date Placeholder 3"/>
-          <p:cNvSpPr>
-            <a:spLocks noGrp="1"/>
-          </p:cNvSpPr>
-          <p:nvPr>
-            <p:ph type="dt" sz="half" idx="10"/>
-          </p:nvPr>
-        </p:nvSpPr>
-        <p:spPr/>
-        <p:txBody>
-          <a:bodyPr/>
-          <a:lstStyle/>
-          <a:p>
-            <a:fld id="{5BCAD085-E8A6-8845-BD4E-CB4CCA059FC4}" type="datetimeFigureOut">
-              <a:rPr lang="en-US" smtClean="0"/>
-              <a:t>1/27/13</a:t>
-            </a:fld>
-            <a:endParaRPr lang="en-US"/>
-          </a:p>
-        </p:txBody>
-      </p:sp>
-      <p:sp>
-        <p:nvSpPr>
-          <p:cNvPr id="5" name="Footer Placeholder 4"/>
-          <p:cNvSpPr>
-            <a:spLocks noGrp="1"/>
-          </p:cNvSpPr>
-          <p:nvPr>
-            <p:ph type="ftr" sz="quarter" idx="11"/>
-          </p:nvPr>
-        </p:nvSpPr>
-        <p:spPr/>
-        <p:txBody>
-          <a:bodyPr/>
-          <a:lstStyle/>
-          <a:p>
-            <a:endParaRPr lang="en-US"/>
-          </a:p>
-        </p:txBody>
-      </p:sp>
-      <p:sp>
-        <p:nvSpPr>
-          <p:cNvPr id="6" name="Slide Number Placeholder 5"/>
-          <p:cNvSpPr>
-            <a:spLocks noGrp="1"/>
-          </p:cNvSpPr>
-          <p:nvPr>
-            <p:ph type="sldNum" sz="quarter" idx="12"/>
-          </p:nvPr>
-        </p:nvSpPr>
-        <p:spPr/>
-        <p:txBody>
-          <a:bodyPr/>
-          <a:lstStyle/>
-          <a:p>
-            <a:fld id="{C1FF6DA9-008F-8B48-92A6-B652298478BF}" type="slidenum">
-              <a:rPr lang="en-US" smtClean="0"/>
-              <a:t>‹#›</a:t>
-            </a:fld>
-            <a:endParaRPr lang="en-US"/>
-          </a:p>
-        </p:txBody>
-      </p:sp>
-    </p:spTree>
-    <p:extLst>
-      <p:ext uri="{BB962C8B-B14F-4D97-AF65-F5344CB8AC3E}">
-        <p14:creationId xmlns:p14="http://schemas.microsoft.com/office/powerpoint/2010/main" val="2910927964"/>
-      </p:ext>
-    </p:extLst>
-  </p:cSld>
-  <p:clrMapOvr>
-    <a:masterClrMapping/>
-  </p:clrMapOvr>
-</p:sldLayout>
-</file>
-
-<file path=ppt/slideLayouts/slideLayout11.xml><?xml version="1.0" encoding="utf-8"?>
-<p:sldLayout xmlns:a="http://schemas.openxmlformats.org/drawingml/2006/main" xmlns:r="http://schemas.openxmlformats.org/officeDocument/2006/relationships" xmlns:p="http://schemas.openxmlformats.org/presentationml/2006/main" type="vertTitleAndTx" preserve="1">
-  <p:cSld name="Vertical Title and Text">
-    <p:spTree>
-      <p:nvGrpSpPr>
-        <p:cNvPr id="1" name=""/>
-        <p:cNvGrpSpPr/>
-        <p:nvPr/>
-      </p:nvGrpSpPr>
-      <p:grpSpPr>
-        <a:xfrm>
-          <a:off x="0" y="0"/>
-          <a:ext cx="0" cy="0"/>
-          <a:chOff x="0" y="0"/>
-          <a:chExt cx="0" cy="0"/>
-        </a:xfrm>
-      </p:grpSpPr>
-      <p:sp>
-        <p:nvSpPr>
-          <p:cNvPr id="2" name="Vertical Title 1"/>
-          <p:cNvSpPr>
-            <a:spLocks noGrp="1"/>
-          </p:cNvSpPr>
-          <p:nvPr>
-            <p:ph type="title" orient="vert"/>
-          </p:nvPr>
-        </p:nvSpPr>
         <p:spPr>
           <a:xfrm>
-            <a:off x="6629400" y="274638"/>
-            <a:ext cx="2057400" cy="5851525"/>
+            <a:off x="1942415" y="609600"/>
+            <a:ext cx="6591985" cy="3117040"/>
           </a:xfrm>
         </p:spPr>
         <p:txBody>
-          <a:bodyPr vert="eaVert"/>
-          <a:lstStyle/>
-          <a:p>
-            <a:r>
-              <a:rPr lang="en-US" smtClean="0"/>
-              <a:t>Click to edit Master title style</a:t>
-            </a:r>
-            <a:endParaRPr lang="en-US"/>
-          </a:p>
-        </p:txBody>
-      </p:sp>
-      <p:sp>
-        <p:nvSpPr>
-          <p:cNvPr id="3" name="Vertical Text Placeholder 2"/>
-          <p:cNvSpPr>
-            <a:spLocks noGrp="1"/>
-          </p:cNvSpPr>
-          <p:nvPr>
-            <p:ph type="body" orient="vert" idx="1"/>
+          <a:bodyPr anchor="ctr">
+            <a:normAutofit/>
+          </a:bodyPr>
+          <a:lstStyle>
+            <a:lvl1pPr algn="l">
+              <a:defRPr sz="4800" b="0" cap="none"/>
+            </a:lvl1pPr>
+          </a:lstStyle>
+          <a:p>
+            <a:r>
+              <a:rPr lang="de-DE"/>
+              <a:t>Mastertitelformat bearbeiten</a:t>
+            </a:r>
+            <a:endParaRPr lang="en-US" dirty="0"/>
+          </a:p>
+        </p:txBody>
+      </p:sp>
+      <p:sp>
+        <p:nvSpPr>
+          <p:cNvPr id="3" name="Text Placeholder 2"/>
+          <p:cNvSpPr>
+            <a:spLocks noGrp="1"/>
+          </p:cNvSpPr>
+          <p:nvPr>
+            <p:ph type="body" idx="1"/>
           </p:nvPr>
         </p:nvSpPr>
         <p:spPr>
           <a:xfrm>
-            <a:off x="457200" y="274638"/>
-            <a:ext cx="6019800" cy="5851525"/>
+            <a:off x="1942415" y="4354046"/>
+            <a:ext cx="6591985" cy="1555864"/>
           </a:xfrm>
         </p:spPr>
         <p:txBody>
-          <a:bodyPr vert="eaVert"/>
-          <a:lstStyle/>
-          <a:p>
-            <a:pPr lvl="0"/>
-            <a:r>
-              <a:rPr lang="en-US" smtClean="0"/>
-              <a:t>Click to edit Master text styles</a:t>
-            </a:r>
-          </a:p>
-          <a:p>
-            <a:pPr lvl="1"/>
-            <a:r>
-              <a:rPr lang="en-US" smtClean="0"/>
-              <a:t>Second level</a:t>
-            </a:r>
-          </a:p>
-          <a:p>
-            <a:pPr lvl="2"/>
-            <a:r>
-              <a:rPr lang="en-US" smtClean="0"/>
-              <a:t>Third level</a:t>
-            </a:r>
-          </a:p>
-          <a:p>
-            <a:pPr lvl="3"/>
-            <a:r>
-              <a:rPr lang="en-US" smtClean="0"/>
-              <a:t>Fourth level</a:t>
-            </a:r>
-          </a:p>
-          <a:p>
-            <a:pPr lvl="4"/>
-            <a:r>
-              <a:rPr lang="en-US" smtClean="0"/>
-              <a:t>Fifth level</a:t>
-            </a:r>
-            <a:endParaRPr lang="en-US"/>
-          </a:p>
-        </p:txBody>
-      </p:sp>
-      <p:sp>
-        <p:nvSpPr>
-          <p:cNvPr id="4" name="Date Placeholder 3"/>
-          <p:cNvSpPr>
-            <a:spLocks noGrp="1"/>
-          </p:cNvSpPr>
-          <p:nvPr>
-            <p:ph type="dt" sz="half" idx="10"/>
-          </p:nvPr>
-        </p:nvSpPr>
-        <p:spPr/>
-        <p:txBody>
-          <a:bodyPr/>
-          <a:lstStyle/>
-          <a:p>
-            <a:fld id="{5BCAD085-E8A6-8845-BD4E-CB4CCA059FC4}" type="datetimeFigureOut">
-              <a:rPr lang="en-US" smtClean="0"/>
-              <a:t>1/27/13</a:t>
-            </a:fld>
-            <a:endParaRPr lang="en-US"/>
-          </a:p>
-        </p:txBody>
-      </p:sp>
-      <p:sp>
-        <p:nvSpPr>
-          <p:cNvPr id="5" name="Footer Placeholder 4"/>
-          <p:cNvSpPr>
-            <a:spLocks noGrp="1"/>
-          </p:cNvSpPr>
-          <p:nvPr>
-            <p:ph type="ftr" sz="quarter" idx="11"/>
-          </p:nvPr>
-        </p:nvSpPr>
-        <p:spPr/>
-        <p:txBody>
-          <a:bodyPr/>
-          <a:lstStyle/>
-          <a:p>
-            <a:endParaRPr lang="en-US"/>
-          </a:p>
-        </p:txBody>
-      </p:sp>
-      <p:sp>
-        <p:nvSpPr>
-          <p:cNvPr id="6" name="Slide Number Placeholder 5"/>
-          <p:cNvSpPr>
-            <a:spLocks noGrp="1"/>
-          </p:cNvSpPr>
-          <p:nvPr>
-            <p:ph type="sldNum" sz="quarter" idx="12"/>
-          </p:nvPr>
-        </p:nvSpPr>
-        <p:spPr/>
-        <p:txBody>
-          <a:bodyPr/>
-          <a:lstStyle/>
-          <a:p>
-            <a:fld id="{C1FF6DA9-008F-8B48-92A6-B652298478BF}" type="slidenum">
-              <a:rPr lang="en-US" smtClean="0"/>
-              <a:t>‹#›</a:t>
-            </a:fld>
-            <a:endParaRPr lang="en-US"/>
-          </a:p>
-        </p:txBody>
-      </p:sp>
-    </p:spTree>
-    <p:extLst>
-      <p:ext uri="{BB962C8B-B14F-4D97-AF65-F5344CB8AC3E}">
-        <p14:creationId xmlns:p14="http://schemas.microsoft.com/office/powerpoint/2010/main" val="3612223792"/>
-      </p:ext>
-    </p:extLst>
-  </p:cSld>
-  <p:clrMapOvr>
-    <a:masterClrMapping/>
-  </p:clrMapOvr>
-</p:sldLayout>
-</file>
-
-<file path=ppt/slideLayouts/slideLayout2.xml><?xml version="1.0" encoding="utf-8"?>
-<p:sldLayout xmlns:a="http://schemas.openxmlformats.org/drawingml/2006/main" xmlns:r="http://schemas.openxmlformats.org/officeDocument/2006/relationships" xmlns:p="http://schemas.openxmlformats.org/presentationml/2006/main" type="obj" preserve="1">
-  <p:cSld name="Title and Content">
-    <p:spTree>
-      <p:nvGrpSpPr>
-        <p:cNvPr id="1" name=""/>
-        <p:cNvGrpSpPr/>
-        <p:nvPr/>
-      </p:nvGrpSpPr>
-      <p:grpSpPr>
-        <a:xfrm>
-          <a:off x="0" y="0"/>
-          <a:ext cx="0" cy="0"/>
-          <a:chOff x="0" y="0"/>
-          <a:chExt cx="0" cy="0"/>
-        </a:xfrm>
-      </p:grpSpPr>
-      <p:sp>
-        <p:nvSpPr>
-          <p:cNvPr id="2" name="Title 1"/>
-          <p:cNvSpPr>
-            <a:spLocks noGrp="1"/>
-          </p:cNvSpPr>
-          <p:nvPr>
-            <p:ph type="title"/>
-          </p:nvPr>
-        </p:nvSpPr>
-        <p:spPr/>
-        <p:txBody>
-          <a:bodyPr/>
-          <a:lstStyle/>
-          <a:p>
-            <a:r>
-              <a:rPr lang="en-US" smtClean="0"/>
-              <a:t>Click to edit Master title style</a:t>
-            </a:r>
-            <a:endParaRPr lang="en-US"/>
-          </a:p>
-        </p:txBody>
-      </p:sp>
-      <p:sp>
-        <p:nvSpPr>
-          <p:cNvPr id="3" name="Content Placeholder 2"/>
-          <p:cNvSpPr>
-            <a:spLocks noGrp="1"/>
-          </p:cNvSpPr>
-          <p:nvPr>
-            <p:ph idx="1"/>
-          </p:nvPr>
-        </p:nvSpPr>
-        <p:spPr/>
-        <p:txBody>
-          <a:bodyPr/>
-          <a:lstStyle/>
-          <a:p>
-            <a:pPr lvl="0"/>
-            <a:r>
-              <a:rPr lang="en-US" smtClean="0"/>
-              <a:t>Click to edit Master text styles</a:t>
-            </a:r>
-          </a:p>
-          <a:p>
-            <a:pPr lvl="1"/>
-            <a:r>
-              <a:rPr lang="en-US" smtClean="0"/>
-              <a:t>Second level</a:t>
-            </a:r>
-          </a:p>
-          <a:p>
-            <a:pPr lvl="2"/>
-            <a:r>
-              <a:rPr lang="en-US" smtClean="0"/>
-              <a:t>Third level</a:t>
-            </a:r>
-          </a:p>
-          <a:p>
-            <a:pPr lvl="3"/>
-            <a:r>
-              <a:rPr lang="en-US" smtClean="0"/>
-              <a:t>Fourth level</a:t>
-            </a:r>
-          </a:p>
-          <a:p>
-            <a:pPr lvl="4"/>
-            <a:r>
-              <a:rPr lang="en-US" smtClean="0"/>
-              <a:t>Fifth level</a:t>
-            </a:r>
-            <a:endParaRPr lang="en-US"/>
-          </a:p>
-        </p:txBody>
-      </p:sp>
-      <p:sp>
-        <p:nvSpPr>
-          <p:cNvPr id="4" name="Date Placeholder 3"/>
-          <p:cNvSpPr>
-            <a:spLocks noGrp="1"/>
-          </p:cNvSpPr>
-          <p:nvPr>
-            <p:ph type="dt" sz="half" idx="10"/>
-          </p:nvPr>
-        </p:nvSpPr>
-        <p:spPr/>
-        <p:txBody>
-          <a:bodyPr/>
-          <a:lstStyle/>
-          <a:p>
-            <a:fld id="{5BCAD085-E8A6-8845-BD4E-CB4CCA059FC4}" type="datetimeFigureOut">
-              <a:rPr lang="en-US" smtClean="0"/>
-              <a:t>1/27/13</a:t>
-            </a:fld>
-            <a:endParaRPr lang="en-US"/>
-          </a:p>
-        </p:txBody>
-      </p:sp>
-      <p:sp>
-        <p:nvSpPr>
-          <p:cNvPr id="5" name="Footer Placeholder 4"/>
-          <p:cNvSpPr>
-            <a:spLocks noGrp="1"/>
-          </p:cNvSpPr>
-          <p:nvPr>
-            <p:ph type="ftr" sz="quarter" idx="11"/>
-          </p:nvPr>
-        </p:nvSpPr>
-        <p:spPr/>
-        <p:txBody>
-          <a:bodyPr/>
-          <a:lstStyle/>
-          <a:p>
-            <a:endParaRPr lang="en-US"/>
-          </a:p>
-        </p:txBody>
-      </p:sp>
-      <p:sp>
-        <p:nvSpPr>
-          <p:cNvPr id="6" name="Slide Number Placeholder 5"/>
-          <p:cNvSpPr>
-            <a:spLocks noGrp="1"/>
-          </p:cNvSpPr>
-          <p:nvPr>
-            <p:ph type="sldNum" sz="quarter" idx="12"/>
-          </p:nvPr>
-        </p:nvSpPr>
-        <p:spPr/>
-        <p:txBody>
-          <a:bodyPr/>
-          <a:lstStyle/>
-          <a:p>
-            <a:fld id="{C1FF6DA9-008F-8B48-92A6-B652298478BF}" type="slidenum">
-              <a:rPr lang="en-US" smtClean="0"/>
-              <a:t>‹#›</a:t>
-            </a:fld>
-            <a:endParaRPr lang="en-US"/>
-          </a:p>
-        </p:txBody>
-      </p:sp>
-    </p:spTree>
-    <p:extLst>
-      <p:ext uri="{BB962C8B-B14F-4D97-AF65-F5344CB8AC3E}">
-        <p14:creationId xmlns:p14="http://schemas.microsoft.com/office/powerpoint/2010/main" val="2614314258"/>
-      </p:ext>
-    </p:extLst>
-  </p:cSld>
-  <p:clrMapOvr>
-    <a:masterClrMapping/>
-  </p:clrMapOvr>
-</p:sldLayout>
-</file>
-
-<file path=ppt/slideLayouts/slideLayout3.xml><?xml version="1.0" encoding="utf-8"?>
-<p:sldLayout xmlns:a="http://schemas.openxmlformats.org/drawingml/2006/main" xmlns:r="http://schemas.openxmlformats.org/officeDocument/2006/relationships" xmlns:p="http://schemas.openxmlformats.org/presentationml/2006/main" type="secHead" preserve="1">
-  <p:cSld name="Section Header">
-    <p:spTree>
-      <p:nvGrpSpPr>
-        <p:cNvPr id="1" name=""/>
-        <p:cNvGrpSpPr/>
-        <p:nvPr/>
-      </p:nvGrpSpPr>
-      <p:grpSpPr>
-        <a:xfrm>
-          <a:off x="0" y="0"/>
-          <a:ext cx="0" cy="0"/>
-          <a:chOff x="0" y="0"/>
-          <a:chExt cx="0" cy="0"/>
-        </a:xfrm>
-      </p:grpSpPr>
-      <p:sp>
-        <p:nvSpPr>
-          <p:cNvPr id="2" name="Title 1"/>
-          <p:cNvSpPr>
-            <a:spLocks noGrp="1"/>
-          </p:cNvSpPr>
-          <p:nvPr>
-            <p:ph type="title"/>
-          </p:nvPr>
-        </p:nvSpPr>
-        <p:spPr>
-          <a:xfrm>
-            <a:off x="722313" y="4406900"/>
-            <a:ext cx="7772400" cy="1362075"/>
-          </a:xfrm>
-        </p:spPr>
-        <p:txBody>
-          <a:bodyPr anchor="t"/>
+          <a:bodyPr anchor="ctr">
+            <a:normAutofit/>
+          </a:bodyPr>
           <a:lstStyle>
-            <a:lvl1pPr algn="l">
-              <a:defRPr sz="4000" b="1" cap="all"/>
-            </a:lvl1pPr>
-          </a:lstStyle>
-          <a:p>
-            <a:r>
-              <a:rPr lang="en-US" smtClean="0"/>
-              <a:t>Click to edit Master title style</a:t>
-            </a:r>
-            <a:endParaRPr lang="en-US"/>
-          </a:p>
-        </p:txBody>
-      </p:sp>
-      <p:sp>
-        <p:nvSpPr>
-          <p:cNvPr id="3" name="Text Placeholder 2"/>
-          <p:cNvSpPr>
-            <a:spLocks noGrp="1"/>
-          </p:cNvSpPr>
-          <p:nvPr>
-            <p:ph type="body" idx="1"/>
-          </p:nvPr>
-        </p:nvSpPr>
-        <p:spPr>
-          <a:xfrm>
-            <a:off x="722313" y="2906713"/>
-            <a:ext cx="7772400" cy="1500187"/>
-          </a:xfrm>
-        </p:spPr>
-        <p:txBody>
-          <a:bodyPr anchor="b"/>
-          <a:lstStyle>
-            <a:lvl1pPr marL="0" indent="0">
+            <a:lvl1pPr marL="0" indent="0" algn="l">
               <a:buNone/>
-              <a:defRPr sz="2000">
+              <a:defRPr sz="1800">
                 <a:solidFill>
                   <a:schemeClr val="tx1">
-                    <a:tint val="75000"/>
+                    <a:lumMod val="65000"/>
+                    <a:lumOff val="35000"/>
                   </a:schemeClr>
                 </a:solidFill>
               </a:defRPr>
@@ -1040,8 +629,8 @@
           <a:p>
             <a:pPr lvl="0"/>
             <a:r>
-              <a:rPr lang="en-US" smtClean="0"/>
-              <a:t>Click to edit Master text styles</a:t>
+              <a:rPr lang="de-DE"/>
+              <a:t>Mastertextformat bearbeiten</a:t>
             </a:r>
           </a:p>
         </p:txBody>
@@ -1063,7 +652,7 @@
           <a:p>
             <a:fld id="{5BCAD085-E8A6-8845-BD4E-CB4CCA059FC4}" type="datetimeFigureOut">
               <a:rPr lang="en-US" smtClean="0"/>
-              <a:t>1/27/13</a:t>
+              <a:t>6/8/2024</a:t>
             </a:fld>
             <a:endParaRPr lang="en-US"/>
           </a:p>
@@ -1090,6 +679,86 @@
       </p:sp>
       <p:sp>
         <p:nvSpPr>
+          <p:cNvPr id="10" name="Freeform 11"/>
+          <p:cNvSpPr/>
+          <p:nvPr/>
+        </p:nvSpPr>
+        <p:spPr bwMode="auto">
+          <a:xfrm flipV="1">
+            <a:off x="58" y="3166527"/>
+            <a:ext cx="1358356" cy="508005"/>
+          </a:xfrm>
+          <a:custGeom>
+            <a:avLst/>
+            <a:gdLst/>
+            <a:ahLst/>
+            <a:cxnLst/>
+            <a:rect l="l" t="t" r="r" b="b"/>
+            <a:pathLst>
+              <a:path w="7908" h="10000">
+                <a:moveTo>
+                  <a:pt x="7908" y="4694"/>
+                </a:moveTo>
+                <a:lnTo>
+                  <a:pt x="6575" y="188"/>
+                </a:lnTo>
+                <a:cubicBezTo>
+                  <a:pt x="6566" y="157"/>
+                  <a:pt x="6555" y="125"/>
+                  <a:pt x="6546" y="94"/>
+                </a:cubicBezTo>
+                <a:cubicBezTo>
+                  <a:pt x="6519" y="0"/>
+                  <a:pt x="6491" y="0"/>
+                  <a:pt x="6463" y="0"/>
+                </a:cubicBezTo>
+                <a:lnTo>
+                  <a:pt x="5935" y="0"/>
+                </a:lnTo>
+                <a:lnTo>
+                  <a:pt x="0" y="62"/>
+                </a:lnTo>
+                <a:lnTo>
+                  <a:pt x="0" y="10000"/>
+                </a:lnTo>
+                <a:lnTo>
+                  <a:pt x="5935" y="9952"/>
+                </a:lnTo>
+                <a:lnTo>
+                  <a:pt x="6463" y="9952"/>
+                </a:lnTo>
+                <a:cubicBezTo>
+                  <a:pt x="6491" y="9952"/>
+                  <a:pt x="6519" y="9859"/>
+                  <a:pt x="6546" y="9859"/>
+                </a:cubicBezTo>
+                <a:cubicBezTo>
+                  <a:pt x="6546" y="9764"/>
+                  <a:pt x="6575" y="9764"/>
+                  <a:pt x="6575" y="9764"/>
+                </a:cubicBezTo>
+                <a:lnTo>
+                  <a:pt x="7908" y="5258"/>
+                </a:lnTo>
+                <a:cubicBezTo>
+                  <a:pt x="7963" y="5070"/>
+                  <a:pt x="7963" y="4883"/>
+                  <a:pt x="7908" y="4694"/>
+                </a:cubicBezTo>
+                <a:close/>
+              </a:path>
+            </a:pathLst>
+          </a:custGeom>
+          <a:solidFill>
+            <a:schemeClr val="accent1"/>
+          </a:solidFill>
+          <a:ln>
+            <a:noFill/>
+          </a:ln>
+        </p:spPr>
+      </p:sp>
+      <p:sp>
+        <p:nvSpPr>
           <p:cNvPr id="6" name="Slide Number Placeholder 5"/>
           <p:cNvSpPr>
             <a:spLocks noGrp="1"/>
@@ -1098,14 +767,19 @@
             <p:ph type="sldNum" sz="quarter" idx="12"/>
           </p:nvPr>
         </p:nvSpPr>
-        <p:spPr/>
+        <p:spPr>
+          <a:xfrm>
+            <a:off x="511228" y="3244140"/>
+            <a:ext cx="584978" cy="365125"/>
+          </a:xfrm>
+        </p:spPr>
         <p:txBody>
           <a:bodyPr/>
           <a:lstStyle/>
           <a:p>
             <a:fld id="{C1FF6DA9-008F-8B48-92A6-B652298478BF}" type="slidenum">
               <a:rPr lang="en-US" smtClean="0"/>
-              <a:t>‹#›</a:t>
+              <a:t>‹Nr.›</a:t>
             </a:fld>
             <a:endParaRPr lang="en-US"/>
           </a:p>
@@ -1114,7 +788,7 @@
     </p:spTree>
     <p:extLst>
       <p:ext uri="{BB962C8B-B14F-4D97-AF65-F5344CB8AC3E}">
-        <p14:creationId xmlns:p14="http://schemas.microsoft.com/office/powerpoint/2010/main" val="960648375"/>
+        <p14:creationId xmlns:p14="http://schemas.microsoft.com/office/powerpoint/2010/main" val="1424848669"/>
       </p:ext>
     </p:extLst>
   </p:cSld>
@@ -1124,9 +798,9 @@
 </p:sldLayout>
 </file>
 
-<file path=ppt/slideLayouts/slideLayout4.xml><?xml version="1.0" encoding="utf-8"?>
-<p:sldLayout xmlns:a="http://schemas.openxmlformats.org/drawingml/2006/main" xmlns:r="http://schemas.openxmlformats.org/officeDocument/2006/relationships" xmlns:p="http://schemas.openxmlformats.org/presentationml/2006/main" type="twoObj" preserve="1">
-  <p:cSld name="Two Content">
+<file path=ppt/slideLayouts/slideLayout11.xml><?xml version="1.0" encoding="utf-8"?>
+<p:sldLayout xmlns:a="http://schemas.openxmlformats.org/drawingml/2006/main" xmlns:r="http://schemas.openxmlformats.org/officeDocument/2006/relationships" xmlns:p="http://schemas.openxmlformats.org/presentationml/2006/main" preserve="1">
+  <p:cSld name="Zitat mit Beschriftung">
     <p:spTree>
       <p:nvGrpSpPr>
         <p:cNvPr id="1" name=""/>
@@ -1151,258 +825,445 @@
             <p:ph type="title"/>
           </p:nvPr>
         </p:nvSpPr>
+        <p:spPr>
+          <a:xfrm>
+            <a:off x="2188123" y="609600"/>
+            <a:ext cx="6109587" cy="2895600"/>
+          </a:xfrm>
+        </p:spPr>
+        <p:txBody>
+          <a:bodyPr anchor="ctr">
+            <a:normAutofit/>
+          </a:bodyPr>
+          <a:lstStyle>
+            <a:lvl1pPr algn="l">
+              <a:defRPr sz="4800" b="0" cap="none"/>
+            </a:lvl1pPr>
+          </a:lstStyle>
+          <a:p>
+            <a:r>
+              <a:rPr lang="de-DE"/>
+              <a:t>Mastertitelformat bearbeiten</a:t>
+            </a:r>
+            <a:endParaRPr lang="en-US" dirty="0"/>
+          </a:p>
+        </p:txBody>
+      </p:sp>
+      <p:sp>
+        <p:nvSpPr>
+          <p:cNvPr id="13" name="Text Placeholder 9"/>
+          <p:cNvSpPr>
+            <a:spLocks noGrp="1"/>
+          </p:cNvSpPr>
+          <p:nvPr>
+            <p:ph type="body" sz="quarter" idx="13"/>
+          </p:nvPr>
+        </p:nvSpPr>
+        <p:spPr>
+          <a:xfrm>
+            <a:off x="2415972" y="3505200"/>
+            <a:ext cx="5653888" cy="381000"/>
+          </a:xfrm>
+        </p:spPr>
+        <p:txBody>
+          <a:bodyPr anchor="ctr">
+            <a:noAutofit/>
+          </a:bodyPr>
+          <a:lstStyle>
+            <a:lvl1pPr marL="0" indent="0">
+              <a:buFontTx/>
+              <a:buNone/>
+              <a:defRPr sz="1600">
+                <a:solidFill>
+                  <a:schemeClr val="tx1">
+                    <a:lumMod val="50000"/>
+                    <a:lumOff val="50000"/>
+                  </a:schemeClr>
+                </a:solidFill>
+              </a:defRPr>
+            </a:lvl1pPr>
+            <a:lvl2pPr marL="457200" indent="0">
+              <a:buFontTx/>
+              <a:buNone/>
+              <a:defRPr/>
+            </a:lvl2pPr>
+            <a:lvl3pPr marL="914400" indent="0">
+              <a:buFontTx/>
+              <a:buNone/>
+              <a:defRPr/>
+            </a:lvl3pPr>
+            <a:lvl4pPr marL="1371600" indent="0">
+              <a:buFontTx/>
+              <a:buNone/>
+              <a:defRPr/>
+            </a:lvl4pPr>
+            <a:lvl5pPr marL="1828800" indent="0">
+              <a:buFontTx/>
+              <a:buNone/>
+              <a:defRPr/>
+            </a:lvl5pPr>
+          </a:lstStyle>
+          <a:p>
+            <a:pPr lvl="0"/>
+            <a:r>
+              <a:rPr lang="de-DE"/>
+              <a:t>Mastertextformat bearbeiten</a:t>
+            </a:r>
+          </a:p>
+        </p:txBody>
+      </p:sp>
+      <p:sp>
+        <p:nvSpPr>
+          <p:cNvPr id="3" name="Text Placeholder 2"/>
+          <p:cNvSpPr>
+            <a:spLocks noGrp="1"/>
+          </p:cNvSpPr>
+          <p:nvPr>
+            <p:ph type="body" idx="1"/>
+          </p:nvPr>
+        </p:nvSpPr>
+        <p:spPr>
+          <a:xfrm>
+            <a:off x="1942415" y="4354046"/>
+            <a:ext cx="6591985" cy="1555864"/>
+          </a:xfrm>
+        </p:spPr>
+        <p:txBody>
+          <a:bodyPr anchor="ctr">
+            <a:normAutofit/>
+          </a:bodyPr>
+          <a:lstStyle>
+            <a:lvl1pPr marL="0" indent="0" algn="l">
+              <a:buNone/>
+              <a:defRPr sz="1800">
+                <a:solidFill>
+                  <a:schemeClr val="tx1">
+                    <a:lumMod val="65000"/>
+                    <a:lumOff val="35000"/>
+                  </a:schemeClr>
+                </a:solidFill>
+              </a:defRPr>
+            </a:lvl1pPr>
+            <a:lvl2pPr marL="457200" indent="0">
+              <a:buNone/>
+              <a:defRPr sz="1800">
+                <a:solidFill>
+                  <a:schemeClr val="tx1">
+                    <a:tint val="75000"/>
+                  </a:schemeClr>
+                </a:solidFill>
+              </a:defRPr>
+            </a:lvl2pPr>
+            <a:lvl3pPr marL="914400" indent="0">
+              <a:buNone/>
+              <a:defRPr sz="1600">
+                <a:solidFill>
+                  <a:schemeClr val="tx1">
+                    <a:tint val="75000"/>
+                  </a:schemeClr>
+                </a:solidFill>
+              </a:defRPr>
+            </a:lvl3pPr>
+            <a:lvl4pPr marL="1371600" indent="0">
+              <a:buNone/>
+              <a:defRPr sz="1400">
+                <a:solidFill>
+                  <a:schemeClr val="tx1">
+                    <a:tint val="75000"/>
+                  </a:schemeClr>
+                </a:solidFill>
+              </a:defRPr>
+            </a:lvl4pPr>
+            <a:lvl5pPr marL="1828800" indent="0">
+              <a:buNone/>
+              <a:defRPr sz="1400">
+                <a:solidFill>
+                  <a:schemeClr val="tx1">
+                    <a:tint val="75000"/>
+                  </a:schemeClr>
+                </a:solidFill>
+              </a:defRPr>
+            </a:lvl5pPr>
+            <a:lvl6pPr marL="2286000" indent="0">
+              <a:buNone/>
+              <a:defRPr sz="1400">
+                <a:solidFill>
+                  <a:schemeClr val="tx1">
+                    <a:tint val="75000"/>
+                  </a:schemeClr>
+                </a:solidFill>
+              </a:defRPr>
+            </a:lvl6pPr>
+            <a:lvl7pPr marL="2743200" indent="0">
+              <a:buNone/>
+              <a:defRPr sz="1400">
+                <a:solidFill>
+                  <a:schemeClr val="tx1">
+                    <a:tint val="75000"/>
+                  </a:schemeClr>
+                </a:solidFill>
+              </a:defRPr>
+            </a:lvl7pPr>
+            <a:lvl8pPr marL="3200400" indent="0">
+              <a:buNone/>
+              <a:defRPr sz="1400">
+                <a:solidFill>
+                  <a:schemeClr val="tx1">
+                    <a:tint val="75000"/>
+                  </a:schemeClr>
+                </a:solidFill>
+              </a:defRPr>
+            </a:lvl8pPr>
+            <a:lvl9pPr marL="3657600" indent="0">
+              <a:buNone/>
+              <a:defRPr sz="1400">
+                <a:solidFill>
+                  <a:schemeClr val="tx1">
+                    <a:tint val="75000"/>
+                  </a:schemeClr>
+                </a:solidFill>
+              </a:defRPr>
+            </a:lvl9pPr>
+          </a:lstStyle>
+          <a:p>
+            <a:pPr lvl="0"/>
+            <a:r>
+              <a:rPr lang="de-DE"/>
+              <a:t>Mastertextformat bearbeiten</a:t>
+            </a:r>
+          </a:p>
+        </p:txBody>
+      </p:sp>
+      <p:sp>
+        <p:nvSpPr>
+          <p:cNvPr id="4" name="Date Placeholder 3"/>
+          <p:cNvSpPr>
+            <a:spLocks noGrp="1"/>
+          </p:cNvSpPr>
+          <p:nvPr>
+            <p:ph type="dt" sz="half" idx="10"/>
+          </p:nvPr>
+        </p:nvSpPr>
         <p:spPr/>
         <p:txBody>
           <a:bodyPr/>
           <a:lstStyle/>
           <a:p>
-            <a:r>
+            <a:fld id="{5BCAD085-E8A6-8845-BD4E-CB4CCA059FC4}" type="datetimeFigureOut">
               <a:rPr lang="en-US" smtClean="0"/>
-              <a:t>Click to edit Master title style</a:t>
-            </a:r>
+              <a:t>6/8/2024</a:t>
+            </a:fld>
             <a:endParaRPr lang="en-US"/>
           </a:p>
         </p:txBody>
       </p:sp>
       <p:sp>
         <p:nvSpPr>
-          <p:cNvPr id="3" name="Content Placeholder 2"/>
-          <p:cNvSpPr>
-            <a:spLocks noGrp="1"/>
-          </p:cNvSpPr>
-          <p:nvPr>
-            <p:ph sz="half" idx="1"/>
+          <p:cNvPr id="5" name="Footer Placeholder 4"/>
+          <p:cNvSpPr>
+            <a:spLocks noGrp="1"/>
+          </p:cNvSpPr>
+          <p:nvPr>
+            <p:ph type="ftr" sz="quarter" idx="11"/>
+          </p:nvPr>
+        </p:nvSpPr>
+        <p:spPr/>
+        <p:txBody>
+          <a:bodyPr/>
+          <a:lstStyle/>
+          <a:p>
+            <a:endParaRPr lang="en-US"/>
+          </a:p>
+        </p:txBody>
+      </p:sp>
+      <p:sp>
+        <p:nvSpPr>
+          <p:cNvPr id="19" name="Freeform 11"/>
+          <p:cNvSpPr/>
+          <p:nvPr/>
+        </p:nvSpPr>
+        <p:spPr bwMode="auto">
+          <a:xfrm flipV="1">
+            <a:off x="58" y="3166527"/>
+            <a:ext cx="1358356" cy="508005"/>
+          </a:xfrm>
+          <a:custGeom>
+            <a:avLst/>
+            <a:gdLst/>
+            <a:ahLst/>
+            <a:cxnLst/>
+            <a:rect l="l" t="t" r="r" b="b"/>
+            <a:pathLst>
+              <a:path w="7908" h="10000">
+                <a:moveTo>
+                  <a:pt x="7908" y="4694"/>
+                </a:moveTo>
+                <a:lnTo>
+                  <a:pt x="6575" y="188"/>
+                </a:lnTo>
+                <a:cubicBezTo>
+                  <a:pt x="6566" y="157"/>
+                  <a:pt x="6555" y="125"/>
+                  <a:pt x="6546" y="94"/>
+                </a:cubicBezTo>
+                <a:cubicBezTo>
+                  <a:pt x="6519" y="0"/>
+                  <a:pt x="6491" y="0"/>
+                  <a:pt x="6463" y="0"/>
+                </a:cubicBezTo>
+                <a:lnTo>
+                  <a:pt x="5935" y="0"/>
+                </a:lnTo>
+                <a:lnTo>
+                  <a:pt x="0" y="62"/>
+                </a:lnTo>
+                <a:lnTo>
+                  <a:pt x="0" y="10000"/>
+                </a:lnTo>
+                <a:lnTo>
+                  <a:pt x="5935" y="9952"/>
+                </a:lnTo>
+                <a:lnTo>
+                  <a:pt x="6463" y="9952"/>
+                </a:lnTo>
+                <a:cubicBezTo>
+                  <a:pt x="6491" y="9952"/>
+                  <a:pt x="6519" y="9859"/>
+                  <a:pt x="6546" y="9859"/>
+                </a:cubicBezTo>
+                <a:cubicBezTo>
+                  <a:pt x="6546" y="9764"/>
+                  <a:pt x="6575" y="9764"/>
+                  <a:pt x="6575" y="9764"/>
+                </a:cubicBezTo>
+                <a:lnTo>
+                  <a:pt x="7908" y="5258"/>
+                </a:lnTo>
+                <a:cubicBezTo>
+                  <a:pt x="7963" y="5070"/>
+                  <a:pt x="7963" y="4883"/>
+                  <a:pt x="7908" y="4694"/>
+                </a:cubicBezTo>
+                <a:close/>
+              </a:path>
+            </a:pathLst>
+          </a:custGeom>
+          <a:solidFill>
+            <a:schemeClr val="accent1"/>
+          </a:solidFill>
+          <a:ln>
+            <a:noFill/>
+          </a:ln>
+        </p:spPr>
+      </p:sp>
+      <p:sp>
+        <p:nvSpPr>
+          <p:cNvPr id="6" name="Slide Number Placeholder 5"/>
+          <p:cNvSpPr>
+            <a:spLocks noGrp="1"/>
+          </p:cNvSpPr>
+          <p:nvPr>
+            <p:ph type="sldNum" sz="quarter" idx="12"/>
           </p:nvPr>
         </p:nvSpPr>
         <p:spPr>
           <a:xfrm>
-            <a:off x="457200" y="1600200"/>
-            <a:ext cx="4038600" cy="4525963"/>
+            <a:off x="511228" y="3244140"/>
+            <a:ext cx="584978" cy="365125"/>
           </a:xfrm>
         </p:spPr>
         <p:txBody>
           <a:bodyPr/>
-          <a:lstStyle>
-            <a:lvl1pPr>
-              <a:defRPr sz="2800"/>
-            </a:lvl1pPr>
-            <a:lvl2pPr>
-              <a:defRPr sz="2400"/>
-            </a:lvl2pPr>
-            <a:lvl3pPr>
-              <a:defRPr sz="2000"/>
-            </a:lvl3pPr>
-            <a:lvl4pPr>
-              <a:defRPr sz="1800"/>
-            </a:lvl4pPr>
-            <a:lvl5pPr>
-              <a:defRPr sz="1800"/>
-            </a:lvl5pPr>
-            <a:lvl6pPr>
-              <a:defRPr sz="1800"/>
-            </a:lvl6pPr>
-            <a:lvl7pPr>
-              <a:defRPr sz="1800"/>
-            </a:lvl7pPr>
-            <a:lvl8pPr>
-              <a:defRPr sz="1800"/>
-            </a:lvl8pPr>
-            <a:lvl9pPr>
-              <a:defRPr sz="1800"/>
-            </a:lvl9pPr>
-          </a:lstStyle>
-          <a:p>
-            <a:pPr lvl="0"/>
-            <a:r>
+          <a:lstStyle/>
+          <a:p>
+            <a:fld id="{C1FF6DA9-008F-8B48-92A6-B652298478BF}" type="slidenum">
               <a:rPr lang="en-US" smtClean="0"/>
-              <a:t>Click to edit Master text styles</a:t>
-            </a:r>
-          </a:p>
-          <a:p>
-            <a:pPr lvl="1"/>
-            <a:r>
-              <a:rPr lang="en-US" smtClean="0"/>
-              <a:t>Second level</a:t>
-            </a:r>
-          </a:p>
-          <a:p>
-            <a:pPr lvl="2"/>
-            <a:r>
-              <a:rPr lang="en-US" smtClean="0"/>
-              <a:t>Third level</a:t>
-            </a:r>
-          </a:p>
-          <a:p>
-            <a:pPr lvl="3"/>
-            <a:r>
-              <a:rPr lang="en-US" smtClean="0"/>
-              <a:t>Fourth level</a:t>
-            </a:r>
-          </a:p>
-          <a:p>
-            <a:pPr lvl="4"/>
-            <a:r>
-              <a:rPr lang="en-US" smtClean="0"/>
-              <a:t>Fifth level</a:t>
-            </a:r>
+              <a:t>‹Nr.›</a:t>
+            </a:fld>
             <a:endParaRPr lang="en-US"/>
           </a:p>
         </p:txBody>
       </p:sp>
       <p:sp>
         <p:nvSpPr>
-          <p:cNvPr id="4" name="Content Placeholder 3"/>
-          <p:cNvSpPr>
-            <a:spLocks noGrp="1"/>
-          </p:cNvSpPr>
-          <p:nvPr>
-            <p:ph sz="half" idx="2"/>
-          </p:nvPr>
+          <p:cNvPr id="14" name="TextBox 13"/>
+          <p:cNvSpPr txBox="1"/>
+          <p:nvPr/>
         </p:nvSpPr>
         <p:spPr>
           <a:xfrm>
-            <a:off x="4648200" y="1600200"/>
-            <a:ext cx="4038600" cy="4525963"/>
+            <a:off x="1808316" y="648005"/>
+            <a:ext cx="457319" cy="584776"/>
           </a:xfrm>
+          <a:prstGeom prst="rect">
+            <a:avLst/>
+          </a:prstGeom>
         </p:spPr>
         <p:txBody>
-          <a:bodyPr/>
-          <a:lstStyle>
-            <a:lvl1pPr>
-              <a:defRPr sz="2800"/>
-            </a:lvl1pPr>
-            <a:lvl2pPr>
-              <a:defRPr sz="2400"/>
-            </a:lvl2pPr>
-            <a:lvl3pPr>
-              <a:defRPr sz="2000"/>
-            </a:lvl3pPr>
-            <a:lvl4pPr>
-              <a:defRPr sz="1800"/>
-            </a:lvl4pPr>
-            <a:lvl5pPr>
-              <a:defRPr sz="1800"/>
-            </a:lvl5pPr>
-            <a:lvl6pPr>
-              <a:defRPr sz="1800"/>
-            </a:lvl6pPr>
-            <a:lvl7pPr>
-              <a:defRPr sz="1800"/>
-            </a:lvl7pPr>
-            <a:lvl8pPr>
-              <a:defRPr sz="1800"/>
-            </a:lvl8pPr>
-            <a:lvl9pPr>
-              <a:defRPr sz="1800"/>
-            </a:lvl9pPr>
-          </a:lstStyle>
+          <a:bodyPr vert="horz" lIns="91440" tIns="45720" rIns="91440" bIns="45720" rtlCol="0" anchor="ctr">
+            <a:noAutofit/>
+          </a:bodyPr>
+          <a:lstStyle/>
           <a:p>
             <a:pPr lvl="0"/>
             <a:r>
-              <a:rPr lang="en-US" smtClean="0"/>
-              <a:t>Click to edit Master text styles</a:t>
-            </a:r>
-          </a:p>
-          <a:p>
-            <a:pPr lvl="1"/>
-            <a:r>
-              <a:rPr lang="en-US" smtClean="0"/>
-              <a:t>Second level</a:t>
-            </a:r>
-          </a:p>
-          <a:p>
-            <a:pPr lvl="2"/>
-            <a:r>
-              <a:rPr lang="en-US" smtClean="0"/>
-              <a:t>Third level</a:t>
-            </a:r>
-          </a:p>
-          <a:p>
-            <a:pPr lvl="3"/>
-            <a:r>
-              <a:rPr lang="en-US" smtClean="0"/>
-              <a:t>Fourth level</a:t>
-            </a:r>
-          </a:p>
-          <a:p>
-            <a:pPr lvl="4"/>
-            <a:r>
-              <a:rPr lang="en-US" smtClean="0"/>
-              <a:t>Fifth level</a:t>
-            </a:r>
-            <a:endParaRPr lang="en-US"/>
-          </a:p>
-        </p:txBody>
-      </p:sp>
-      <p:sp>
-        <p:nvSpPr>
-          <p:cNvPr id="5" name="Date Placeholder 4"/>
-          <p:cNvSpPr>
-            <a:spLocks noGrp="1"/>
-          </p:cNvSpPr>
-          <p:nvPr>
-            <p:ph type="dt" sz="half" idx="10"/>
-          </p:nvPr>
-        </p:nvSpPr>
-        <p:spPr/>
-        <p:txBody>
-          <a:bodyPr/>
+              <a:rPr lang="en-US" sz="8000" baseline="0" dirty="0">
+                <a:ln w="3175" cmpd="sng">
+                  <a:noFill/>
+                </a:ln>
+                <a:solidFill>
+                  <a:schemeClr val="accent1"/>
+                </a:solidFill>
+                <a:effectLst/>
+                <a:latin typeface="Arial"/>
+              </a:rPr>
+              <a:t>“</a:t>
+            </a:r>
+          </a:p>
+        </p:txBody>
+      </p:sp>
+      <p:sp>
+        <p:nvSpPr>
+          <p:cNvPr id="15" name="TextBox 14"/>
+          <p:cNvSpPr txBox="1"/>
+          <p:nvPr/>
+        </p:nvSpPr>
+        <p:spPr>
+          <a:xfrm>
+            <a:off x="8169533" y="2905306"/>
+            <a:ext cx="457319" cy="584776"/>
+          </a:xfrm>
+          <a:prstGeom prst="rect">
+            <a:avLst/>
+          </a:prstGeom>
+        </p:spPr>
+        <p:txBody>
+          <a:bodyPr vert="horz" lIns="91440" tIns="45720" rIns="91440" bIns="45720" rtlCol="0" anchor="ctr">
+            <a:noAutofit/>
+          </a:bodyPr>
           <a:lstStyle/>
           <a:p>
-            <a:fld id="{5BCAD085-E8A6-8845-BD4E-CB4CCA059FC4}" type="datetimeFigureOut">
-              <a:rPr lang="en-US" smtClean="0"/>
-              <a:t>1/27/13</a:t>
-            </a:fld>
-            <a:endParaRPr lang="en-US"/>
-          </a:p>
-        </p:txBody>
-      </p:sp>
-      <p:sp>
-        <p:nvSpPr>
-          <p:cNvPr id="6" name="Footer Placeholder 5"/>
-          <p:cNvSpPr>
-            <a:spLocks noGrp="1"/>
-          </p:cNvSpPr>
-          <p:nvPr>
-            <p:ph type="ftr" sz="quarter" idx="11"/>
-          </p:nvPr>
-        </p:nvSpPr>
-        <p:spPr/>
-        <p:txBody>
-          <a:bodyPr/>
-          <a:lstStyle/>
-          <a:p>
-            <a:endParaRPr lang="en-US"/>
-          </a:p>
-        </p:txBody>
-      </p:sp>
-      <p:sp>
-        <p:nvSpPr>
-          <p:cNvPr id="7" name="Slide Number Placeholder 6"/>
-          <p:cNvSpPr>
-            <a:spLocks noGrp="1"/>
-          </p:cNvSpPr>
-          <p:nvPr>
-            <p:ph type="sldNum" sz="quarter" idx="12"/>
-          </p:nvPr>
-        </p:nvSpPr>
-        <p:spPr/>
-        <p:txBody>
-          <a:bodyPr/>
-          <a:lstStyle/>
-          <a:p>
-            <a:fld id="{C1FF6DA9-008F-8B48-92A6-B652298478BF}" type="slidenum">
-              <a:rPr lang="en-US" smtClean="0"/>
-              <a:t>‹#›</a:t>
-            </a:fld>
-            <a:endParaRPr lang="en-US"/>
+            <a:pPr lvl="0"/>
+            <a:r>
+              <a:rPr lang="en-US" sz="8000" baseline="0" dirty="0">
+                <a:ln w="3175" cmpd="sng">
+                  <a:noFill/>
+                </a:ln>
+                <a:solidFill>
+                  <a:schemeClr val="accent1"/>
+                </a:solidFill>
+                <a:effectLst/>
+                <a:latin typeface="Arial"/>
+              </a:rPr>
+              <a:t>”</a:t>
+            </a:r>
           </a:p>
         </p:txBody>
       </p:sp>
     </p:spTree>
     <p:extLst>
       <p:ext uri="{BB962C8B-B14F-4D97-AF65-F5344CB8AC3E}">
-        <p14:creationId xmlns:p14="http://schemas.microsoft.com/office/powerpoint/2010/main" val="2782244947"/>
+        <p14:creationId xmlns:p14="http://schemas.microsoft.com/office/powerpoint/2010/main" val="3596265942"/>
       </p:ext>
     </p:extLst>
   </p:cSld>
@@ -1412,9 +1273,9 @@
 </p:sldLayout>
 </file>
 
-<file path=ppt/slideLayouts/slideLayout5.xml><?xml version="1.0" encoding="utf-8"?>
-<p:sldLayout xmlns:a="http://schemas.openxmlformats.org/drawingml/2006/main" xmlns:r="http://schemas.openxmlformats.org/officeDocument/2006/relationships" xmlns:p="http://schemas.openxmlformats.org/presentationml/2006/main" type="twoTxTwoObj" preserve="1">
-  <p:cSld name="Comparison">
+<file path=ppt/slideLayouts/slideLayout12.xml><?xml version="1.0" encoding="utf-8"?>
+<p:sldLayout xmlns:a="http://schemas.openxmlformats.org/drawingml/2006/main" xmlns:r="http://schemas.openxmlformats.org/officeDocument/2006/relationships" xmlns:p="http://schemas.openxmlformats.org/presentationml/2006/main" preserve="1">
+  <p:cSld name="Namenskarte">
     <p:spTree>
       <p:nvGrpSpPr>
         <p:cNvPr id="1" name=""/>
@@ -1439,45 +1300,2436 @@
             <p:ph type="title"/>
           </p:nvPr>
         </p:nvSpPr>
-        <p:spPr/>
-        <p:txBody>
-          <a:bodyPr/>
+        <p:spPr>
+          <a:xfrm>
+            <a:off x="1942415" y="2438401"/>
+            <a:ext cx="6591985" cy="2724845"/>
+          </a:xfrm>
+        </p:spPr>
+        <p:txBody>
+          <a:bodyPr anchor="b">
+            <a:normAutofit/>
+          </a:bodyPr>
+          <a:lstStyle>
+            <a:lvl1pPr algn="l">
+              <a:defRPr sz="4800" b="0"/>
+            </a:lvl1pPr>
+          </a:lstStyle>
+          <a:p>
+            <a:r>
+              <a:rPr lang="de-DE"/>
+              <a:t>Mastertitelformat bearbeiten</a:t>
+            </a:r>
+            <a:endParaRPr lang="en-US" dirty="0"/>
+          </a:p>
+        </p:txBody>
+      </p:sp>
+      <p:sp>
+        <p:nvSpPr>
+          <p:cNvPr id="4" name="Text Placeholder 3"/>
+          <p:cNvSpPr>
+            <a:spLocks noGrp="1"/>
+          </p:cNvSpPr>
+          <p:nvPr>
+            <p:ph type="body" sz="half" idx="2"/>
+          </p:nvPr>
+        </p:nvSpPr>
+        <p:spPr>
+          <a:xfrm>
+            <a:off x="1942415" y="5181600"/>
+            <a:ext cx="6591985" cy="729622"/>
+          </a:xfrm>
+        </p:spPr>
+        <p:txBody>
+          <a:bodyPr vert="horz" lIns="91440" tIns="45720" rIns="91440" bIns="45720" rtlCol="0" anchor="t">
+            <a:normAutofit/>
+          </a:bodyPr>
           <a:lstStyle>
             <a:lvl1pPr>
-              <a:defRPr/>
+              <a:buNone/>
+              <a:defRPr lang="en-US">
+                <a:solidFill>
+                  <a:schemeClr val="tx1">
+                    <a:lumMod val="65000"/>
+                    <a:lumOff val="35000"/>
+                  </a:schemeClr>
+                </a:solidFill>
+              </a:defRPr>
             </a:lvl1pPr>
           </a:lstStyle>
           <a:p>
-            <a:r>
+            <a:pPr marL="0" lvl="0" indent="0">
+              <a:buNone/>
+            </a:pPr>
+            <a:r>
+              <a:rPr lang="de-DE"/>
+              <a:t>Mastertextformat bearbeiten</a:t>
+            </a:r>
+          </a:p>
+        </p:txBody>
+      </p:sp>
+      <p:sp>
+        <p:nvSpPr>
+          <p:cNvPr id="5" name="Date Placeholder 4"/>
+          <p:cNvSpPr>
+            <a:spLocks noGrp="1"/>
+          </p:cNvSpPr>
+          <p:nvPr>
+            <p:ph type="dt" sz="half" idx="10"/>
+          </p:nvPr>
+        </p:nvSpPr>
+        <p:spPr/>
+        <p:txBody>
+          <a:bodyPr/>
+          <a:lstStyle/>
+          <a:p>
+            <a:fld id="{5BCAD085-E8A6-8845-BD4E-CB4CCA059FC4}" type="datetimeFigureOut">
               <a:rPr lang="en-US" smtClean="0"/>
-              <a:t>Click to edit Master title style</a:t>
-            </a:r>
+              <a:t>6/8/2024</a:t>
+            </a:fld>
             <a:endParaRPr lang="en-US"/>
           </a:p>
         </p:txBody>
       </p:sp>
       <p:sp>
         <p:nvSpPr>
-          <p:cNvPr id="3" name="Text Placeholder 2"/>
-          <p:cNvSpPr>
-            <a:spLocks noGrp="1"/>
-          </p:cNvSpPr>
-          <p:nvPr>
-            <p:ph type="body" idx="1"/>
+          <p:cNvPr id="6" name="Footer Placeholder 5"/>
+          <p:cNvSpPr>
+            <a:spLocks noGrp="1"/>
+          </p:cNvSpPr>
+          <p:nvPr>
+            <p:ph type="ftr" sz="quarter" idx="11"/>
+          </p:nvPr>
+        </p:nvSpPr>
+        <p:spPr/>
+        <p:txBody>
+          <a:bodyPr/>
+          <a:lstStyle/>
+          <a:p>
+            <a:endParaRPr lang="en-US"/>
+          </a:p>
+        </p:txBody>
+      </p:sp>
+      <p:sp>
+        <p:nvSpPr>
+          <p:cNvPr id="11" name="Freeform 11"/>
+          <p:cNvSpPr/>
+          <p:nvPr/>
+        </p:nvSpPr>
+        <p:spPr bwMode="auto">
+          <a:xfrm flipV="1">
+            <a:off x="58" y="4910660"/>
+            <a:ext cx="1358356" cy="508005"/>
+          </a:xfrm>
+          <a:custGeom>
+            <a:avLst/>
+            <a:gdLst/>
+            <a:ahLst/>
+            <a:cxnLst/>
+            <a:rect l="l" t="t" r="r" b="b"/>
+            <a:pathLst>
+              <a:path w="7908" h="10000">
+                <a:moveTo>
+                  <a:pt x="7908" y="4694"/>
+                </a:moveTo>
+                <a:lnTo>
+                  <a:pt x="6575" y="188"/>
+                </a:lnTo>
+                <a:cubicBezTo>
+                  <a:pt x="6566" y="157"/>
+                  <a:pt x="6555" y="125"/>
+                  <a:pt x="6546" y="94"/>
+                </a:cubicBezTo>
+                <a:cubicBezTo>
+                  <a:pt x="6519" y="0"/>
+                  <a:pt x="6491" y="0"/>
+                  <a:pt x="6463" y="0"/>
+                </a:cubicBezTo>
+                <a:lnTo>
+                  <a:pt x="5935" y="0"/>
+                </a:lnTo>
+                <a:lnTo>
+                  <a:pt x="0" y="62"/>
+                </a:lnTo>
+                <a:lnTo>
+                  <a:pt x="0" y="10000"/>
+                </a:lnTo>
+                <a:lnTo>
+                  <a:pt x="5935" y="9952"/>
+                </a:lnTo>
+                <a:lnTo>
+                  <a:pt x="6463" y="9952"/>
+                </a:lnTo>
+                <a:cubicBezTo>
+                  <a:pt x="6491" y="9952"/>
+                  <a:pt x="6519" y="9859"/>
+                  <a:pt x="6546" y="9859"/>
+                </a:cubicBezTo>
+                <a:cubicBezTo>
+                  <a:pt x="6546" y="9764"/>
+                  <a:pt x="6575" y="9764"/>
+                  <a:pt x="6575" y="9764"/>
+                </a:cubicBezTo>
+                <a:lnTo>
+                  <a:pt x="7908" y="5258"/>
+                </a:lnTo>
+                <a:cubicBezTo>
+                  <a:pt x="7963" y="5070"/>
+                  <a:pt x="7963" y="4883"/>
+                  <a:pt x="7908" y="4694"/>
+                </a:cubicBezTo>
+                <a:close/>
+              </a:path>
+            </a:pathLst>
+          </a:custGeom>
+          <a:solidFill>
+            <a:schemeClr val="accent1"/>
+          </a:solidFill>
+          <a:ln>
+            <a:noFill/>
+          </a:ln>
+        </p:spPr>
+      </p:sp>
+      <p:sp>
+        <p:nvSpPr>
+          <p:cNvPr id="7" name="Slide Number Placeholder 6"/>
+          <p:cNvSpPr>
+            <a:spLocks noGrp="1"/>
+          </p:cNvSpPr>
+          <p:nvPr>
+            <p:ph type="sldNum" sz="quarter" idx="12"/>
           </p:nvPr>
         </p:nvSpPr>
         <p:spPr>
           <a:xfrm>
-            <a:off x="457200" y="1535113"/>
-            <a:ext cx="4040188" cy="639762"/>
+            <a:off x="511228" y="4983088"/>
+            <a:ext cx="584978" cy="365125"/>
           </a:xfrm>
         </p:spPr>
         <p:txBody>
+          <a:bodyPr/>
+          <a:lstStyle/>
+          <a:p>
+            <a:fld id="{C1FF6DA9-008F-8B48-92A6-B652298478BF}" type="slidenum">
+              <a:rPr lang="en-US" smtClean="0"/>
+              <a:t>‹Nr.›</a:t>
+            </a:fld>
+            <a:endParaRPr lang="en-US"/>
+          </a:p>
+        </p:txBody>
+      </p:sp>
+    </p:spTree>
+    <p:extLst>
+      <p:ext uri="{BB962C8B-B14F-4D97-AF65-F5344CB8AC3E}">
+        <p14:creationId xmlns:p14="http://schemas.microsoft.com/office/powerpoint/2010/main" val="4001730074"/>
+      </p:ext>
+    </p:extLst>
+  </p:cSld>
+  <p:clrMapOvr>
+    <a:masterClrMapping/>
+  </p:clrMapOvr>
+</p:sldLayout>
+</file>
+
+<file path=ppt/slideLayouts/slideLayout13.xml><?xml version="1.0" encoding="utf-8"?>
+<p:sldLayout xmlns:a="http://schemas.openxmlformats.org/drawingml/2006/main" xmlns:r="http://schemas.openxmlformats.org/officeDocument/2006/relationships" xmlns:p="http://schemas.openxmlformats.org/presentationml/2006/main" preserve="1">
+  <p:cSld name="Namenskarte für Zitat">
+    <p:spTree>
+      <p:nvGrpSpPr>
+        <p:cNvPr id="1" name=""/>
+        <p:cNvGrpSpPr/>
+        <p:nvPr/>
+      </p:nvGrpSpPr>
+      <p:grpSpPr>
+        <a:xfrm>
+          <a:off x="0" y="0"/>
+          <a:ext cx="0" cy="0"/>
+          <a:chOff x="0" y="0"/>
+          <a:chExt cx="0" cy="0"/>
+        </a:xfrm>
+      </p:grpSpPr>
+      <p:sp>
+        <p:nvSpPr>
+          <p:cNvPr id="13" name="Title 1"/>
+          <p:cNvSpPr>
+            <a:spLocks noGrp="1"/>
+          </p:cNvSpPr>
+          <p:nvPr>
+            <p:ph type="title"/>
+          </p:nvPr>
+        </p:nvSpPr>
+        <p:spPr>
+          <a:xfrm>
+            <a:off x="2188123" y="609600"/>
+            <a:ext cx="6109587" cy="2895600"/>
+          </a:xfrm>
+        </p:spPr>
+        <p:txBody>
+          <a:bodyPr anchor="ctr">
+            <a:normAutofit/>
+          </a:bodyPr>
+          <a:lstStyle>
+            <a:lvl1pPr algn="l">
+              <a:defRPr sz="4800" b="0" cap="none"/>
+            </a:lvl1pPr>
+          </a:lstStyle>
+          <a:p>
+            <a:r>
+              <a:rPr lang="de-DE"/>
+              <a:t>Mastertitelformat bearbeiten</a:t>
+            </a:r>
+            <a:endParaRPr lang="en-US" dirty="0"/>
+          </a:p>
+        </p:txBody>
+      </p:sp>
+      <p:sp>
+        <p:nvSpPr>
+          <p:cNvPr id="21" name="Text Placeholder 9"/>
+          <p:cNvSpPr>
+            <a:spLocks noGrp="1"/>
+          </p:cNvSpPr>
+          <p:nvPr>
+            <p:ph type="body" sz="quarter" idx="13"/>
+          </p:nvPr>
+        </p:nvSpPr>
+        <p:spPr>
+          <a:xfrm>
+            <a:off x="1942415" y="4343400"/>
+            <a:ext cx="6688292" cy="838200"/>
+          </a:xfrm>
+        </p:spPr>
+        <p:txBody>
+          <a:bodyPr anchor="b">
+            <a:noAutofit/>
+          </a:bodyPr>
+          <a:lstStyle>
+            <a:lvl1pPr marL="0" indent="0">
+              <a:buFontTx/>
+              <a:buNone/>
+              <a:defRPr sz="2400">
+                <a:solidFill>
+                  <a:schemeClr val="accent1"/>
+                </a:solidFill>
+              </a:defRPr>
+            </a:lvl1pPr>
+            <a:lvl2pPr marL="457200" indent="0">
+              <a:buFontTx/>
+              <a:buNone/>
+              <a:defRPr/>
+            </a:lvl2pPr>
+            <a:lvl3pPr marL="914400" indent="0">
+              <a:buFontTx/>
+              <a:buNone/>
+              <a:defRPr/>
+            </a:lvl3pPr>
+            <a:lvl4pPr marL="1371600" indent="0">
+              <a:buFontTx/>
+              <a:buNone/>
+              <a:defRPr/>
+            </a:lvl4pPr>
+            <a:lvl5pPr marL="1828800" indent="0">
+              <a:buFontTx/>
+              <a:buNone/>
+              <a:defRPr/>
+            </a:lvl5pPr>
+          </a:lstStyle>
+          <a:p>
+            <a:pPr lvl="0"/>
+            <a:r>
+              <a:rPr lang="de-DE"/>
+              <a:t>Mastertextformat bearbeiten</a:t>
+            </a:r>
+          </a:p>
+        </p:txBody>
+      </p:sp>
+      <p:sp>
+        <p:nvSpPr>
+          <p:cNvPr id="4" name="Text Placeholder 3"/>
+          <p:cNvSpPr>
+            <a:spLocks noGrp="1"/>
+          </p:cNvSpPr>
+          <p:nvPr>
+            <p:ph type="body" sz="half" idx="2"/>
+          </p:nvPr>
+        </p:nvSpPr>
+        <p:spPr>
+          <a:xfrm>
+            <a:off x="1942415" y="5181600"/>
+            <a:ext cx="6688292" cy="729622"/>
+          </a:xfrm>
+        </p:spPr>
+        <p:txBody>
+          <a:bodyPr vert="horz" lIns="91440" tIns="45720" rIns="91440" bIns="45720" rtlCol="0" anchor="t">
+            <a:normAutofit/>
+          </a:bodyPr>
+          <a:lstStyle>
+            <a:lvl1pPr>
+              <a:buNone/>
+              <a:defRPr lang="en-US">
+                <a:solidFill>
+                  <a:schemeClr val="tx1">
+                    <a:lumMod val="65000"/>
+                    <a:lumOff val="35000"/>
+                  </a:schemeClr>
+                </a:solidFill>
+              </a:defRPr>
+            </a:lvl1pPr>
+          </a:lstStyle>
+          <a:p>
+            <a:pPr marL="0" lvl="0" indent="0">
+              <a:buNone/>
+            </a:pPr>
+            <a:r>
+              <a:rPr lang="de-DE"/>
+              <a:t>Mastertextformat bearbeiten</a:t>
+            </a:r>
+          </a:p>
+        </p:txBody>
+      </p:sp>
+      <p:sp>
+        <p:nvSpPr>
+          <p:cNvPr id="5" name="Date Placeholder 4"/>
+          <p:cNvSpPr>
+            <a:spLocks noGrp="1"/>
+          </p:cNvSpPr>
+          <p:nvPr>
+            <p:ph type="dt" sz="half" idx="10"/>
+          </p:nvPr>
+        </p:nvSpPr>
+        <p:spPr/>
+        <p:txBody>
+          <a:bodyPr/>
+          <a:lstStyle/>
+          <a:p>
+            <a:fld id="{5BCAD085-E8A6-8845-BD4E-CB4CCA059FC4}" type="datetimeFigureOut">
+              <a:rPr lang="en-US" smtClean="0"/>
+              <a:t>6/8/2024</a:t>
+            </a:fld>
+            <a:endParaRPr lang="en-US"/>
+          </a:p>
+        </p:txBody>
+      </p:sp>
+      <p:sp>
+        <p:nvSpPr>
+          <p:cNvPr id="6" name="Footer Placeholder 5"/>
+          <p:cNvSpPr>
+            <a:spLocks noGrp="1"/>
+          </p:cNvSpPr>
+          <p:nvPr>
+            <p:ph type="ftr" sz="quarter" idx="11"/>
+          </p:nvPr>
+        </p:nvSpPr>
+        <p:spPr/>
+        <p:txBody>
+          <a:bodyPr/>
+          <a:lstStyle/>
+          <a:p>
+            <a:endParaRPr lang="en-US"/>
+          </a:p>
+        </p:txBody>
+      </p:sp>
+      <p:sp>
+        <p:nvSpPr>
+          <p:cNvPr id="20" name="Freeform 11"/>
+          <p:cNvSpPr/>
+          <p:nvPr/>
+        </p:nvSpPr>
+        <p:spPr bwMode="auto">
+          <a:xfrm flipV="1">
+            <a:off x="58" y="4910660"/>
+            <a:ext cx="1358356" cy="508005"/>
+          </a:xfrm>
+          <a:custGeom>
+            <a:avLst/>
+            <a:gdLst/>
+            <a:ahLst/>
+            <a:cxnLst/>
+            <a:rect l="l" t="t" r="r" b="b"/>
+            <a:pathLst>
+              <a:path w="7908" h="10000">
+                <a:moveTo>
+                  <a:pt x="7908" y="4694"/>
+                </a:moveTo>
+                <a:lnTo>
+                  <a:pt x="6575" y="188"/>
+                </a:lnTo>
+                <a:cubicBezTo>
+                  <a:pt x="6566" y="157"/>
+                  <a:pt x="6555" y="125"/>
+                  <a:pt x="6546" y="94"/>
+                </a:cubicBezTo>
+                <a:cubicBezTo>
+                  <a:pt x="6519" y="0"/>
+                  <a:pt x="6491" y="0"/>
+                  <a:pt x="6463" y="0"/>
+                </a:cubicBezTo>
+                <a:lnTo>
+                  <a:pt x="5935" y="0"/>
+                </a:lnTo>
+                <a:lnTo>
+                  <a:pt x="0" y="62"/>
+                </a:lnTo>
+                <a:lnTo>
+                  <a:pt x="0" y="10000"/>
+                </a:lnTo>
+                <a:lnTo>
+                  <a:pt x="5935" y="9952"/>
+                </a:lnTo>
+                <a:lnTo>
+                  <a:pt x="6463" y="9952"/>
+                </a:lnTo>
+                <a:cubicBezTo>
+                  <a:pt x="6491" y="9952"/>
+                  <a:pt x="6519" y="9859"/>
+                  <a:pt x="6546" y="9859"/>
+                </a:cubicBezTo>
+                <a:cubicBezTo>
+                  <a:pt x="6546" y="9764"/>
+                  <a:pt x="6575" y="9764"/>
+                  <a:pt x="6575" y="9764"/>
+                </a:cubicBezTo>
+                <a:lnTo>
+                  <a:pt x="7908" y="5258"/>
+                </a:lnTo>
+                <a:cubicBezTo>
+                  <a:pt x="7963" y="5070"/>
+                  <a:pt x="7963" y="4883"/>
+                  <a:pt x="7908" y="4694"/>
+                </a:cubicBezTo>
+                <a:close/>
+              </a:path>
+            </a:pathLst>
+          </a:custGeom>
+          <a:solidFill>
+            <a:schemeClr val="accent1"/>
+          </a:solidFill>
+          <a:ln>
+            <a:noFill/>
+          </a:ln>
+        </p:spPr>
+      </p:sp>
+      <p:sp>
+        <p:nvSpPr>
+          <p:cNvPr id="7" name="Slide Number Placeholder 6"/>
+          <p:cNvSpPr>
+            <a:spLocks noGrp="1"/>
+          </p:cNvSpPr>
+          <p:nvPr>
+            <p:ph type="sldNum" sz="quarter" idx="12"/>
+          </p:nvPr>
+        </p:nvSpPr>
+        <p:spPr>
+          <a:xfrm>
+            <a:off x="511228" y="4983088"/>
+            <a:ext cx="584978" cy="365125"/>
+          </a:xfrm>
+        </p:spPr>
+        <p:txBody>
+          <a:bodyPr/>
+          <a:lstStyle/>
+          <a:p>
+            <a:fld id="{C1FF6DA9-008F-8B48-92A6-B652298478BF}" type="slidenum">
+              <a:rPr lang="en-US" smtClean="0"/>
+              <a:t>‹Nr.›</a:t>
+            </a:fld>
+            <a:endParaRPr lang="en-US"/>
+          </a:p>
+        </p:txBody>
+      </p:sp>
+      <p:sp>
+        <p:nvSpPr>
+          <p:cNvPr id="11" name="TextBox 10"/>
+          <p:cNvSpPr txBox="1"/>
+          <p:nvPr/>
+        </p:nvSpPr>
+        <p:spPr>
+          <a:xfrm>
+            <a:off x="1808316" y="648005"/>
+            <a:ext cx="457319" cy="584776"/>
+          </a:xfrm>
+          <a:prstGeom prst="rect">
+            <a:avLst/>
+          </a:prstGeom>
+        </p:spPr>
+        <p:txBody>
+          <a:bodyPr vert="horz" lIns="91440" tIns="45720" rIns="91440" bIns="45720" rtlCol="0" anchor="ctr">
+            <a:noAutofit/>
+          </a:bodyPr>
+          <a:lstStyle/>
+          <a:p>
+            <a:pPr lvl="0"/>
+            <a:r>
+              <a:rPr lang="en-US" sz="8000" baseline="0" dirty="0">
+                <a:ln w="3175" cmpd="sng">
+                  <a:noFill/>
+                </a:ln>
+                <a:solidFill>
+                  <a:schemeClr val="accent1"/>
+                </a:solidFill>
+                <a:effectLst/>
+                <a:latin typeface="Arial"/>
+              </a:rPr>
+              <a:t>“</a:t>
+            </a:r>
+          </a:p>
+        </p:txBody>
+      </p:sp>
+      <p:sp>
+        <p:nvSpPr>
+          <p:cNvPr id="12" name="TextBox 11"/>
+          <p:cNvSpPr txBox="1"/>
+          <p:nvPr/>
+        </p:nvSpPr>
+        <p:spPr>
+          <a:xfrm>
+            <a:off x="8169533" y="2905306"/>
+            <a:ext cx="457319" cy="584776"/>
+          </a:xfrm>
+          <a:prstGeom prst="rect">
+            <a:avLst/>
+          </a:prstGeom>
+        </p:spPr>
+        <p:txBody>
+          <a:bodyPr vert="horz" lIns="91440" tIns="45720" rIns="91440" bIns="45720" rtlCol="0" anchor="ctr">
+            <a:noAutofit/>
+          </a:bodyPr>
+          <a:lstStyle/>
+          <a:p>
+            <a:pPr lvl="0"/>
+            <a:r>
+              <a:rPr lang="en-US" sz="8000" baseline="0" dirty="0">
+                <a:ln w="3175" cmpd="sng">
+                  <a:noFill/>
+                </a:ln>
+                <a:solidFill>
+                  <a:schemeClr val="accent1"/>
+                </a:solidFill>
+                <a:effectLst/>
+                <a:latin typeface="Arial"/>
+              </a:rPr>
+              <a:t>”</a:t>
+            </a:r>
+          </a:p>
+        </p:txBody>
+      </p:sp>
+    </p:spTree>
+    <p:extLst>
+      <p:ext uri="{BB962C8B-B14F-4D97-AF65-F5344CB8AC3E}">
+        <p14:creationId xmlns:p14="http://schemas.microsoft.com/office/powerpoint/2010/main" val="1668038048"/>
+      </p:ext>
+    </p:extLst>
+  </p:cSld>
+  <p:clrMapOvr>
+    <a:masterClrMapping/>
+  </p:clrMapOvr>
+</p:sldLayout>
+</file>
+
+<file path=ppt/slideLayouts/slideLayout14.xml><?xml version="1.0" encoding="utf-8"?>
+<p:sldLayout xmlns:a="http://schemas.openxmlformats.org/drawingml/2006/main" xmlns:r="http://schemas.openxmlformats.org/officeDocument/2006/relationships" xmlns:p="http://schemas.openxmlformats.org/presentationml/2006/main" preserve="1">
+  <p:cSld name="Wahr oder Falsch">
+    <p:spTree>
+      <p:nvGrpSpPr>
+        <p:cNvPr id="1" name=""/>
+        <p:cNvGrpSpPr/>
+        <p:nvPr/>
+      </p:nvGrpSpPr>
+      <p:grpSpPr>
+        <a:xfrm>
+          <a:off x="0" y="0"/>
+          <a:ext cx="0" cy="0"/>
+          <a:chOff x="0" y="0"/>
+          <a:chExt cx="0" cy="0"/>
+        </a:xfrm>
+      </p:grpSpPr>
+      <p:sp>
+        <p:nvSpPr>
+          <p:cNvPr id="2" name="Title 1"/>
+          <p:cNvSpPr>
+            <a:spLocks noGrp="1"/>
+          </p:cNvSpPr>
+          <p:nvPr>
+            <p:ph type="title"/>
+          </p:nvPr>
+        </p:nvSpPr>
+        <p:spPr>
+          <a:xfrm>
+            <a:off x="1942416" y="627407"/>
+            <a:ext cx="6591984" cy="2880020"/>
+          </a:xfrm>
+        </p:spPr>
+        <p:txBody>
+          <a:bodyPr anchor="ctr">
+            <a:normAutofit/>
+          </a:bodyPr>
+          <a:lstStyle>
+            <a:lvl1pPr algn="l">
+              <a:defRPr sz="4800" b="0"/>
+            </a:lvl1pPr>
+          </a:lstStyle>
+          <a:p>
+            <a:r>
+              <a:rPr lang="de-DE"/>
+              <a:t>Mastertitelformat bearbeiten</a:t>
+            </a:r>
+            <a:endParaRPr lang="en-US" dirty="0"/>
+          </a:p>
+        </p:txBody>
+      </p:sp>
+      <p:sp>
+        <p:nvSpPr>
+          <p:cNvPr id="21" name="Text Placeholder 9"/>
+          <p:cNvSpPr>
+            <a:spLocks noGrp="1"/>
+          </p:cNvSpPr>
+          <p:nvPr>
+            <p:ph type="body" sz="quarter" idx="13"/>
+          </p:nvPr>
+        </p:nvSpPr>
+        <p:spPr>
+          <a:xfrm>
+            <a:off x="1942415" y="4343400"/>
+            <a:ext cx="6591985" cy="838200"/>
+          </a:xfrm>
+        </p:spPr>
+        <p:txBody>
+          <a:bodyPr anchor="b">
+            <a:noAutofit/>
+          </a:bodyPr>
+          <a:lstStyle>
+            <a:lvl1pPr marL="0" indent="0">
+              <a:buFontTx/>
+              <a:buNone/>
+              <a:defRPr sz="2400">
+                <a:solidFill>
+                  <a:schemeClr val="accent1"/>
+                </a:solidFill>
+              </a:defRPr>
+            </a:lvl1pPr>
+            <a:lvl2pPr marL="457200" indent="0">
+              <a:buFontTx/>
+              <a:buNone/>
+              <a:defRPr/>
+            </a:lvl2pPr>
+            <a:lvl3pPr marL="914400" indent="0">
+              <a:buFontTx/>
+              <a:buNone/>
+              <a:defRPr/>
+            </a:lvl3pPr>
+            <a:lvl4pPr marL="1371600" indent="0">
+              <a:buFontTx/>
+              <a:buNone/>
+              <a:defRPr/>
+            </a:lvl4pPr>
+            <a:lvl5pPr marL="1828800" indent="0">
+              <a:buFontTx/>
+              <a:buNone/>
+              <a:defRPr/>
+            </a:lvl5pPr>
+          </a:lstStyle>
+          <a:p>
+            <a:pPr lvl="0"/>
+            <a:r>
+              <a:rPr lang="de-DE"/>
+              <a:t>Mastertextformat bearbeiten</a:t>
+            </a:r>
+          </a:p>
+        </p:txBody>
+      </p:sp>
+      <p:sp>
+        <p:nvSpPr>
+          <p:cNvPr id="4" name="Text Placeholder 3"/>
+          <p:cNvSpPr>
+            <a:spLocks noGrp="1"/>
+          </p:cNvSpPr>
+          <p:nvPr>
+            <p:ph type="body" sz="half" idx="2"/>
+          </p:nvPr>
+        </p:nvSpPr>
+        <p:spPr>
+          <a:xfrm>
+            <a:off x="1942415" y="5181600"/>
+            <a:ext cx="6591985" cy="729622"/>
+          </a:xfrm>
+        </p:spPr>
+        <p:txBody>
+          <a:bodyPr vert="horz" lIns="91440" tIns="45720" rIns="91440" bIns="45720" rtlCol="0" anchor="t">
+            <a:normAutofit/>
+          </a:bodyPr>
+          <a:lstStyle>
+            <a:lvl1pPr>
+              <a:buNone/>
+              <a:defRPr lang="en-US">
+                <a:solidFill>
+                  <a:schemeClr val="tx1">
+                    <a:lumMod val="65000"/>
+                    <a:lumOff val="35000"/>
+                  </a:schemeClr>
+                </a:solidFill>
+              </a:defRPr>
+            </a:lvl1pPr>
+          </a:lstStyle>
+          <a:p>
+            <a:pPr marL="0" lvl="0" indent="0">
+              <a:buNone/>
+            </a:pPr>
+            <a:r>
+              <a:rPr lang="de-DE"/>
+              <a:t>Mastertextformat bearbeiten</a:t>
+            </a:r>
+          </a:p>
+        </p:txBody>
+      </p:sp>
+      <p:sp>
+        <p:nvSpPr>
+          <p:cNvPr id="5" name="Date Placeholder 4"/>
+          <p:cNvSpPr>
+            <a:spLocks noGrp="1"/>
+          </p:cNvSpPr>
+          <p:nvPr>
+            <p:ph type="dt" sz="half" idx="10"/>
+          </p:nvPr>
+        </p:nvSpPr>
+        <p:spPr/>
+        <p:txBody>
+          <a:bodyPr/>
+          <a:lstStyle/>
+          <a:p>
+            <a:fld id="{5BCAD085-E8A6-8845-BD4E-CB4CCA059FC4}" type="datetimeFigureOut">
+              <a:rPr lang="en-US" smtClean="0"/>
+              <a:t>6/8/2024</a:t>
+            </a:fld>
+            <a:endParaRPr lang="en-US"/>
+          </a:p>
+        </p:txBody>
+      </p:sp>
+      <p:sp>
+        <p:nvSpPr>
+          <p:cNvPr id="6" name="Footer Placeholder 5"/>
+          <p:cNvSpPr>
+            <a:spLocks noGrp="1"/>
+          </p:cNvSpPr>
+          <p:nvPr>
+            <p:ph type="ftr" sz="quarter" idx="11"/>
+          </p:nvPr>
+        </p:nvSpPr>
+        <p:spPr/>
+        <p:txBody>
+          <a:bodyPr/>
+          <a:lstStyle/>
+          <a:p>
+            <a:endParaRPr lang="en-US"/>
+          </a:p>
+        </p:txBody>
+      </p:sp>
+      <p:sp>
+        <p:nvSpPr>
+          <p:cNvPr id="10" name="Freeform 11"/>
+          <p:cNvSpPr/>
+          <p:nvPr/>
+        </p:nvSpPr>
+        <p:spPr bwMode="auto">
+          <a:xfrm flipV="1">
+            <a:off x="58" y="4910660"/>
+            <a:ext cx="1358356" cy="508005"/>
+          </a:xfrm>
+          <a:custGeom>
+            <a:avLst/>
+            <a:gdLst/>
+            <a:ahLst/>
+            <a:cxnLst/>
+            <a:rect l="l" t="t" r="r" b="b"/>
+            <a:pathLst>
+              <a:path w="7908" h="10000">
+                <a:moveTo>
+                  <a:pt x="7908" y="4694"/>
+                </a:moveTo>
+                <a:lnTo>
+                  <a:pt x="6575" y="188"/>
+                </a:lnTo>
+                <a:cubicBezTo>
+                  <a:pt x="6566" y="157"/>
+                  <a:pt x="6555" y="125"/>
+                  <a:pt x="6546" y="94"/>
+                </a:cubicBezTo>
+                <a:cubicBezTo>
+                  <a:pt x="6519" y="0"/>
+                  <a:pt x="6491" y="0"/>
+                  <a:pt x="6463" y="0"/>
+                </a:cubicBezTo>
+                <a:lnTo>
+                  <a:pt x="5935" y="0"/>
+                </a:lnTo>
+                <a:lnTo>
+                  <a:pt x="0" y="62"/>
+                </a:lnTo>
+                <a:lnTo>
+                  <a:pt x="0" y="10000"/>
+                </a:lnTo>
+                <a:lnTo>
+                  <a:pt x="5935" y="9952"/>
+                </a:lnTo>
+                <a:lnTo>
+                  <a:pt x="6463" y="9952"/>
+                </a:lnTo>
+                <a:cubicBezTo>
+                  <a:pt x="6491" y="9952"/>
+                  <a:pt x="6519" y="9859"/>
+                  <a:pt x="6546" y="9859"/>
+                </a:cubicBezTo>
+                <a:cubicBezTo>
+                  <a:pt x="6546" y="9764"/>
+                  <a:pt x="6575" y="9764"/>
+                  <a:pt x="6575" y="9764"/>
+                </a:cubicBezTo>
+                <a:lnTo>
+                  <a:pt x="7908" y="5258"/>
+                </a:lnTo>
+                <a:cubicBezTo>
+                  <a:pt x="7963" y="5070"/>
+                  <a:pt x="7963" y="4883"/>
+                  <a:pt x="7908" y="4694"/>
+                </a:cubicBezTo>
+                <a:close/>
+              </a:path>
+            </a:pathLst>
+          </a:custGeom>
+          <a:solidFill>
+            <a:schemeClr val="accent1"/>
+          </a:solidFill>
+          <a:ln>
+            <a:noFill/>
+          </a:ln>
+        </p:spPr>
+      </p:sp>
+      <p:sp>
+        <p:nvSpPr>
+          <p:cNvPr id="7" name="Slide Number Placeholder 6"/>
+          <p:cNvSpPr>
+            <a:spLocks noGrp="1"/>
+          </p:cNvSpPr>
+          <p:nvPr>
+            <p:ph type="sldNum" sz="quarter" idx="12"/>
+          </p:nvPr>
+        </p:nvSpPr>
+        <p:spPr>
+          <a:xfrm>
+            <a:off x="511228" y="4983088"/>
+            <a:ext cx="584978" cy="365125"/>
+          </a:xfrm>
+        </p:spPr>
+        <p:txBody>
+          <a:bodyPr/>
+          <a:lstStyle/>
+          <a:p>
+            <a:fld id="{C1FF6DA9-008F-8B48-92A6-B652298478BF}" type="slidenum">
+              <a:rPr lang="en-US" smtClean="0"/>
+              <a:t>‹Nr.›</a:t>
+            </a:fld>
+            <a:endParaRPr lang="en-US"/>
+          </a:p>
+        </p:txBody>
+      </p:sp>
+    </p:spTree>
+    <p:extLst>
+      <p:ext uri="{BB962C8B-B14F-4D97-AF65-F5344CB8AC3E}">
+        <p14:creationId xmlns:p14="http://schemas.microsoft.com/office/powerpoint/2010/main" val="4245931319"/>
+      </p:ext>
+    </p:extLst>
+  </p:cSld>
+  <p:clrMapOvr>
+    <a:masterClrMapping/>
+  </p:clrMapOvr>
+</p:sldLayout>
+</file>
+
+<file path=ppt/slideLayouts/slideLayout15.xml><?xml version="1.0" encoding="utf-8"?>
+<p:sldLayout xmlns:a="http://schemas.openxmlformats.org/drawingml/2006/main" xmlns:r="http://schemas.openxmlformats.org/officeDocument/2006/relationships" xmlns:p="http://schemas.openxmlformats.org/presentationml/2006/main" type="vertTx" preserve="1">
+  <p:cSld name="Titel und vertikaler Text">
+    <p:spTree>
+      <p:nvGrpSpPr>
+        <p:cNvPr id="1" name=""/>
+        <p:cNvGrpSpPr/>
+        <p:nvPr/>
+      </p:nvGrpSpPr>
+      <p:grpSpPr>
+        <a:xfrm>
+          <a:off x="0" y="0"/>
+          <a:ext cx="0" cy="0"/>
+          <a:chOff x="0" y="0"/>
+          <a:chExt cx="0" cy="0"/>
+        </a:xfrm>
+      </p:grpSpPr>
+      <p:sp>
+        <p:nvSpPr>
+          <p:cNvPr id="2" name="Title 1"/>
+          <p:cNvSpPr>
+            <a:spLocks noGrp="1"/>
+          </p:cNvSpPr>
+          <p:nvPr>
+            <p:ph type="title"/>
+          </p:nvPr>
+        </p:nvSpPr>
+        <p:spPr/>
+        <p:txBody>
+          <a:bodyPr/>
+          <a:lstStyle/>
+          <a:p>
+            <a:r>
+              <a:rPr lang="de-DE"/>
+              <a:t>Mastertitelformat bearbeiten</a:t>
+            </a:r>
+            <a:endParaRPr lang="en-US" dirty="0"/>
+          </a:p>
+        </p:txBody>
+      </p:sp>
+      <p:sp>
+        <p:nvSpPr>
+          <p:cNvPr id="3" name="Vertical Text Placeholder 2"/>
+          <p:cNvSpPr>
+            <a:spLocks noGrp="1"/>
+          </p:cNvSpPr>
+          <p:nvPr>
+            <p:ph type="body" orient="vert" idx="1"/>
+          </p:nvPr>
+        </p:nvSpPr>
+        <p:spPr/>
+        <p:txBody>
+          <a:bodyPr vert="eaVert" anchor="t"/>
+          <a:lstStyle/>
+          <a:p>
+            <a:pPr lvl="0"/>
+            <a:r>
+              <a:rPr lang="de-DE"/>
+              <a:t>Mastertextformat bearbeiten</a:t>
+            </a:r>
+          </a:p>
+          <a:p>
+            <a:pPr lvl="1"/>
+            <a:r>
+              <a:rPr lang="de-DE"/>
+              <a:t>Zweite Ebene</a:t>
+            </a:r>
+          </a:p>
+          <a:p>
+            <a:pPr lvl="2"/>
+            <a:r>
+              <a:rPr lang="de-DE"/>
+              <a:t>Dritte Ebene</a:t>
+            </a:r>
+          </a:p>
+          <a:p>
+            <a:pPr lvl="3"/>
+            <a:r>
+              <a:rPr lang="de-DE"/>
+              <a:t>Vierte Ebene</a:t>
+            </a:r>
+          </a:p>
+          <a:p>
+            <a:pPr lvl="4"/>
+            <a:r>
+              <a:rPr lang="de-DE"/>
+              <a:t>Fünfte Ebene</a:t>
+            </a:r>
+            <a:endParaRPr lang="en-US" dirty="0"/>
+          </a:p>
+        </p:txBody>
+      </p:sp>
+      <p:sp>
+        <p:nvSpPr>
+          <p:cNvPr id="4" name="Date Placeholder 3"/>
+          <p:cNvSpPr>
+            <a:spLocks noGrp="1"/>
+          </p:cNvSpPr>
+          <p:nvPr>
+            <p:ph type="dt" sz="half" idx="10"/>
+          </p:nvPr>
+        </p:nvSpPr>
+        <p:spPr/>
+        <p:txBody>
+          <a:bodyPr/>
+          <a:lstStyle/>
+          <a:p>
+            <a:fld id="{5BCAD085-E8A6-8845-BD4E-CB4CCA059FC4}" type="datetimeFigureOut">
+              <a:rPr lang="en-US" smtClean="0"/>
+              <a:t>6/8/2024</a:t>
+            </a:fld>
+            <a:endParaRPr lang="en-US"/>
+          </a:p>
+        </p:txBody>
+      </p:sp>
+      <p:sp>
+        <p:nvSpPr>
+          <p:cNvPr id="5" name="Footer Placeholder 4"/>
+          <p:cNvSpPr>
+            <a:spLocks noGrp="1"/>
+          </p:cNvSpPr>
+          <p:nvPr>
+            <p:ph type="ftr" sz="quarter" idx="11"/>
+          </p:nvPr>
+        </p:nvSpPr>
+        <p:spPr/>
+        <p:txBody>
+          <a:bodyPr/>
+          <a:lstStyle/>
+          <a:p>
+            <a:endParaRPr lang="en-US"/>
+          </a:p>
+        </p:txBody>
+      </p:sp>
+      <p:sp>
+        <p:nvSpPr>
+          <p:cNvPr id="10" name="Freeform 11"/>
+          <p:cNvSpPr/>
+          <p:nvPr/>
+        </p:nvSpPr>
+        <p:spPr bwMode="auto">
+          <a:xfrm flipV="1">
+            <a:off x="58" y="711194"/>
+            <a:ext cx="1358356" cy="508005"/>
+          </a:xfrm>
+          <a:custGeom>
+            <a:avLst/>
+            <a:gdLst/>
+            <a:ahLst/>
+            <a:cxnLst/>
+            <a:rect l="l" t="t" r="r" b="b"/>
+            <a:pathLst>
+              <a:path w="7908" h="10000">
+                <a:moveTo>
+                  <a:pt x="7908" y="4694"/>
+                </a:moveTo>
+                <a:lnTo>
+                  <a:pt x="6575" y="188"/>
+                </a:lnTo>
+                <a:cubicBezTo>
+                  <a:pt x="6566" y="157"/>
+                  <a:pt x="6555" y="125"/>
+                  <a:pt x="6546" y="94"/>
+                </a:cubicBezTo>
+                <a:cubicBezTo>
+                  <a:pt x="6519" y="0"/>
+                  <a:pt x="6491" y="0"/>
+                  <a:pt x="6463" y="0"/>
+                </a:cubicBezTo>
+                <a:lnTo>
+                  <a:pt x="5935" y="0"/>
+                </a:lnTo>
+                <a:lnTo>
+                  <a:pt x="0" y="62"/>
+                </a:lnTo>
+                <a:lnTo>
+                  <a:pt x="0" y="10000"/>
+                </a:lnTo>
+                <a:lnTo>
+                  <a:pt x="5935" y="9952"/>
+                </a:lnTo>
+                <a:lnTo>
+                  <a:pt x="6463" y="9952"/>
+                </a:lnTo>
+                <a:cubicBezTo>
+                  <a:pt x="6491" y="9952"/>
+                  <a:pt x="6519" y="9859"/>
+                  <a:pt x="6546" y="9859"/>
+                </a:cubicBezTo>
+                <a:cubicBezTo>
+                  <a:pt x="6546" y="9764"/>
+                  <a:pt x="6575" y="9764"/>
+                  <a:pt x="6575" y="9764"/>
+                </a:cubicBezTo>
+                <a:lnTo>
+                  <a:pt x="7908" y="5258"/>
+                </a:lnTo>
+                <a:cubicBezTo>
+                  <a:pt x="7963" y="5070"/>
+                  <a:pt x="7963" y="4883"/>
+                  <a:pt x="7908" y="4694"/>
+                </a:cubicBezTo>
+                <a:close/>
+              </a:path>
+            </a:pathLst>
+          </a:custGeom>
+          <a:solidFill>
+            <a:schemeClr val="accent1"/>
+          </a:solidFill>
+          <a:ln>
+            <a:noFill/>
+          </a:ln>
+        </p:spPr>
+      </p:sp>
+      <p:sp>
+        <p:nvSpPr>
+          <p:cNvPr id="6" name="Slide Number Placeholder 5"/>
+          <p:cNvSpPr>
+            <a:spLocks noGrp="1"/>
+          </p:cNvSpPr>
+          <p:nvPr>
+            <p:ph type="sldNum" sz="quarter" idx="12"/>
+          </p:nvPr>
+        </p:nvSpPr>
+        <p:spPr/>
+        <p:txBody>
+          <a:bodyPr/>
+          <a:lstStyle/>
+          <a:p>
+            <a:fld id="{C1FF6DA9-008F-8B48-92A6-B652298478BF}" type="slidenum">
+              <a:rPr lang="en-US" smtClean="0"/>
+              <a:t>‹Nr.›</a:t>
+            </a:fld>
+            <a:endParaRPr lang="en-US"/>
+          </a:p>
+        </p:txBody>
+      </p:sp>
+    </p:spTree>
+    <p:extLst>
+      <p:ext uri="{BB962C8B-B14F-4D97-AF65-F5344CB8AC3E}">
+        <p14:creationId xmlns:p14="http://schemas.microsoft.com/office/powerpoint/2010/main" val="256919519"/>
+      </p:ext>
+    </p:extLst>
+  </p:cSld>
+  <p:clrMapOvr>
+    <a:masterClrMapping/>
+  </p:clrMapOvr>
+</p:sldLayout>
+</file>
+
+<file path=ppt/slideLayouts/slideLayout16.xml><?xml version="1.0" encoding="utf-8"?>
+<p:sldLayout xmlns:a="http://schemas.openxmlformats.org/drawingml/2006/main" xmlns:r="http://schemas.openxmlformats.org/officeDocument/2006/relationships" xmlns:p="http://schemas.openxmlformats.org/presentationml/2006/main" type="vertTitleAndTx" preserve="1">
+  <p:cSld name="Vertikaler Titel und Text">
+    <p:spTree>
+      <p:nvGrpSpPr>
+        <p:cNvPr id="1" name=""/>
+        <p:cNvGrpSpPr/>
+        <p:nvPr/>
+      </p:nvGrpSpPr>
+      <p:grpSpPr>
+        <a:xfrm>
+          <a:off x="0" y="0"/>
+          <a:ext cx="0" cy="0"/>
+          <a:chOff x="0" y="0"/>
+          <a:chExt cx="0" cy="0"/>
+        </a:xfrm>
+      </p:grpSpPr>
+      <p:sp>
+        <p:nvSpPr>
+          <p:cNvPr id="2" name="Vertical Title 1"/>
+          <p:cNvSpPr>
+            <a:spLocks noGrp="1"/>
+          </p:cNvSpPr>
+          <p:nvPr>
+            <p:ph type="title" orient="vert"/>
+          </p:nvPr>
+        </p:nvSpPr>
+        <p:spPr>
+          <a:xfrm>
+            <a:off x="6878535" y="627406"/>
+            <a:ext cx="1656132" cy="5283817"/>
+          </a:xfrm>
+        </p:spPr>
+        <p:txBody>
+          <a:bodyPr vert="eaVert" anchor="ctr"/>
+          <a:lstStyle/>
+          <a:p>
+            <a:r>
+              <a:rPr lang="de-DE"/>
+              <a:t>Mastertitelformat bearbeiten</a:t>
+            </a:r>
+            <a:endParaRPr lang="en-US" dirty="0"/>
+          </a:p>
+        </p:txBody>
+      </p:sp>
+      <p:sp>
+        <p:nvSpPr>
+          <p:cNvPr id="3" name="Vertical Text Placeholder 2"/>
+          <p:cNvSpPr>
+            <a:spLocks noGrp="1"/>
+          </p:cNvSpPr>
+          <p:nvPr>
+            <p:ph type="body" orient="vert" idx="1"/>
+          </p:nvPr>
+        </p:nvSpPr>
+        <p:spPr>
+          <a:xfrm>
+            <a:off x="1942416" y="627406"/>
+            <a:ext cx="4716348" cy="5283817"/>
+          </a:xfrm>
+        </p:spPr>
+        <p:txBody>
+          <a:bodyPr vert="eaVert"/>
+          <a:lstStyle/>
+          <a:p>
+            <a:pPr lvl="0"/>
+            <a:r>
+              <a:rPr lang="de-DE"/>
+              <a:t>Mastertextformat bearbeiten</a:t>
+            </a:r>
+          </a:p>
+          <a:p>
+            <a:pPr lvl="1"/>
+            <a:r>
+              <a:rPr lang="de-DE"/>
+              <a:t>Zweite Ebene</a:t>
+            </a:r>
+          </a:p>
+          <a:p>
+            <a:pPr lvl="2"/>
+            <a:r>
+              <a:rPr lang="de-DE"/>
+              <a:t>Dritte Ebene</a:t>
+            </a:r>
+          </a:p>
+          <a:p>
+            <a:pPr lvl="3"/>
+            <a:r>
+              <a:rPr lang="de-DE"/>
+              <a:t>Vierte Ebene</a:t>
+            </a:r>
+          </a:p>
+          <a:p>
+            <a:pPr lvl="4"/>
+            <a:r>
+              <a:rPr lang="de-DE"/>
+              <a:t>Fünfte Ebene</a:t>
+            </a:r>
+            <a:endParaRPr lang="en-US" dirty="0"/>
+          </a:p>
+        </p:txBody>
+      </p:sp>
+      <p:sp>
+        <p:nvSpPr>
+          <p:cNvPr id="4" name="Date Placeholder 3"/>
+          <p:cNvSpPr>
+            <a:spLocks noGrp="1"/>
+          </p:cNvSpPr>
+          <p:nvPr>
+            <p:ph type="dt" sz="half" idx="10"/>
+          </p:nvPr>
+        </p:nvSpPr>
+        <p:spPr/>
+        <p:txBody>
+          <a:bodyPr/>
+          <a:lstStyle/>
+          <a:p>
+            <a:fld id="{5BCAD085-E8A6-8845-BD4E-CB4CCA059FC4}" type="datetimeFigureOut">
+              <a:rPr lang="en-US" smtClean="0"/>
+              <a:t>6/8/2024</a:t>
+            </a:fld>
+            <a:endParaRPr lang="en-US"/>
+          </a:p>
+        </p:txBody>
+      </p:sp>
+      <p:sp>
+        <p:nvSpPr>
+          <p:cNvPr id="5" name="Footer Placeholder 4"/>
+          <p:cNvSpPr>
+            <a:spLocks noGrp="1"/>
+          </p:cNvSpPr>
+          <p:nvPr>
+            <p:ph type="ftr" sz="quarter" idx="11"/>
+          </p:nvPr>
+        </p:nvSpPr>
+        <p:spPr/>
+        <p:txBody>
+          <a:bodyPr/>
+          <a:lstStyle/>
+          <a:p>
+            <a:endParaRPr lang="en-US"/>
+          </a:p>
+        </p:txBody>
+      </p:sp>
+      <p:sp>
+        <p:nvSpPr>
+          <p:cNvPr id="10" name="Freeform 11"/>
+          <p:cNvSpPr/>
+          <p:nvPr/>
+        </p:nvSpPr>
+        <p:spPr bwMode="auto">
+          <a:xfrm flipV="1">
+            <a:off x="58" y="711194"/>
+            <a:ext cx="1358356" cy="508005"/>
+          </a:xfrm>
+          <a:custGeom>
+            <a:avLst/>
+            <a:gdLst/>
+            <a:ahLst/>
+            <a:cxnLst/>
+            <a:rect l="l" t="t" r="r" b="b"/>
+            <a:pathLst>
+              <a:path w="7908" h="10000">
+                <a:moveTo>
+                  <a:pt x="7908" y="4694"/>
+                </a:moveTo>
+                <a:lnTo>
+                  <a:pt x="6575" y="188"/>
+                </a:lnTo>
+                <a:cubicBezTo>
+                  <a:pt x="6566" y="157"/>
+                  <a:pt x="6555" y="125"/>
+                  <a:pt x="6546" y="94"/>
+                </a:cubicBezTo>
+                <a:cubicBezTo>
+                  <a:pt x="6519" y="0"/>
+                  <a:pt x="6491" y="0"/>
+                  <a:pt x="6463" y="0"/>
+                </a:cubicBezTo>
+                <a:lnTo>
+                  <a:pt x="5935" y="0"/>
+                </a:lnTo>
+                <a:lnTo>
+                  <a:pt x="0" y="62"/>
+                </a:lnTo>
+                <a:lnTo>
+                  <a:pt x="0" y="10000"/>
+                </a:lnTo>
+                <a:lnTo>
+                  <a:pt x="5935" y="9952"/>
+                </a:lnTo>
+                <a:lnTo>
+                  <a:pt x="6463" y="9952"/>
+                </a:lnTo>
+                <a:cubicBezTo>
+                  <a:pt x="6491" y="9952"/>
+                  <a:pt x="6519" y="9859"/>
+                  <a:pt x="6546" y="9859"/>
+                </a:cubicBezTo>
+                <a:cubicBezTo>
+                  <a:pt x="6546" y="9764"/>
+                  <a:pt x="6575" y="9764"/>
+                  <a:pt x="6575" y="9764"/>
+                </a:cubicBezTo>
+                <a:lnTo>
+                  <a:pt x="7908" y="5258"/>
+                </a:lnTo>
+                <a:cubicBezTo>
+                  <a:pt x="7963" y="5070"/>
+                  <a:pt x="7963" y="4883"/>
+                  <a:pt x="7908" y="4694"/>
+                </a:cubicBezTo>
+                <a:close/>
+              </a:path>
+            </a:pathLst>
+          </a:custGeom>
+          <a:solidFill>
+            <a:schemeClr val="accent1"/>
+          </a:solidFill>
+          <a:ln>
+            <a:noFill/>
+          </a:ln>
+        </p:spPr>
+      </p:sp>
+      <p:sp>
+        <p:nvSpPr>
+          <p:cNvPr id="6" name="Slide Number Placeholder 5"/>
+          <p:cNvSpPr>
+            <a:spLocks noGrp="1"/>
+          </p:cNvSpPr>
+          <p:nvPr>
+            <p:ph type="sldNum" sz="quarter" idx="12"/>
+          </p:nvPr>
+        </p:nvSpPr>
+        <p:spPr/>
+        <p:txBody>
+          <a:bodyPr/>
+          <a:lstStyle/>
+          <a:p>
+            <a:fld id="{C1FF6DA9-008F-8B48-92A6-B652298478BF}" type="slidenum">
+              <a:rPr lang="en-US" smtClean="0"/>
+              <a:t>‹Nr.›</a:t>
+            </a:fld>
+            <a:endParaRPr lang="en-US"/>
+          </a:p>
+        </p:txBody>
+      </p:sp>
+    </p:spTree>
+    <p:extLst>
+      <p:ext uri="{BB962C8B-B14F-4D97-AF65-F5344CB8AC3E}">
+        <p14:creationId xmlns:p14="http://schemas.microsoft.com/office/powerpoint/2010/main" val="2920332162"/>
+      </p:ext>
+    </p:extLst>
+  </p:cSld>
+  <p:clrMapOvr>
+    <a:masterClrMapping/>
+  </p:clrMapOvr>
+</p:sldLayout>
+</file>
+
+<file path=ppt/slideLayouts/slideLayout2.xml><?xml version="1.0" encoding="utf-8"?>
+<p:sldLayout xmlns:a="http://schemas.openxmlformats.org/drawingml/2006/main" xmlns:r="http://schemas.openxmlformats.org/officeDocument/2006/relationships" xmlns:p="http://schemas.openxmlformats.org/presentationml/2006/main" type="obj" preserve="1">
+  <p:cSld name="Titel und Inhalt">
+    <p:spTree>
+      <p:nvGrpSpPr>
+        <p:cNvPr id="1" name=""/>
+        <p:cNvGrpSpPr/>
+        <p:nvPr/>
+      </p:nvGrpSpPr>
+      <p:grpSpPr>
+        <a:xfrm>
+          <a:off x="0" y="0"/>
+          <a:ext cx="0" cy="0"/>
+          <a:chOff x="0" y="0"/>
+          <a:chExt cx="0" cy="0"/>
+        </a:xfrm>
+      </p:grpSpPr>
+      <p:sp>
+        <p:nvSpPr>
+          <p:cNvPr id="2" name="Title 1"/>
+          <p:cNvSpPr>
+            <a:spLocks noGrp="1"/>
+          </p:cNvSpPr>
+          <p:nvPr>
+            <p:ph type="title"/>
+          </p:nvPr>
+        </p:nvSpPr>
+        <p:spPr>
+          <a:xfrm>
+            <a:off x="1945201" y="624110"/>
+            <a:ext cx="6589199" cy="1280890"/>
+          </a:xfrm>
+        </p:spPr>
+        <p:txBody>
+          <a:bodyPr/>
+          <a:lstStyle/>
+          <a:p>
+            <a:r>
+              <a:rPr lang="de-DE"/>
+              <a:t>Mastertitelformat bearbeiten</a:t>
+            </a:r>
+            <a:endParaRPr lang="en-US" dirty="0"/>
+          </a:p>
+        </p:txBody>
+      </p:sp>
+      <p:sp>
+        <p:nvSpPr>
+          <p:cNvPr id="3" name="Content Placeholder 2"/>
+          <p:cNvSpPr>
+            <a:spLocks noGrp="1"/>
+          </p:cNvSpPr>
+          <p:nvPr>
+            <p:ph idx="1"/>
+          </p:nvPr>
+        </p:nvSpPr>
+        <p:spPr>
+          <a:xfrm>
+            <a:off x="1942415" y="2133600"/>
+            <a:ext cx="6591985" cy="3777622"/>
+          </a:xfrm>
+        </p:spPr>
+        <p:txBody>
+          <a:bodyPr/>
+          <a:lstStyle/>
+          <a:p>
+            <a:pPr lvl="0"/>
+            <a:r>
+              <a:rPr lang="de-DE"/>
+              <a:t>Mastertextformat bearbeiten</a:t>
+            </a:r>
+          </a:p>
+          <a:p>
+            <a:pPr lvl="1"/>
+            <a:r>
+              <a:rPr lang="de-DE"/>
+              <a:t>Zweite Ebene</a:t>
+            </a:r>
+          </a:p>
+          <a:p>
+            <a:pPr lvl="2"/>
+            <a:r>
+              <a:rPr lang="de-DE"/>
+              <a:t>Dritte Ebene</a:t>
+            </a:r>
+          </a:p>
+          <a:p>
+            <a:pPr lvl="3"/>
+            <a:r>
+              <a:rPr lang="de-DE"/>
+              <a:t>Vierte Ebene</a:t>
+            </a:r>
+          </a:p>
+          <a:p>
+            <a:pPr lvl="4"/>
+            <a:r>
+              <a:rPr lang="de-DE"/>
+              <a:t>Fünfte Ebene</a:t>
+            </a:r>
+            <a:endParaRPr lang="en-US" dirty="0"/>
+          </a:p>
+        </p:txBody>
+      </p:sp>
+      <p:sp>
+        <p:nvSpPr>
+          <p:cNvPr id="4" name="Date Placeholder 3"/>
+          <p:cNvSpPr>
+            <a:spLocks noGrp="1"/>
+          </p:cNvSpPr>
+          <p:nvPr>
+            <p:ph type="dt" sz="half" idx="10"/>
+          </p:nvPr>
+        </p:nvSpPr>
+        <p:spPr/>
+        <p:txBody>
+          <a:bodyPr/>
+          <a:lstStyle/>
+          <a:p>
+            <a:fld id="{5BCAD085-E8A6-8845-BD4E-CB4CCA059FC4}" type="datetimeFigureOut">
+              <a:rPr lang="en-US" smtClean="0"/>
+              <a:t>6/8/2024</a:t>
+            </a:fld>
+            <a:endParaRPr lang="en-US"/>
+          </a:p>
+        </p:txBody>
+      </p:sp>
+      <p:sp>
+        <p:nvSpPr>
+          <p:cNvPr id="5" name="Footer Placeholder 4"/>
+          <p:cNvSpPr>
+            <a:spLocks noGrp="1"/>
+          </p:cNvSpPr>
+          <p:nvPr>
+            <p:ph type="ftr" sz="quarter" idx="11"/>
+          </p:nvPr>
+        </p:nvSpPr>
+        <p:spPr/>
+        <p:txBody>
+          <a:bodyPr/>
+          <a:lstStyle/>
+          <a:p>
+            <a:endParaRPr lang="en-US"/>
+          </a:p>
+        </p:txBody>
+      </p:sp>
+      <p:sp>
+        <p:nvSpPr>
+          <p:cNvPr id="10" name="Freeform 11"/>
+          <p:cNvSpPr/>
+          <p:nvPr/>
+        </p:nvSpPr>
+        <p:spPr bwMode="auto">
+          <a:xfrm flipV="1">
+            <a:off x="58" y="711194"/>
+            <a:ext cx="1358356" cy="508005"/>
+          </a:xfrm>
+          <a:custGeom>
+            <a:avLst/>
+            <a:gdLst/>
+            <a:ahLst/>
+            <a:cxnLst/>
+            <a:rect l="l" t="t" r="r" b="b"/>
+            <a:pathLst>
+              <a:path w="7908" h="10000">
+                <a:moveTo>
+                  <a:pt x="7908" y="4694"/>
+                </a:moveTo>
+                <a:lnTo>
+                  <a:pt x="6575" y="188"/>
+                </a:lnTo>
+                <a:cubicBezTo>
+                  <a:pt x="6566" y="157"/>
+                  <a:pt x="6555" y="125"/>
+                  <a:pt x="6546" y="94"/>
+                </a:cubicBezTo>
+                <a:cubicBezTo>
+                  <a:pt x="6519" y="0"/>
+                  <a:pt x="6491" y="0"/>
+                  <a:pt x="6463" y="0"/>
+                </a:cubicBezTo>
+                <a:lnTo>
+                  <a:pt x="5935" y="0"/>
+                </a:lnTo>
+                <a:lnTo>
+                  <a:pt x="0" y="62"/>
+                </a:lnTo>
+                <a:lnTo>
+                  <a:pt x="0" y="10000"/>
+                </a:lnTo>
+                <a:lnTo>
+                  <a:pt x="5935" y="9952"/>
+                </a:lnTo>
+                <a:lnTo>
+                  <a:pt x="6463" y="9952"/>
+                </a:lnTo>
+                <a:cubicBezTo>
+                  <a:pt x="6491" y="9952"/>
+                  <a:pt x="6519" y="9859"/>
+                  <a:pt x="6546" y="9859"/>
+                </a:cubicBezTo>
+                <a:cubicBezTo>
+                  <a:pt x="6546" y="9764"/>
+                  <a:pt x="6575" y="9764"/>
+                  <a:pt x="6575" y="9764"/>
+                </a:cubicBezTo>
+                <a:lnTo>
+                  <a:pt x="7908" y="5258"/>
+                </a:lnTo>
+                <a:cubicBezTo>
+                  <a:pt x="7963" y="5070"/>
+                  <a:pt x="7963" y="4883"/>
+                  <a:pt x="7908" y="4694"/>
+                </a:cubicBezTo>
+                <a:close/>
+              </a:path>
+            </a:pathLst>
+          </a:custGeom>
+          <a:solidFill>
+            <a:schemeClr val="accent1"/>
+          </a:solidFill>
+          <a:ln>
+            <a:noFill/>
+          </a:ln>
+        </p:spPr>
+      </p:sp>
+      <p:sp>
+        <p:nvSpPr>
+          <p:cNvPr id="6" name="Slide Number Placeholder 5"/>
+          <p:cNvSpPr>
+            <a:spLocks noGrp="1"/>
+          </p:cNvSpPr>
+          <p:nvPr>
+            <p:ph type="sldNum" sz="quarter" idx="12"/>
+          </p:nvPr>
+        </p:nvSpPr>
+        <p:spPr/>
+        <p:txBody>
+          <a:bodyPr/>
+          <a:lstStyle/>
+          <a:p>
+            <a:fld id="{C1FF6DA9-008F-8B48-92A6-B652298478BF}" type="slidenum">
+              <a:rPr lang="en-US" smtClean="0"/>
+              <a:t>‹Nr.›</a:t>
+            </a:fld>
+            <a:endParaRPr lang="en-US"/>
+          </a:p>
+        </p:txBody>
+      </p:sp>
+    </p:spTree>
+    <p:extLst>
+      <p:ext uri="{BB962C8B-B14F-4D97-AF65-F5344CB8AC3E}">
+        <p14:creationId xmlns:p14="http://schemas.microsoft.com/office/powerpoint/2010/main" val="3925724918"/>
+      </p:ext>
+    </p:extLst>
+  </p:cSld>
+  <p:clrMapOvr>
+    <a:masterClrMapping/>
+  </p:clrMapOvr>
+</p:sldLayout>
+</file>
+
+<file path=ppt/slideLayouts/slideLayout3.xml><?xml version="1.0" encoding="utf-8"?>
+<p:sldLayout xmlns:a="http://schemas.openxmlformats.org/drawingml/2006/main" xmlns:r="http://schemas.openxmlformats.org/officeDocument/2006/relationships" xmlns:p="http://schemas.openxmlformats.org/presentationml/2006/main" type="secHead" preserve="1">
+  <p:cSld name="Abschnitts-&#10;überschrift">
+    <p:spTree>
+      <p:nvGrpSpPr>
+        <p:cNvPr id="1" name=""/>
+        <p:cNvGrpSpPr/>
+        <p:nvPr/>
+      </p:nvGrpSpPr>
+      <p:grpSpPr>
+        <a:xfrm>
+          <a:off x="0" y="0"/>
+          <a:ext cx="0" cy="0"/>
+          <a:chOff x="0" y="0"/>
+          <a:chExt cx="0" cy="0"/>
+        </a:xfrm>
+      </p:grpSpPr>
+      <p:sp>
+        <p:nvSpPr>
+          <p:cNvPr id="2" name="Title 1"/>
+          <p:cNvSpPr>
+            <a:spLocks noGrp="1"/>
+          </p:cNvSpPr>
+          <p:nvPr>
+            <p:ph type="title"/>
+          </p:nvPr>
+        </p:nvSpPr>
+        <p:spPr>
+          <a:xfrm>
+            <a:off x="1942415" y="2074562"/>
+            <a:ext cx="6591985" cy="1468800"/>
+          </a:xfrm>
+        </p:spPr>
+        <p:txBody>
           <a:bodyPr anchor="b"/>
+          <a:lstStyle>
+            <a:lvl1pPr algn="l">
+              <a:defRPr sz="4000" b="0" cap="none"/>
+            </a:lvl1pPr>
+          </a:lstStyle>
+          <a:p>
+            <a:r>
+              <a:rPr lang="de-DE"/>
+              <a:t>Mastertitelformat bearbeiten</a:t>
+            </a:r>
+            <a:endParaRPr lang="en-US" dirty="0"/>
+          </a:p>
+        </p:txBody>
+      </p:sp>
+      <p:sp>
+        <p:nvSpPr>
+          <p:cNvPr id="3" name="Text Placeholder 2"/>
+          <p:cNvSpPr>
+            <a:spLocks noGrp="1"/>
+          </p:cNvSpPr>
+          <p:nvPr>
+            <p:ph type="body" idx="1"/>
+          </p:nvPr>
+        </p:nvSpPr>
+        <p:spPr>
+          <a:xfrm>
+            <a:off x="1942415" y="3581400"/>
+            <a:ext cx="6591985" cy="860400"/>
+          </a:xfrm>
+        </p:spPr>
+        <p:txBody>
+          <a:bodyPr anchor="t"/>
+          <a:lstStyle>
+            <a:lvl1pPr marL="0" indent="0" algn="l">
+              <a:buNone/>
+              <a:defRPr sz="2000">
+                <a:solidFill>
+                  <a:schemeClr val="tx1">
+                    <a:lumMod val="65000"/>
+                    <a:lumOff val="35000"/>
+                  </a:schemeClr>
+                </a:solidFill>
+              </a:defRPr>
+            </a:lvl1pPr>
+            <a:lvl2pPr marL="457200" indent="0">
+              <a:buNone/>
+              <a:defRPr sz="1800">
+                <a:solidFill>
+                  <a:schemeClr val="tx1">
+                    <a:tint val="75000"/>
+                  </a:schemeClr>
+                </a:solidFill>
+              </a:defRPr>
+            </a:lvl2pPr>
+            <a:lvl3pPr marL="914400" indent="0">
+              <a:buNone/>
+              <a:defRPr sz="1600">
+                <a:solidFill>
+                  <a:schemeClr val="tx1">
+                    <a:tint val="75000"/>
+                  </a:schemeClr>
+                </a:solidFill>
+              </a:defRPr>
+            </a:lvl3pPr>
+            <a:lvl4pPr marL="1371600" indent="0">
+              <a:buNone/>
+              <a:defRPr sz="1400">
+                <a:solidFill>
+                  <a:schemeClr val="tx1">
+                    <a:tint val="75000"/>
+                  </a:schemeClr>
+                </a:solidFill>
+              </a:defRPr>
+            </a:lvl4pPr>
+            <a:lvl5pPr marL="1828800" indent="0">
+              <a:buNone/>
+              <a:defRPr sz="1400">
+                <a:solidFill>
+                  <a:schemeClr val="tx1">
+                    <a:tint val="75000"/>
+                  </a:schemeClr>
+                </a:solidFill>
+              </a:defRPr>
+            </a:lvl5pPr>
+            <a:lvl6pPr marL="2286000" indent="0">
+              <a:buNone/>
+              <a:defRPr sz="1400">
+                <a:solidFill>
+                  <a:schemeClr val="tx1">
+                    <a:tint val="75000"/>
+                  </a:schemeClr>
+                </a:solidFill>
+              </a:defRPr>
+            </a:lvl6pPr>
+            <a:lvl7pPr marL="2743200" indent="0">
+              <a:buNone/>
+              <a:defRPr sz="1400">
+                <a:solidFill>
+                  <a:schemeClr val="tx1">
+                    <a:tint val="75000"/>
+                  </a:schemeClr>
+                </a:solidFill>
+              </a:defRPr>
+            </a:lvl7pPr>
+            <a:lvl8pPr marL="3200400" indent="0">
+              <a:buNone/>
+              <a:defRPr sz="1400">
+                <a:solidFill>
+                  <a:schemeClr val="tx1">
+                    <a:tint val="75000"/>
+                  </a:schemeClr>
+                </a:solidFill>
+              </a:defRPr>
+            </a:lvl8pPr>
+            <a:lvl9pPr marL="3657600" indent="0">
+              <a:buNone/>
+              <a:defRPr sz="1400">
+                <a:solidFill>
+                  <a:schemeClr val="tx1">
+                    <a:tint val="75000"/>
+                  </a:schemeClr>
+                </a:solidFill>
+              </a:defRPr>
+            </a:lvl9pPr>
+          </a:lstStyle>
+          <a:p>
+            <a:pPr lvl="0"/>
+            <a:r>
+              <a:rPr lang="de-DE"/>
+              <a:t>Mastertextformat bearbeiten</a:t>
+            </a:r>
+          </a:p>
+        </p:txBody>
+      </p:sp>
+      <p:sp>
+        <p:nvSpPr>
+          <p:cNvPr id="4" name="Date Placeholder 3"/>
+          <p:cNvSpPr>
+            <a:spLocks noGrp="1"/>
+          </p:cNvSpPr>
+          <p:nvPr>
+            <p:ph type="dt" sz="half" idx="10"/>
+          </p:nvPr>
+        </p:nvSpPr>
+        <p:spPr/>
+        <p:txBody>
+          <a:bodyPr/>
+          <a:lstStyle/>
+          <a:p>
+            <a:fld id="{5BCAD085-E8A6-8845-BD4E-CB4CCA059FC4}" type="datetimeFigureOut">
+              <a:rPr lang="en-US" smtClean="0"/>
+              <a:t>6/8/2024</a:t>
+            </a:fld>
+            <a:endParaRPr lang="en-US"/>
+          </a:p>
+        </p:txBody>
+      </p:sp>
+      <p:sp>
+        <p:nvSpPr>
+          <p:cNvPr id="5" name="Footer Placeholder 4"/>
+          <p:cNvSpPr>
+            <a:spLocks noGrp="1"/>
+          </p:cNvSpPr>
+          <p:nvPr>
+            <p:ph type="ftr" sz="quarter" idx="11"/>
+          </p:nvPr>
+        </p:nvSpPr>
+        <p:spPr/>
+        <p:txBody>
+          <a:bodyPr/>
+          <a:lstStyle/>
+          <a:p>
+            <a:endParaRPr lang="en-US"/>
+          </a:p>
+        </p:txBody>
+      </p:sp>
+      <p:sp>
+        <p:nvSpPr>
+          <p:cNvPr id="11" name="Freeform 11"/>
+          <p:cNvSpPr/>
+          <p:nvPr/>
+        </p:nvSpPr>
+        <p:spPr bwMode="auto">
+          <a:xfrm flipV="1">
+            <a:off x="58" y="3166527"/>
+            <a:ext cx="1358356" cy="508005"/>
+          </a:xfrm>
+          <a:custGeom>
+            <a:avLst/>
+            <a:gdLst/>
+            <a:ahLst/>
+            <a:cxnLst/>
+            <a:rect l="l" t="t" r="r" b="b"/>
+            <a:pathLst>
+              <a:path w="7908" h="10000">
+                <a:moveTo>
+                  <a:pt x="7908" y="4694"/>
+                </a:moveTo>
+                <a:lnTo>
+                  <a:pt x="6575" y="188"/>
+                </a:lnTo>
+                <a:cubicBezTo>
+                  <a:pt x="6566" y="157"/>
+                  <a:pt x="6555" y="125"/>
+                  <a:pt x="6546" y="94"/>
+                </a:cubicBezTo>
+                <a:cubicBezTo>
+                  <a:pt x="6519" y="0"/>
+                  <a:pt x="6491" y="0"/>
+                  <a:pt x="6463" y="0"/>
+                </a:cubicBezTo>
+                <a:lnTo>
+                  <a:pt x="5935" y="0"/>
+                </a:lnTo>
+                <a:lnTo>
+                  <a:pt x="0" y="62"/>
+                </a:lnTo>
+                <a:lnTo>
+                  <a:pt x="0" y="10000"/>
+                </a:lnTo>
+                <a:lnTo>
+                  <a:pt x="5935" y="9952"/>
+                </a:lnTo>
+                <a:lnTo>
+                  <a:pt x="6463" y="9952"/>
+                </a:lnTo>
+                <a:cubicBezTo>
+                  <a:pt x="6491" y="9952"/>
+                  <a:pt x="6519" y="9859"/>
+                  <a:pt x="6546" y="9859"/>
+                </a:cubicBezTo>
+                <a:cubicBezTo>
+                  <a:pt x="6546" y="9764"/>
+                  <a:pt x="6575" y="9764"/>
+                  <a:pt x="6575" y="9764"/>
+                </a:cubicBezTo>
+                <a:lnTo>
+                  <a:pt x="7908" y="5258"/>
+                </a:lnTo>
+                <a:cubicBezTo>
+                  <a:pt x="7963" y="5070"/>
+                  <a:pt x="7963" y="4883"/>
+                  <a:pt x="7908" y="4694"/>
+                </a:cubicBezTo>
+                <a:close/>
+              </a:path>
+            </a:pathLst>
+          </a:custGeom>
+          <a:solidFill>
+            <a:schemeClr val="accent1"/>
+          </a:solidFill>
+          <a:ln>
+            <a:noFill/>
+          </a:ln>
+        </p:spPr>
+      </p:sp>
+      <p:sp>
+        <p:nvSpPr>
+          <p:cNvPr id="6" name="Slide Number Placeholder 5"/>
+          <p:cNvSpPr>
+            <a:spLocks noGrp="1"/>
+          </p:cNvSpPr>
+          <p:nvPr>
+            <p:ph type="sldNum" sz="quarter" idx="12"/>
+          </p:nvPr>
+        </p:nvSpPr>
+        <p:spPr>
+          <a:xfrm>
+            <a:off x="511228" y="3244140"/>
+            <a:ext cx="584978" cy="365125"/>
+          </a:xfrm>
+        </p:spPr>
+        <p:txBody>
+          <a:bodyPr/>
+          <a:lstStyle/>
+          <a:p>
+            <a:fld id="{C1FF6DA9-008F-8B48-92A6-B652298478BF}" type="slidenum">
+              <a:rPr lang="en-US" smtClean="0"/>
+              <a:t>‹Nr.›</a:t>
+            </a:fld>
+            <a:endParaRPr lang="en-US"/>
+          </a:p>
+        </p:txBody>
+      </p:sp>
+    </p:spTree>
+    <p:extLst>
+      <p:ext uri="{BB962C8B-B14F-4D97-AF65-F5344CB8AC3E}">
+        <p14:creationId xmlns:p14="http://schemas.microsoft.com/office/powerpoint/2010/main" val="2405743975"/>
+      </p:ext>
+    </p:extLst>
+  </p:cSld>
+  <p:clrMapOvr>
+    <a:masterClrMapping/>
+  </p:clrMapOvr>
+</p:sldLayout>
+</file>
+
+<file path=ppt/slideLayouts/slideLayout4.xml><?xml version="1.0" encoding="utf-8"?>
+<p:sldLayout xmlns:a="http://schemas.openxmlformats.org/drawingml/2006/main" xmlns:r="http://schemas.openxmlformats.org/officeDocument/2006/relationships" xmlns:p="http://schemas.openxmlformats.org/presentationml/2006/main" type="twoObj" preserve="1">
+  <p:cSld name="Zwei Inhalte">
+    <p:spTree>
+      <p:nvGrpSpPr>
+        <p:cNvPr id="1" name=""/>
+        <p:cNvGrpSpPr/>
+        <p:nvPr/>
+      </p:nvGrpSpPr>
+      <p:grpSpPr>
+        <a:xfrm>
+          <a:off x="0" y="0"/>
+          <a:ext cx="0" cy="0"/>
+          <a:chOff x="0" y="0"/>
+          <a:chExt cx="0" cy="0"/>
+        </a:xfrm>
+      </p:grpSpPr>
+      <p:sp>
+        <p:nvSpPr>
+          <p:cNvPr id="8" name="Title 7"/>
+          <p:cNvSpPr>
+            <a:spLocks noGrp="1"/>
+          </p:cNvSpPr>
+          <p:nvPr>
+            <p:ph type="title"/>
+          </p:nvPr>
+        </p:nvSpPr>
+        <p:spPr/>
+        <p:txBody>
+          <a:bodyPr/>
+          <a:lstStyle/>
+          <a:p>
+            <a:r>
+              <a:rPr lang="de-DE"/>
+              <a:t>Mastertitelformat bearbeiten</a:t>
+            </a:r>
+            <a:endParaRPr lang="en-US" dirty="0"/>
+          </a:p>
+        </p:txBody>
+      </p:sp>
+      <p:sp>
+        <p:nvSpPr>
+          <p:cNvPr id="3" name="Content Placeholder 2"/>
+          <p:cNvSpPr>
+            <a:spLocks noGrp="1"/>
+          </p:cNvSpPr>
+          <p:nvPr>
+            <p:ph sz="half" idx="1"/>
+          </p:nvPr>
+        </p:nvSpPr>
+        <p:spPr>
+          <a:xfrm>
+            <a:off x="1942416" y="2136706"/>
+            <a:ext cx="3197531" cy="3767397"/>
+          </a:xfrm>
+        </p:spPr>
+        <p:txBody>
+          <a:bodyPr>
+            <a:normAutofit/>
+          </a:bodyPr>
+          <a:lstStyle/>
+          <a:p>
+            <a:pPr lvl="0"/>
+            <a:r>
+              <a:rPr lang="de-DE"/>
+              <a:t>Mastertextformat bearbeiten</a:t>
+            </a:r>
+          </a:p>
+          <a:p>
+            <a:pPr lvl="1"/>
+            <a:r>
+              <a:rPr lang="de-DE"/>
+              <a:t>Zweite Ebene</a:t>
+            </a:r>
+          </a:p>
+          <a:p>
+            <a:pPr lvl="2"/>
+            <a:r>
+              <a:rPr lang="de-DE"/>
+              <a:t>Dritte Ebene</a:t>
+            </a:r>
+          </a:p>
+          <a:p>
+            <a:pPr lvl="3"/>
+            <a:r>
+              <a:rPr lang="de-DE"/>
+              <a:t>Vierte Ebene</a:t>
+            </a:r>
+          </a:p>
+          <a:p>
+            <a:pPr lvl="4"/>
+            <a:r>
+              <a:rPr lang="de-DE"/>
+              <a:t>Fünfte Ebene</a:t>
+            </a:r>
+            <a:endParaRPr lang="en-US" dirty="0"/>
+          </a:p>
+        </p:txBody>
+      </p:sp>
+      <p:sp>
+        <p:nvSpPr>
+          <p:cNvPr id="4" name="Content Placeholder 3"/>
+          <p:cNvSpPr>
+            <a:spLocks noGrp="1"/>
+          </p:cNvSpPr>
+          <p:nvPr>
+            <p:ph sz="half" idx="2"/>
+          </p:nvPr>
+        </p:nvSpPr>
+        <p:spPr>
+          <a:xfrm>
+            <a:off x="5337307" y="2136706"/>
+            <a:ext cx="3197093" cy="3767397"/>
+          </a:xfrm>
+        </p:spPr>
+        <p:txBody>
+          <a:bodyPr>
+            <a:normAutofit/>
+          </a:bodyPr>
+          <a:lstStyle/>
+          <a:p>
+            <a:pPr lvl="0"/>
+            <a:r>
+              <a:rPr lang="de-DE"/>
+              <a:t>Mastertextformat bearbeiten</a:t>
+            </a:r>
+          </a:p>
+          <a:p>
+            <a:pPr lvl="1"/>
+            <a:r>
+              <a:rPr lang="de-DE"/>
+              <a:t>Zweite Ebene</a:t>
+            </a:r>
+          </a:p>
+          <a:p>
+            <a:pPr lvl="2"/>
+            <a:r>
+              <a:rPr lang="de-DE"/>
+              <a:t>Dritte Ebene</a:t>
+            </a:r>
+          </a:p>
+          <a:p>
+            <a:pPr lvl="3"/>
+            <a:r>
+              <a:rPr lang="de-DE"/>
+              <a:t>Vierte Ebene</a:t>
+            </a:r>
+          </a:p>
+          <a:p>
+            <a:pPr lvl="4"/>
+            <a:r>
+              <a:rPr lang="de-DE"/>
+              <a:t>Fünfte Ebene</a:t>
+            </a:r>
+            <a:endParaRPr lang="en-US" dirty="0"/>
+          </a:p>
+        </p:txBody>
+      </p:sp>
+      <p:sp>
+        <p:nvSpPr>
+          <p:cNvPr id="5" name="Date Placeholder 4"/>
+          <p:cNvSpPr>
+            <a:spLocks noGrp="1"/>
+          </p:cNvSpPr>
+          <p:nvPr>
+            <p:ph type="dt" sz="half" idx="10"/>
+          </p:nvPr>
+        </p:nvSpPr>
+        <p:spPr/>
+        <p:txBody>
+          <a:bodyPr/>
+          <a:lstStyle/>
+          <a:p>
+            <a:fld id="{5BCAD085-E8A6-8845-BD4E-CB4CCA059FC4}" type="datetimeFigureOut">
+              <a:rPr lang="en-US" smtClean="0"/>
+              <a:t>6/8/2024</a:t>
+            </a:fld>
+            <a:endParaRPr lang="en-US"/>
+          </a:p>
+        </p:txBody>
+      </p:sp>
+      <p:sp>
+        <p:nvSpPr>
+          <p:cNvPr id="6" name="Footer Placeholder 5"/>
+          <p:cNvSpPr>
+            <a:spLocks noGrp="1"/>
+          </p:cNvSpPr>
+          <p:nvPr>
+            <p:ph type="ftr" sz="quarter" idx="11"/>
+          </p:nvPr>
+        </p:nvSpPr>
+        <p:spPr/>
+        <p:txBody>
+          <a:bodyPr/>
+          <a:lstStyle/>
+          <a:p>
+            <a:endParaRPr lang="en-US"/>
+          </a:p>
+        </p:txBody>
+      </p:sp>
+      <p:sp>
+        <p:nvSpPr>
+          <p:cNvPr id="9" name="Freeform 11"/>
+          <p:cNvSpPr/>
+          <p:nvPr/>
+        </p:nvSpPr>
+        <p:spPr bwMode="auto">
+          <a:xfrm flipV="1">
+            <a:off x="58" y="711194"/>
+            <a:ext cx="1358356" cy="508005"/>
+          </a:xfrm>
+          <a:custGeom>
+            <a:avLst/>
+            <a:gdLst/>
+            <a:ahLst/>
+            <a:cxnLst/>
+            <a:rect l="l" t="t" r="r" b="b"/>
+            <a:pathLst>
+              <a:path w="7908" h="10000">
+                <a:moveTo>
+                  <a:pt x="7908" y="4694"/>
+                </a:moveTo>
+                <a:lnTo>
+                  <a:pt x="6575" y="188"/>
+                </a:lnTo>
+                <a:cubicBezTo>
+                  <a:pt x="6566" y="157"/>
+                  <a:pt x="6555" y="125"/>
+                  <a:pt x="6546" y="94"/>
+                </a:cubicBezTo>
+                <a:cubicBezTo>
+                  <a:pt x="6519" y="0"/>
+                  <a:pt x="6491" y="0"/>
+                  <a:pt x="6463" y="0"/>
+                </a:cubicBezTo>
+                <a:lnTo>
+                  <a:pt x="5935" y="0"/>
+                </a:lnTo>
+                <a:lnTo>
+                  <a:pt x="0" y="62"/>
+                </a:lnTo>
+                <a:lnTo>
+                  <a:pt x="0" y="10000"/>
+                </a:lnTo>
+                <a:lnTo>
+                  <a:pt x="5935" y="9952"/>
+                </a:lnTo>
+                <a:lnTo>
+                  <a:pt x="6463" y="9952"/>
+                </a:lnTo>
+                <a:cubicBezTo>
+                  <a:pt x="6491" y="9952"/>
+                  <a:pt x="6519" y="9859"/>
+                  <a:pt x="6546" y="9859"/>
+                </a:cubicBezTo>
+                <a:cubicBezTo>
+                  <a:pt x="6546" y="9764"/>
+                  <a:pt x="6575" y="9764"/>
+                  <a:pt x="6575" y="9764"/>
+                </a:cubicBezTo>
+                <a:lnTo>
+                  <a:pt x="7908" y="5258"/>
+                </a:lnTo>
+                <a:cubicBezTo>
+                  <a:pt x="7963" y="5070"/>
+                  <a:pt x="7963" y="4883"/>
+                  <a:pt x="7908" y="4694"/>
+                </a:cubicBezTo>
+                <a:close/>
+              </a:path>
+            </a:pathLst>
+          </a:custGeom>
+          <a:solidFill>
+            <a:schemeClr val="accent1"/>
+          </a:solidFill>
+          <a:ln>
+            <a:noFill/>
+          </a:ln>
+        </p:spPr>
+      </p:sp>
+      <p:sp>
+        <p:nvSpPr>
+          <p:cNvPr id="10" name="Slide Number Placeholder 5"/>
+          <p:cNvSpPr>
+            <a:spLocks noGrp="1"/>
+          </p:cNvSpPr>
+          <p:nvPr>
+            <p:ph type="sldNum" sz="quarter" idx="12"/>
+          </p:nvPr>
+        </p:nvSpPr>
+        <p:spPr>
+          <a:xfrm>
+            <a:off x="511228" y="787783"/>
+            <a:ext cx="584978" cy="365125"/>
+          </a:xfrm>
+        </p:spPr>
+        <p:txBody>
+          <a:bodyPr/>
+          <a:lstStyle/>
+          <a:p>
+            <a:fld id="{C1FF6DA9-008F-8B48-92A6-B652298478BF}" type="slidenum">
+              <a:rPr lang="en-US" smtClean="0"/>
+              <a:t>‹Nr.›</a:t>
+            </a:fld>
+            <a:endParaRPr lang="en-US"/>
+          </a:p>
+        </p:txBody>
+      </p:sp>
+    </p:spTree>
+    <p:extLst>
+      <p:ext uri="{BB962C8B-B14F-4D97-AF65-F5344CB8AC3E}">
+        <p14:creationId xmlns:p14="http://schemas.microsoft.com/office/powerpoint/2010/main" val="3420997837"/>
+      </p:ext>
+    </p:extLst>
+  </p:cSld>
+  <p:clrMapOvr>
+    <a:masterClrMapping/>
+  </p:clrMapOvr>
+</p:sldLayout>
+</file>
+
+<file path=ppt/slideLayouts/slideLayout5.xml><?xml version="1.0" encoding="utf-8"?>
+<p:sldLayout xmlns:a="http://schemas.openxmlformats.org/drawingml/2006/main" xmlns:r="http://schemas.openxmlformats.org/officeDocument/2006/relationships" xmlns:p="http://schemas.openxmlformats.org/presentationml/2006/main" type="twoTxTwoObj" preserve="1">
+  <p:cSld name="Vergleich">
+    <p:spTree>
+      <p:nvGrpSpPr>
+        <p:cNvPr id="1" name=""/>
+        <p:cNvGrpSpPr/>
+        <p:nvPr/>
+      </p:nvGrpSpPr>
+      <p:grpSpPr>
+        <a:xfrm>
+          <a:off x="0" y="0"/>
+          <a:ext cx="0" cy="0"/>
+          <a:chOff x="0" y="0"/>
+          <a:chExt cx="0" cy="0"/>
+        </a:xfrm>
+      </p:grpSpPr>
+      <p:sp>
+        <p:nvSpPr>
+          <p:cNvPr id="10" name="Title 9"/>
+          <p:cNvSpPr>
+            <a:spLocks noGrp="1"/>
+          </p:cNvSpPr>
+          <p:nvPr>
+            <p:ph type="title"/>
+          </p:nvPr>
+        </p:nvSpPr>
+        <p:spPr/>
+        <p:txBody>
+          <a:bodyPr/>
+          <a:lstStyle/>
+          <a:p>
+            <a:r>
+              <a:rPr lang="de-DE"/>
+              <a:t>Mastertitelformat bearbeiten</a:t>
+            </a:r>
+            <a:endParaRPr lang="en-US" dirty="0"/>
+          </a:p>
+        </p:txBody>
+      </p:sp>
+      <p:sp>
+        <p:nvSpPr>
+          <p:cNvPr id="3" name="Text Placeholder 2"/>
+          <p:cNvSpPr>
+            <a:spLocks noGrp="1"/>
+          </p:cNvSpPr>
+          <p:nvPr>
+            <p:ph type="body" idx="1"/>
+          </p:nvPr>
+        </p:nvSpPr>
+        <p:spPr>
+          <a:xfrm>
+            <a:off x="2265352" y="2226626"/>
+            <a:ext cx="2874596" cy="576262"/>
+          </a:xfrm>
+        </p:spPr>
+        <p:txBody>
+          <a:bodyPr anchor="b">
+            <a:noAutofit/>
+          </a:bodyPr>
           <a:lstStyle>
             <a:lvl1pPr marL="0" indent="0">
               <a:buNone/>
-              <a:defRPr sz="2400" b="1"/>
+              <a:defRPr sz="2400" b="0"/>
             </a:lvl1pPr>
             <a:lvl2pPr marL="457200" indent="0">
               <a:buNone/>
@@ -1515,8 +3767,8 @@
           <a:p>
             <a:pPr lvl="0"/>
             <a:r>
-              <a:rPr lang="en-US" smtClean="0"/>
-              <a:t>Click to edit Master text styles</a:t>
+              <a:rPr lang="de-DE"/>
+              <a:t>Mastertextformat bearbeiten</a:t>
             </a:r>
           </a:p>
         </p:txBody>
@@ -1533,76 +3785,50 @@
         </p:nvSpPr>
         <p:spPr>
           <a:xfrm>
-            <a:off x="457200" y="2174875"/>
-            <a:ext cx="4040188" cy="3951288"/>
+            <a:off x="1942415" y="2802888"/>
+            <a:ext cx="3197532" cy="3105703"/>
           </a:xfrm>
         </p:spPr>
         <p:txBody>
-          <a:bodyPr/>
-          <a:lstStyle>
-            <a:lvl1pPr>
-              <a:defRPr sz="2400"/>
-            </a:lvl1pPr>
-            <a:lvl2pPr>
-              <a:defRPr sz="2000"/>
-            </a:lvl2pPr>
-            <a:lvl3pPr>
-              <a:defRPr sz="1800"/>
-            </a:lvl3pPr>
-            <a:lvl4pPr>
-              <a:defRPr sz="1600"/>
-            </a:lvl4pPr>
-            <a:lvl5pPr>
-              <a:defRPr sz="1600"/>
-            </a:lvl5pPr>
-            <a:lvl6pPr>
-              <a:defRPr sz="1600"/>
-            </a:lvl6pPr>
-            <a:lvl7pPr>
-              <a:defRPr sz="1600"/>
-            </a:lvl7pPr>
-            <a:lvl8pPr>
-              <a:defRPr sz="1600"/>
-            </a:lvl8pPr>
-            <a:lvl9pPr>
-              <a:defRPr sz="1600"/>
-            </a:lvl9pPr>
-          </a:lstStyle>
+          <a:bodyPr>
+            <a:normAutofit/>
+          </a:bodyPr>
+          <a:lstStyle/>
           <a:p>
             <a:pPr lvl="0"/>
             <a:r>
-              <a:rPr lang="en-US" smtClean="0"/>
-              <a:t>Click to edit Master text styles</a:t>
+              <a:rPr lang="de-DE"/>
+              <a:t>Mastertextformat bearbeiten</a:t>
             </a:r>
           </a:p>
           <a:p>
             <a:pPr lvl="1"/>
             <a:r>
-              <a:rPr lang="en-US" smtClean="0"/>
-              <a:t>Second level</a:t>
+              <a:rPr lang="de-DE"/>
+              <a:t>Zweite Ebene</a:t>
             </a:r>
           </a:p>
           <a:p>
             <a:pPr lvl="2"/>
             <a:r>
-              <a:rPr lang="en-US" smtClean="0"/>
-              <a:t>Third level</a:t>
+              <a:rPr lang="de-DE"/>
+              <a:t>Dritte Ebene</a:t>
             </a:r>
           </a:p>
           <a:p>
             <a:pPr lvl="3"/>
             <a:r>
-              <a:rPr lang="en-US" smtClean="0"/>
-              <a:t>Fourth level</a:t>
+              <a:rPr lang="de-DE"/>
+              <a:t>Vierte Ebene</a:t>
             </a:r>
           </a:p>
           <a:p>
             <a:pPr lvl="4"/>
             <a:r>
-              <a:rPr lang="en-US" smtClean="0"/>
-              <a:t>Fifth level</a:t>
-            </a:r>
-            <a:endParaRPr lang="en-US"/>
+              <a:rPr lang="de-DE"/>
+              <a:t>Fünfte Ebene</a:t>
+            </a:r>
+            <a:endParaRPr lang="en-US" dirty="0"/>
           </a:p>
         </p:txBody>
       </p:sp>
@@ -1618,16 +3844,18 @@
         </p:nvSpPr>
         <p:spPr>
           <a:xfrm>
-            <a:off x="4645025" y="1535113"/>
-            <a:ext cx="4041775" cy="639762"/>
+            <a:off x="5656154" y="2223398"/>
+            <a:ext cx="2873239" cy="576262"/>
           </a:xfrm>
         </p:spPr>
         <p:txBody>
-          <a:bodyPr anchor="b"/>
+          <a:bodyPr anchor="b">
+            <a:noAutofit/>
+          </a:bodyPr>
           <a:lstStyle>
             <a:lvl1pPr marL="0" indent="0">
               <a:buNone/>
-              <a:defRPr sz="2400" b="1"/>
+              <a:defRPr sz="2400" b="0"/>
             </a:lvl1pPr>
             <a:lvl2pPr marL="457200" indent="0">
               <a:buNone/>
@@ -1665,8 +3893,8 @@
           <a:p>
             <a:pPr lvl="0"/>
             <a:r>
-              <a:rPr lang="en-US" smtClean="0"/>
-              <a:t>Click to edit Master text styles</a:t>
+              <a:rPr lang="de-DE"/>
+              <a:t>Mastertextformat bearbeiten</a:t>
             </a:r>
           </a:p>
         </p:txBody>
@@ -1683,76 +3911,50 @@
         </p:nvSpPr>
         <p:spPr>
           <a:xfrm>
-            <a:off x="4645025" y="2174875"/>
-            <a:ext cx="4041775" cy="3951288"/>
+            <a:off x="5333715" y="2799660"/>
+            <a:ext cx="3195680" cy="3105703"/>
           </a:xfrm>
         </p:spPr>
         <p:txBody>
-          <a:bodyPr/>
-          <a:lstStyle>
-            <a:lvl1pPr>
-              <a:defRPr sz="2400"/>
-            </a:lvl1pPr>
-            <a:lvl2pPr>
-              <a:defRPr sz="2000"/>
-            </a:lvl2pPr>
-            <a:lvl3pPr>
-              <a:defRPr sz="1800"/>
-            </a:lvl3pPr>
-            <a:lvl4pPr>
-              <a:defRPr sz="1600"/>
-            </a:lvl4pPr>
-            <a:lvl5pPr>
-              <a:defRPr sz="1600"/>
-            </a:lvl5pPr>
-            <a:lvl6pPr>
-              <a:defRPr sz="1600"/>
-            </a:lvl6pPr>
-            <a:lvl7pPr>
-              <a:defRPr sz="1600"/>
-            </a:lvl7pPr>
-            <a:lvl8pPr>
-              <a:defRPr sz="1600"/>
-            </a:lvl8pPr>
-            <a:lvl9pPr>
-              <a:defRPr sz="1600"/>
-            </a:lvl9pPr>
-          </a:lstStyle>
+          <a:bodyPr>
+            <a:normAutofit/>
+          </a:bodyPr>
+          <a:lstStyle/>
           <a:p>
             <a:pPr lvl="0"/>
             <a:r>
-              <a:rPr lang="en-US" smtClean="0"/>
-              <a:t>Click to edit Master text styles</a:t>
+              <a:rPr lang="de-DE"/>
+              <a:t>Mastertextformat bearbeiten</a:t>
             </a:r>
           </a:p>
           <a:p>
             <a:pPr lvl="1"/>
             <a:r>
-              <a:rPr lang="en-US" smtClean="0"/>
-              <a:t>Second level</a:t>
+              <a:rPr lang="de-DE"/>
+              <a:t>Zweite Ebene</a:t>
             </a:r>
           </a:p>
           <a:p>
             <a:pPr lvl="2"/>
             <a:r>
-              <a:rPr lang="en-US" smtClean="0"/>
-              <a:t>Third level</a:t>
+              <a:rPr lang="de-DE"/>
+              <a:t>Dritte Ebene</a:t>
             </a:r>
           </a:p>
           <a:p>
             <a:pPr lvl="3"/>
             <a:r>
-              <a:rPr lang="en-US" smtClean="0"/>
-              <a:t>Fourth level</a:t>
+              <a:rPr lang="de-DE"/>
+              <a:t>Vierte Ebene</a:t>
             </a:r>
           </a:p>
           <a:p>
             <a:pPr lvl="4"/>
             <a:r>
-              <a:rPr lang="en-US" smtClean="0"/>
-              <a:t>Fifth level</a:t>
-            </a:r>
-            <a:endParaRPr lang="en-US"/>
+              <a:rPr lang="de-DE"/>
+              <a:t>Fünfte Ebene</a:t>
+            </a:r>
+            <a:endParaRPr lang="en-US" dirty="0"/>
           </a:p>
         </p:txBody>
       </p:sp>
@@ -1773,7 +3975,7 @@
           <a:p>
             <a:fld id="{5BCAD085-E8A6-8845-BD4E-CB4CCA059FC4}" type="datetimeFigureOut">
               <a:rPr lang="en-US" smtClean="0"/>
-              <a:t>1/27/13</a:t>
+              <a:t>6/8/2024</a:t>
             </a:fld>
             <a:endParaRPr lang="en-US"/>
           </a:p>
@@ -1800,7 +4002,87 @@
       </p:sp>
       <p:sp>
         <p:nvSpPr>
-          <p:cNvPr id="9" name="Slide Number Placeholder 8"/>
+          <p:cNvPr id="11" name="Freeform 11"/>
+          <p:cNvSpPr/>
+          <p:nvPr/>
+        </p:nvSpPr>
+        <p:spPr bwMode="auto">
+          <a:xfrm flipV="1">
+            <a:off x="58" y="711194"/>
+            <a:ext cx="1358356" cy="508005"/>
+          </a:xfrm>
+          <a:custGeom>
+            <a:avLst/>
+            <a:gdLst/>
+            <a:ahLst/>
+            <a:cxnLst/>
+            <a:rect l="l" t="t" r="r" b="b"/>
+            <a:pathLst>
+              <a:path w="7908" h="10000">
+                <a:moveTo>
+                  <a:pt x="7908" y="4694"/>
+                </a:moveTo>
+                <a:lnTo>
+                  <a:pt x="6575" y="188"/>
+                </a:lnTo>
+                <a:cubicBezTo>
+                  <a:pt x="6566" y="157"/>
+                  <a:pt x="6555" y="125"/>
+                  <a:pt x="6546" y="94"/>
+                </a:cubicBezTo>
+                <a:cubicBezTo>
+                  <a:pt x="6519" y="0"/>
+                  <a:pt x="6491" y="0"/>
+                  <a:pt x="6463" y="0"/>
+                </a:cubicBezTo>
+                <a:lnTo>
+                  <a:pt x="5935" y="0"/>
+                </a:lnTo>
+                <a:lnTo>
+                  <a:pt x="0" y="62"/>
+                </a:lnTo>
+                <a:lnTo>
+                  <a:pt x="0" y="10000"/>
+                </a:lnTo>
+                <a:lnTo>
+                  <a:pt x="5935" y="9952"/>
+                </a:lnTo>
+                <a:lnTo>
+                  <a:pt x="6463" y="9952"/>
+                </a:lnTo>
+                <a:cubicBezTo>
+                  <a:pt x="6491" y="9952"/>
+                  <a:pt x="6519" y="9859"/>
+                  <a:pt x="6546" y="9859"/>
+                </a:cubicBezTo>
+                <a:cubicBezTo>
+                  <a:pt x="6546" y="9764"/>
+                  <a:pt x="6575" y="9764"/>
+                  <a:pt x="6575" y="9764"/>
+                </a:cubicBezTo>
+                <a:lnTo>
+                  <a:pt x="7908" y="5258"/>
+                </a:lnTo>
+                <a:cubicBezTo>
+                  <a:pt x="7963" y="5070"/>
+                  <a:pt x="7963" y="4883"/>
+                  <a:pt x="7908" y="4694"/>
+                </a:cubicBezTo>
+                <a:close/>
+              </a:path>
+            </a:pathLst>
+          </a:custGeom>
+          <a:solidFill>
+            <a:schemeClr val="accent1"/>
+          </a:solidFill>
+          <a:ln>
+            <a:noFill/>
+          </a:ln>
+        </p:spPr>
+      </p:sp>
+      <p:sp>
+        <p:nvSpPr>
+          <p:cNvPr id="12" name="Slide Number Placeholder 5"/>
           <p:cNvSpPr>
             <a:spLocks noGrp="1"/>
           </p:cNvSpPr>
@@ -1808,14 +4090,19 @@
             <p:ph type="sldNum" sz="quarter" idx="12"/>
           </p:nvPr>
         </p:nvSpPr>
-        <p:spPr/>
+        <p:spPr>
+          <a:xfrm>
+            <a:off x="511228" y="787783"/>
+            <a:ext cx="584978" cy="365125"/>
+          </a:xfrm>
+        </p:spPr>
         <p:txBody>
           <a:bodyPr/>
           <a:lstStyle/>
           <a:p>
             <a:fld id="{C1FF6DA9-008F-8B48-92A6-B652298478BF}" type="slidenum">
               <a:rPr lang="en-US" smtClean="0"/>
-              <a:t>‹#›</a:t>
+              <a:t>‹Nr.›</a:t>
             </a:fld>
             <a:endParaRPr lang="en-US"/>
           </a:p>
@@ -1824,7 +4111,7 @@
     </p:spTree>
     <p:extLst>
       <p:ext uri="{BB962C8B-B14F-4D97-AF65-F5344CB8AC3E}">
-        <p14:creationId xmlns:p14="http://schemas.microsoft.com/office/powerpoint/2010/main" val="990158736"/>
+        <p14:creationId xmlns:p14="http://schemas.microsoft.com/office/powerpoint/2010/main" val="819738693"/>
       </p:ext>
     </p:extLst>
   </p:cSld>
@@ -1836,7 +4123,7 @@
 
 <file path=ppt/slideLayouts/slideLayout6.xml><?xml version="1.0" encoding="utf-8"?>
 <p:sldLayout xmlns:a="http://schemas.openxmlformats.org/drawingml/2006/main" xmlns:r="http://schemas.openxmlformats.org/officeDocument/2006/relationships" xmlns:p="http://schemas.openxmlformats.org/presentationml/2006/main" type="titleOnly" preserve="1">
-  <p:cSld name="Title Only">
+  <p:cSld name="Nur Titel">
     <p:spTree>
       <p:nvGrpSpPr>
         <p:cNvPr id="1" name=""/>
@@ -1861,16 +4148,21 @@
             <p:ph type="title"/>
           </p:nvPr>
         </p:nvSpPr>
-        <p:spPr/>
+        <p:spPr>
+          <a:xfrm>
+            <a:off x="1945200" y="624110"/>
+            <a:ext cx="6589200" cy="1280890"/>
+          </a:xfrm>
+        </p:spPr>
         <p:txBody>
           <a:bodyPr/>
           <a:lstStyle/>
           <a:p>
             <a:r>
-              <a:rPr lang="en-US" smtClean="0"/>
-              <a:t>Click to edit Master title style</a:t>
-            </a:r>
-            <a:endParaRPr lang="en-US"/>
+              <a:rPr lang="de-DE"/>
+              <a:t>Mastertitelformat bearbeiten</a:t>
+            </a:r>
+            <a:endParaRPr lang="en-US" dirty="0"/>
           </a:p>
         </p:txBody>
       </p:sp>
@@ -1891,7 +4183,7 @@
           <a:p>
             <a:fld id="{5BCAD085-E8A6-8845-BD4E-CB4CCA059FC4}" type="datetimeFigureOut">
               <a:rPr lang="en-US" smtClean="0"/>
-              <a:t>1/27/13</a:t>
+              <a:t>6/8/2024</a:t>
             </a:fld>
             <a:endParaRPr lang="en-US"/>
           </a:p>
@@ -1918,6 +4210,86 @@
       </p:sp>
       <p:sp>
         <p:nvSpPr>
+          <p:cNvPr id="8" name="Freeform 11"/>
+          <p:cNvSpPr/>
+          <p:nvPr/>
+        </p:nvSpPr>
+        <p:spPr bwMode="auto">
+          <a:xfrm flipV="1">
+            <a:off x="58" y="711194"/>
+            <a:ext cx="1358356" cy="508005"/>
+          </a:xfrm>
+          <a:custGeom>
+            <a:avLst/>
+            <a:gdLst/>
+            <a:ahLst/>
+            <a:cxnLst/>
+            <a:rect l="l" t="t" r="r" b="b"/>
+            <a:pathLst>
+              <a:path w="7908" h="10000">
+                <a:moveTo>
+                  <a:pt x="7908" y="4694"/>
+                </a:moveTo>
+                <a:lnTo>
+                  <a:pt x="6575" y="188"/>
+                </a:lnTo>
+                <a:cubicBezTo>
+                  <a:pt x="6566" y="157"/>
+                  <a:pt x="6555" y="125"/>
+                  <a:pt x="6546" y="94"/>
+                </a:cubicBezTo>
+                <a:cubicBezTo>
+                  <a:pt x="6519" y="0"/>
+                  <a:pt x="6491" y="0"/>
+                  <a:pt x="6463" y="0"/>
+                </a:cubicBezTo>
+                <a:lnTo>
+                  <a:pt x="5935" y="0"/>
+                </a:lnTo>
+                <a:lnTo>
+                  <a:pt x="0" y="62"/>
+                </a:lnTo>
+                <a:lnTo>
+                  <a:pt x="0" y="10000"/>
+                </a:lnTo>
+                <a:lnTo>
+                  <a:pt x="5935" y="9952"/>
+                </a:lnTo>
+                <a:lnTo>
+                  <a:pt x="6463" y="9952"/>
+                </a:lnTo>
+                <a:cubicBezTo>
+                  <a:pt x="6491" y="9952"/>
+                  <a:pt x="6519" y="9859"/>
+                  <a:pt x="6546" y="9859"/>
+                </a:cubicBezTo>
+                <a:cubicBezTo>
+                  <a:pt x="6546" y="9764"/>
+                  <a:pt x="6575" y="9764"/>
+                  <a:pt x="6575" y="9764"/>
+                </a:cubicBezTo>
+                <a:lnTo>
+                  <a:pt x="7908" y="5258"/>
+                </a:lnTo>
+                <a:cubicBezTo>
+                  <a:pt x="7963" y="5070"/>
+                  <a:pt x="7963" y="4883"/>
+                  <a:pt x="7908" y="4694"/>
+                </a:cubicBezTo>
+                <a:close/>
+              </a:path>
+            </a:pathLst>
+          </a:custGeom>
+          <a:solidFill>
+            <a:schemeClr val="accent1"/>
+          </a:solidFill>
+          <a:ln>
+            <a:noFill/>
+          </a:ln>
+        </p:spPr>
+      </p:sp>
+      <p:sp>
+        <p:nvSpPr>
           <p:cNvPr id="5" name="Slide Number Placeholder 4"/>
           <p:cNvSpPr>
             <a:spLocks noGrp="1"/>
@@ -1933,7 +4305,7 @@
           <a:p>
             <a:fld id="{C1FF6DA9-008F-8B48-92A6-B652298478BF}" type="slidenum">
               <a:rPr lang="en-US" smtClean="0"/>
-              <a:t>‹#›</a:t>
+              <a:t>‹Nr.›</a:t>
             </a:fld>
             <a:endParaRPr lang="en-US"/>
           </a:p>
@@ -1942,7 +4314,7 @@
     </p:spTree>
     <p:extLst>
       <p:ext uri="{BB962C8B-B14F-4D97-AF65-F5344CB8AC3E}">
-        <p14:creationId xmlns:p14="http://schemas.microsoft.com/office/powerpoint/2010/main" val="727027711"/>
+        <p14:creationId xmlns:p14="http://schemas.microsoft.com/office/powerpoint/2010/main" val="3071503569"/>
       </p:ext>
     </p:extLst>
   </p:cSld>
@@ -1954,7 +4326,7 @@
 
 <file path=ppt/slideLayouts/slideLayout7.xml><?xml version="1.0" encoding="utf-8"?>
 <p:sldLayout xmlns:a="http://schemas.openxmlformats.org/drawingml/2006/main" xmlns:r="http://schemas.openxmlformats.org/officeDocument/2006/relationships" xmlns:p="http://schemas.openxmlformats.org/presentationml/2006/main" type="blank" preserve="1">
-  <p:cSld name="Blank">
+  <p:cSld name="Leer">
     <p:spTree>
       <p:nvGrpSpPr>
         <p:cNvPr id="1" name=""/>
@@ -1986,7 +4358,7 @@
           <a:p>
             <a:fld id="{5BCAD085-E8A6-8845-BD4E-CB4CCA059FC4}" type="datetimeFigureOut">
               <a:rPr lang="en-US" smtClean="0"/>
-              <a:t>1/27/13</a:t>
+              <a:t>6/8/2024</a:t>
             </a:fld>
             <a:endParaRPr lang="en-US"/>
           </a:p>
@@ -2013,6 +4385,86 @@
       </p:sp>
       <p:sp>
         <p:nvSpPr>
+          <p:cNvPr id="6" name="Freeform 11"/>
+          <p:cNvSpPr/>
+          <p:nvPr/>
+        </p:nvSpPr>
+        <p:spPr bwMode="auto">
+          <a:xfrm flipV="1">
+            <a:off x="58" y="711194"/>
+            <a:ext cx="1358356" cy="508005"/>
+          </a:xfrm>
+          <a:custGeom>
+            <a:avLst/>
+            <a:gdLst/>
+            <a:ahLst/>
+            <a:cxnLst/>
+            <a:rect l="l" t="t" r="r" b="b"/>
+            <a:pathLst>
+              <a:path w="7908" h="10000">
+                <a:moveTo>
+                  <a:pt x="7908" y="4694"/>
+                </a:moveTo>
+                <a:lnTo>
+                  <a:pt x="6575" y="188"/>
+                </a:lnTo>
+                <a:cubicBezTo>
+                  <a:pt x="6566" y="157"/>
+                  <a:pt x="6555" y="125"/>
+                  <a:pt x="6546" y="94"/>
+                </a:cubicBezTo>
+                <a:cubicBezTo>
+                  <a:pt x="6519" y="0"/>
+                  <a:pt x="6491" y="0"/>
+                  <a:pt x="6463" y="0"/>
+                </a:cubicBezTo>
+                <a:lnTo>
+                  <a:pt x="5935" y="0"/>
+                </a:lnTo>
+                <a:lnTo>
+                  <a:pt x="0" y="62"/>
+                </a:lnTo>
+                <a:lnTo>
+                  <a:pt x="0" y="10000"/>
+                </a:lnTo>
+                <a:lnTo>
+                  <a:pt x="5935" y="9952"/>
+                </a:lnTo>
+                <a:lnTo>
+                  <a:pt x="6463" y="9952"/>
+                </a:lnTo>
+                <a:cubicBezTo>
+                  <a:pt x="6491" y="9952"/>
+                  <a:pt x="6519" y="9859"/>
+                  <a:pt x="6546" y="9859"/>
+                </a:cubicBezTo>
+                <a:cubicBezTo>
+                  <a:pt x="6546" y="9764"/>
+                  <a:pt x="6575" y="9764"/>
+                  <a:pt x="6575" y="9764"/>
+                </a:cubicBezTo>
+                <a:lnTo>
+                  <a:pt x="7908" y="5258"/>
+                </a:lnTo>
+                <a:cubicBezTo>
+                  <a:pt x="7963" y="5070"/>
+                  <a:pt x="7963" y="4883"/>
+                  <a:pt x="7908" y="4694"/>
+                </a:cubicBezTo>
+                <a:close/>
+              </a:path>
+            </a:pathLst>
+          </a:custGeom>
+          <a:solidFill>
+            <a:schemeClr val="accent1"/>
+          </a:solidFill>
+          <a:ln>
+            <a:noFill/>
+          </a:ln>
+        </p:spPr>
+      </p:sp>
+      <p:sp>
+        <p:nvSpPr>
           <p:cNvPr id="4" name="Slide Number Placeholder 3"/>
           <p:cNvSpPr>
             <a:spLocks noGrp="1"/>
@@ -2028,7 +4480,7 @@
           <a:p>
             <a:fld id="{C1FF6DA9-008F-8B48-92A6-B652298478BF}" type="slidenum">
               <a:rPr lang="en-US" smtClean="0"/>
-              <a:t>‹#›</a:t>
+              <a:t>‹Nr.›</a:t>
             </a:fld>
             <a:endParaRPr lang="en-US"/>
           </a:p>
@@ -2037,7 +4489,7 @@
     </p:spTree>
     <p:extLst>
       <p:ext uri="{BB962C8B-B14F-4D97-AF65-F5344CB8AC3E}">
-        <p14:creationId xmlns:p14="http://schemas.microsoft.com/office/powerpoint/2010/main" val="1212999818"/>
+        <p14:creationId xmlns:p14="http://schemas.microsoft.com/office/powerpoint/2010/main" val="2500750400"/>
       </p:ext>
     </p:extLst>
   </p:cSld>
@@ -2049,7 +4501,7 @@
 
 <file path=ppt/slideLayouts/slideLayout8.xml><?xml version="1.0" encoding="utf-8"?>
 <p:sldLayout xmlns:a="http://schemas.openxmlformats.org/drawingml/2006/main" xmlns:r="http://schemas.openxmlformats.org/officeDocument/2006/relationships" xmlns:p="http://schemas.openxmlformats.org/presentationml/2006/main" type="objTx" preserve="1">
-  <p:cSld name="Content with Caption">
+  <p:cSld name="Inhalt mit Überschrift">
     <p:spTree>
       <p:nvGrpSpPr>
         <p:cNvPr id="1" name=""/>
@@ -2076,23 +4528,23 @@
         </p:nvSpPr>
         <p:spPr>
           <a:xfrm>
-            <a:off x="457200" y="273050"/>
-            <a:ext cx="3008313" cy="1162050"/>
+            <a:off x="1942415" y="446088"/>
+            <a:ext cx="2629584" cy="976312"/>
           </a:xfrm>
         </p:spPr>
         <p:txBody>
           <a:bodyPr anchor="b"/>
           <a:lstStyle>
             <a:lvl1pPr algn="l">
-              <a:defRPr sz="2000" b="1"/>
+              <a:defRPr sz="2000" b="0"/>
             </a:lvl1pPr>
           </a:lstStyle>
           <a:p>
             <a:r>
-              <a:rPr lang="en-US" smtClean="0"/>
-              <a:t>Click to edit Master title style</a:t>
-            </a:r>
-            <a:endParaRPr lang="en-US"/>
+              <a:rPr lang="de-DE"/>
+              <a:t>Mastertitelformat bearbeiten</a:t>
+            </a:r>
+            <a:endParaRPr lang="en-US" dirty="0"/>
           </a:p>
         </p:txBody>
       </p:sp>
@@ -2108,76 +4560,50 @@
         </p:nvSpPr>
         <p:spPr>
           <a:xfrm>
-            <a:off x="3575050" y="273050"/>
-            <a:ext cx="5111750" cy="5853113"/>
+            <a:off x="4743494" y="446089"/>
+            <a:ext cx="3790906" cy="5414963"/>
           </a:xfrm>
         </p:spPr>
         <p:txBody>
-          <a:bodyPr/>
-          <a:lstStyle>
-            <a:lvl1pPr>
-              <a:defRPr sz="3200"/>
-            </a:lvl1pPr>
-            <a:lvl2pPr>
-              <a:defRPr sz="2800"/>
-            </a:lvl2pPr>
-            <a:lvl3pPr>
-              <a:defRPr sz="2400"/>
-            </a:lvl3pPr>
-            <a:lvl4pPr>
-              <a:defRPr sz="2000"/>
-            </a:lvl4pPr>
-            <a:lvl5pPr>
-              <a:defRPr sz="2000"/>
-            </a:lvl5pPr>
-            <a:lvl6pPr>
-              <a:defRPr sz="2000"/>
-            </a:lvl6pPr>
-            <a:lvl7pPr>
-              <a:defRPr sz="2000"/>
-            </a:lvl7pPr>
-            <a:lvl8pPr>
-              <a:defRPr sz="2000"/>
-            </a:lvl8pPr>
-            <a:lvl9pPr>
-              <a:defRPr sz="2000"/>
-            </a:lvl9pPr>
-          </a:lstStyle>
+          <a:bodyPr anchor="ctr">
+            <a:normAutofit/>
+          </a:bodyPr>
+          <a:lstStyle/>
           <a:p>
             <a:pPr lvl="0"/>
             <a:r>
-              <a:rPr lang="en-US" smtClean="0"/>
-              <a:t>Click to edit Master text styles</a:t>
+              <a:rPr lang="de-DE"/>
+              <a:t>Mastertextformat bearbeiten</a:t>
             </a:r>
           </a:p>
           <a:p>
             <a:pPr lvl="1"/>
             <a:r>
-              <a:rPr lang="en-US" smtClean="0"/>
-              <a:t>Second level</a:t>
+              <a:rPr lang="de-DE"/>
+              <a:t>Zweite Ebene</a:t>
             </a:r>
           </a:p>
           <a:p>
             <a:pPr lvl="2"/>
             <a:r>
-              <a:rPr lang="en-US" smtClean="0"/>
-              <a:t>Third level</a:t>
+              <a:rPr lang="de-DE"/>
+              <a:t>Dritte Ebene</a:t>
             </a:r>
           </a:p>
           <a:p>
             <a:pPr lvl="3"/>
             <a:r>
-              <a:rPr lang="en-US" smtClean="0"/>
-              <a:t>Fourth level</a:t>
+              <a:rPr lang="de-DE"/>
+              <a:t>Vierte Ebene</a:t>
             </a:r>
           </a:p>
           <a:p>
             <a:pPr lvl="4"/>
             <a:r>
-              <a:rPr lang="en-US" smtClean="0"/>
-              <a:t>Fifth level</a:t>
-            </a:r>
-            <a:endParaRPr lang="en-US"/>
+              <a:rPr lang="de-DE"/>
+              <a:t>Fünfte Ebene</a:t>
+            </a:r>
+            <a:endParaRPr lang="en-US" dirty="0"/>
           </a:p>
         </p:txBody>
       </p:sp>
@@ -2193,8 +4619,8 @@
         </p:nvSpPr>
         <p:spPr>
           <a:xfrm>
-            <a:off x="457200" y="1435100"/>
-            <a:ext cx="3008313" cy="4691063"/>
+            <a:off x="1942415" y="1598613"/>
+            <a:ext cx="2629584" cy="4262436"/>
           </a:xfrm>
         </p:spPr>
         <p:txBody>
@@ -2240,8 +4666,8 @@
           <a:p>
             <a:pPr lvl="0"/>
             <a:r>
-              <a:rPr lang="en-US" smtClean="0"/>
-              <a:t>Click to edit Master text styles</a:t>
+              <a:rPr lang="de-DE"/>
+              <a:t>Mastertextformat bearbeiten</a:t>
             </a:r>
           </a:p>
         </p:txBody>
@@ -2263,7 +4689,7 @@
           <a:p>
             <a:fld id="{5BCAD085-E8A6-8845-BD4E-CB4CCA059FC4}" type="datetimeFigureOut">
               <a:rPr lang="en-US" smtClean="0"/>
-              <a:t>1/27/13</a:t>
+              <a:t>6/8/2024</a:t>
             </a:fld>
             <a:endParaRPr lang="en-US"/>
           </a:p>
@@ -2290,6 +4716,86 @@
       </p:sp>
       <p:sp>
         <p:nvSpPr>
+          <p:cNvPr id="10" name="Freeform 11"/>
+          <p:cNvSpPr/>
+          <p:nvPr/>
+        </p:nvSpPr>
+        <p:spPr bwMode="auto">
+          <a:xfrm flipV="1">
+            <a:off x="58" y="711194"/>
+            <a:ext cx="1358356" cy="508005"/>
+          </a:xfrm>
+          <a:custGeom>
+            <a:avLst/>
+            <a:gdLst/>
+            <a:ahLst/>
+            <a:cxnLst/>
+            <a:rect l="l" t="t" r="r" b="b"/>
+            <a:pathLst>
+              <a:path w="7908" h="10000">
+                <a:moveTo>
+                  <a:pt x="7908" y="4694"/>
+                </a:moveTo>
+                <a:lnTo>
+                  <a:pt x="6575" y="188"/>
+                </a:lnTo>
+                <a:cubicBezTo>
+                  <a:pt x="6566" y="157"/>
+                  <a:pt x="6555" y="125"/>
+                  <a:pt x="6546" y="94"/>
+                </a:cubicBezTo>
+                <a:cubicBezTo>
+                  <a:pt x="6519" y="0"/>
+                  <a:pt x="6491" y="0"/>
+                  <a:pt x="6463" y="0"/>
+                </a:cubicBezTo>
+                <a:lnTo>
+                  <a:pt x="5935" y="0"/>
+                </a:lnTo>
+                <a:lnTo>
+                  <a:pt x="0" y="62"/>
+                </a:lnTo>
+                <a:lnTo>
+                  <a:pt x="0" y="10000"/>
+                </a:lnTo>
+                <a:lnTo>
+                  <a:pt x="5935" y="9952"/>
+                </a:lnTo>
+                <a:lnTo>
+                  <a:pt x="6463" y="9952"/>
+                </a:lnTo>
+                <a:cubicBezTo>
+                  <a:pt x="6491" y="9952"/>
+                  <a:pt x="6519" y="9859"/>
+                  <a:pt x="6546" y="9859"/>
+                </a:cubicBezTo>
+                <a:cubicBezTo>
+                  <a:pt x="6546" y="9764"/>
+                  <a:pt x="6575" y="9764"/>
+                  <a:pt x="6575" y="9764"/>
+                </a:cubicBezTo>
+                <a:lnTo>
+                  <a:pt x="7908" y="5258"/>
+                </a:lnTo>
+                <a:cubicBezTo>
+                  <a:pt x="7963" y="5070"/>
+                  <a:pt x="7963" y="4883"/>
+                  <a:pt x="7908" y="4694"/>
+                </a:cubicBezTo>
+                <a:close/>
+              </a:path>
+            </a:pathLst>
+          </a:custGeom>
+          <a:solidFill>
+            <a:schemeClr val="accent1"/>
+          </a:solidFill>
+          <a:ln>
+            <a:noFill/>
+          </a:ln>
+        </p:spPr>
+      </p:sp>
+      <p:sp>
+        <p:nvSpPr>
           <p:cNvPr id="7" name="Slide Number Placeholder 6"/>
           <p:cNvSpPr>
             <a:spLocks noGrp="1"/>
@@ -2305,7 +4811,7 @@
           <a:p>
             <a:fld id="{C1FF6DA9-008F-8B48-92A6-B652298478BF}" type="slidenum">
               <a:rPr lang="en-US" smtClean="0"/>
-              <a:t>‹#›</a:t>
+              <a:t>‹Nr.›</a:t>
             </a:fld>
             <a:endParaRPr lang="en-US"/>
           </a:p>
@@ -2314,7 +4820,7 @@
     </p:spTree>
     <p:extLst>
       <p:ext uri="{BB962C8B-B14F-4D97-AF65-F5344CB8AC3E}">
-        <p14:creationId xmlns:p14="http://schemas.microsoft.com/office/powerpoint/2010/main" val="1840726560"/>
+        <p14:creationId xmlns:p14="http://schemas.microsoft.com/office/powerpoint/2010/main" val="497839850"/>
       </p:ext>
     </p:extLst>
   </p:cSld>
@@ -2326,7 +4832,7 @@
 
 <file path=ppt/slideLayouts/slideLayout9.xml><?xml version="1.0" encoding="utf-8"?>
 <p:sldLayout xmlns:a="http://schemas.openxmlformats.org/drawingml/2006/main" xmlns:r="http://schemas.openxmlformats.org/officeDocument/2006/relationships" xmlns:p="http://schemas.openxmlformats.org/presentationml/2006/main" type="picTx" preserve="1">
-  <p:cSld name="Picture with Caption">
+  <p:cSld name="Bild mit Überschrift">
     <p:spTree>
       <p:nvGrpSpPr>
         <p:cNvPr id="1" name=""/>
@@ -2353,23 +4859,25 @@
         </p:nvSpPr>
         <p:spPr>
           <a:xfrm>
-            <a:off x="1792288" y="4800600"/>
-            <a:ext cx="5486400" cy="566738"/>
+            <a:off x="1942415" y="4800600"/>
+            <a:ext cx="6591985" cy="566738"/>
           </a:xfrm>
         </p:spPr>
         <p:txBody>
-          <a:bodyPr anchor="b"/>
+          <a:bodyPr anchor="b">
+            <a:normAutofit/>
+          </a:bodyPr>
           <a:lstStyle>
             <a:lvl1pPr algn="l">
-              <a:defRPr sz="2000" b="1"/>
+              <a:defRPr sz="2400" b="0"/>
             </a:lvl1pPr>
           </a:lstStyle>
           <a:p>
             <a:r>
-              <a:rPr lang="en-US" smtClean="0"/>
-              <a:t>Click to edit Master title style</a:t>
-            </a:r>
-            <a:endParaRPr lang="en-US"/>
+              <a:rPr lang="de-DE"/>
+              <a:t>Mastertitelformat bearbeiten</a:t>
+            </a:r>
+            <a:endParaRPr lang="en-US" dirty="0"/>
           </a:p>
         </p:txBody>
       </p:sp>
@@ -2377,7 +4885,7 @@
         <p:nvSpPr>
           <p:cNvPr id="3" name="Picture Placeholder 2"/>
           <p:cNvSpPr>
-            <a:spLocks noGrp="1"/>
+            <a:spLocks noGrp="1" noChangeAspect="1"/>
           </p:cNvSpPr>
           <p:nvPr>
             <p:ph type="pic" idx="1"/>
@@ -2385,77 +4893,85 @@
         </p:nvSpPr>
         <p:spPr>
           <a:xfrm>
-            <a:off x="1792288" y="612775"/>
-            <a:ext cx="5486400" cy="4114800"/>
+            <a:off x="1942415" y="634965"/>
+            <a:ext cx="6591985" cy="3854970"/>
           </a:xfrm>
         </p:spPr>
         <p:txBody>
-          <a:bodyPr/>
+          <a:bodyPr anchor="t">
+            <a:normAutofit/>
+          </a:bodyPr>
+          <a:lstStyle>
+            <a:lvl1pPr marL="0" indent="0" algn="ctr">
+              <a:buNone/>
+              <a:defRPr sz="1600"/>
+            </a:lvl1pPr>
+            <a:lvl2pPr marL="457200" indent="0">
+              <a:buNone/>
+              <a:defRPr sz="1600"/>
+            </a:lvl2pPr>
+            <a:lvl3pPr marL="914400" indent="0">
+              <a:buNone/>
+              <a:defRPr sz="1600"/>
+            </a:lvl3pPr>
+            <a:lvl4pPr marL="1371600" indent="0">
+              <a:buNone/>
+              <a:defRPr sz="1600"/>
+            </a:lvl4pPr>
+            <a:lvl5pPr marL="1828800" indent="0">
+              <a:buNone/>
+              <a:defRPr sz="1600"/>
+            </a:lvl5pPr>
+            <a:lvl6pPr marL="2286000" indent="0">
+              <a:buNone/>
+              <a:defRPr sz="1600"/>
+            </a:lvl6pPr>
+            <a:lvl7pPr marL="2743200" indent="0">
+              <a:buNone/>
+              <a:defRPr sz="1600"/>
+            </a:lvl7pPr>
+            <a:lvl8pPr marL="3200400" indent="0">
+              <a:buNone/>
+              <a:defRPr sz="1600"/>
+            </a:lvl8pPr>
+            <a:lvl9pPr marL="3657600" indent="0">
+              <a:buNone/>
+              <a:defRPr sz="1600"/>
+            </a:lvl9pPr>
+          </a:lstStyle>
+          <a:p>
+            <a:r>
+              <a:rPr lang="de-DE"/>
+              <a:t>Bild durch Klicken auf Symbol hinzufügen</a:t>
+            </a:r>
+            <a:endParaRPr lang="en-US" dirty="0"/>
+          </a:p>
+        </p:txBody>
+      </p:sp>
+      <p:sp>
+        <p:nvSpPr>
+          <p:cNvPr id="4" name="Text Placeholder 3"/>
+          <p:cNvSpPr>
+            <a:spLocks noGrp="1"/>
+          </p:cNvSpPr>
+          <p:nvPr>
+            <p:ph type="body" sz="half" idx="2"/>
+          </p:nvPr>
+        </p:nvSpPr>
+        <p:spPr>
+          <a:xfrm>
+            <a:off x="1942415" y="5367338"/>
+            <a:ext cx="6591985" cy="493712"/>
+          </a:xfrm>
+        </p:spPr>
+        <p:txBody>
+          <a:bodyPr>
+            <a:normAutofit/>
+          </a:bodyPr>
           <a:lstStyle>
             <a:lvl1pPr marL="0" indent="0">
               <a:buNone/>
-              <a:defRPr sz="3200"/>
-            </a:lvl1pPr>
-            <a:lvl2pPr marL="457200" indent="0">
-              <a:buNone/>
-              <a:defRPr sz="2800"/>
-            </a:lvl2pPr>
-            <a:lvl3pPr marL="914400" indent="0">
-              <a:buNone/>
-              <a:defRPr sz="2400"/>
-            </a:lvl3pPr>
-            <a:lvl4pPr marL="1371600" indent="0">
-              <a:buNone/>
-              <a:defRPr sz="2000"/>
-            </a:lvl4pPr>
-            <a:lvl5pPr marL="1828800" indent="0">
-              <a:buNone/>
-              <a:defRPr sz="2000"/>
-            </a:lvl5pPr>
-            <a:lvl6pPr marL="2286000" indent="0">
-              <a:buNone/>
-              <a:defRPr sz="2000"/>
-            </a:lvl6pPr>
-            <a:lvl7pPr marL="2743200" indent="0">
-              <a:buNone/>
-              <a:defRPr sz="2000"/>
-            </a:lvl7pPr>
-            <a:lvl8pPr marL="3200400" indent="0">
-              <a:buNone/>
-              <a:defRPr sz="2000"/>
-            </a:lvl8pPr>
-            <a:lvl9pPr marL="3657600" indent="0">
-              <a:buNone/>
-              <a:defRPr sz="2000"/>
-            </a:lvl9pPr>
-          </a:lstStyle>
-          <a:p>
-            <a:endParaRPr lang="en-US"/>
-          </a:p>
-        </p:txBody>
-      </p:sp>
-      <p:sp>
-        <p:nvSpPr>
-          <p:cNvPr id="4" name="Text Placeholder 3"/>
-          <p:cNvSpPr>
-            <a:spLocks noGrp="1"/>
-          </p:cNvSpPr>
-          <p:nvPr>
-            <p:ph type="body" sz="half" idx="2"/>
-          </p:nvPr>
-        </p:nvSpPr>
-        <p:spPr>
-          <a:xfrm>
-            <a:off x="1792288" y="5367338"/>
-            <a:ext cx="5486400" cy="804862"/>
-          </a:xfrm>
-        </p:spPr>
-        <p:txBody>
-          <a:bodyPr/>
-          <a:lstStyle>
-            <a:lvl1pPr marL="0" indent="0">
-              <a:buNone/>
-              <a:defRPr sz="1400"/>
+              <a:defRPr sz="1200"/>
             </a:lvl1pPr>
             <a:lvl2pPr marL="457200" indent="0">
               <a:buNone/>
@@ -2493,8 +5009,8 @@
           <a:p>
             <a:pPr lvl="0"/>
             <a:r>
-              <a:rPr lang="en-US" smtClean="0"/>
-              <a:t>Click to edit Master text styles</a:t>
+              <a:rPr lang="de-DE"/>
+              <a:t>Mastertextformat bearbeiten</a:t>
             </a:r>
           </a:p>
         </p:txBody>
@@ -2516,7 +5032,7 @@
           <a:p>
             <a:fld id="{5BCAD085-E8A6-8845-BD4E-CB4CCA059FC4}" type="datetimeFigureOut">
               <a:rPr lang="en-US" smtClean="0"/>
-              <a:t>1/27/13</a:t>
+              <a:t>6/8/2024</a:t>
             </a:fld>
             <a:endParaRPr lang="en-US"/>
           </a:p>
@@ -2543,6 +5059,86 @@
       </p:sp>
       <p:sp>
         <p:nvSpPr>
+          <p:cNvPr id="10" name="Freeform 11"/>
+          <p:cNvSpPr/>
+          <p:nvPr/>
+        </p:nvSpPr>
+        <p:spPr bwMode="auto">
+          <a:xfrm flipV="1">
+            <a:off x="58" y="4910660"/>
+            <a:ext cx="1358356" cy="508005"/>
+          </a:xfrm>
+          <a:custGeom>
+            <a:avLst/>
+            <a:gdLst/>
+            <a:ahLst/>
+            <a:cxnLst/>
+            <a:rect l="l" t="t" r="r" b="b"/>
+            <a:pathLst>
+              <a:path w="7908" h="10000">
+                <a:moveTo>
+                  <a:pt x="7908" y="4694"/>
+                </a:moveTo>
+                <a:lnTo>
+                  <a:pt x="6575" y="188"/>
+                </a:lnTo>
+                <a:cubicBezTo>
+                  <a:pt x="6566" y="157"/>
+                  <a:pt x="6555" y="125"/>
+                  <a:pt x="6546" y="94"/>
+                </a:cubicBezTo>
+                <a:cubicBezTo>
+                  <a:pt x="6519" y="0"/>
+                  <a:pt x="6491" y="0"/>
+                  <a:pt x="6463" y="0"/>
+                </a:cubicBezTo>
+                <a:lnTo>
+                  <a:pt x="5935" y="0"/>
+                </a:lnTo>
+                <a:lnTo>
+                  <a:pt x="0" y="62"/>
+                </a:lnTo>
+                <a:lnTo>
+                  <a:pt x="0" y="10000"/>
+                </a:lnTo>
+                <a:lnTo>
+                  <a:pt x="5935" y="9952"/>
+                </a:lnTo>
+                <a:lnTo>
+                  <a:pt x="6463" y="9952"/>
+                </a:lnTo>
+                <a:cubicBezTo>
+                  <a:pt x="6491" y="9952"/>
+                  <a:pt x="6519" y="9859"/>
+                  <a:pt x="6546" y="9859"/>
+                </a:cubicBezTo>
+                <a:cubicBezTo>
+                  <a:pt x="6546" y="9764"/>
+                  <a:pt x="6575" y="9764"/>
+                  <a:pt x="6575" y="9764"/>
+                </a:cubicBezTo>
+                <a:lnTo>
+                  <a:pt x="7908" y="5258"/>
+                </a:lnTo>
+                <a:cubicBezTo>
+                  <a:pt x="7963" y="5070"/>
+                  <a:pt x="7963" y="4883"/>
+                  <a:pt x="7908" y="4694"/>
+                </a:cubicBezTo>
+                <a:close/>
+              </a:path>
+            </a:pathLst>
+          </a:custGeom>
+          <a:solidFill>
+            <a:schemeClr val="accent1"/>
+          </a:solidFill>
+          <a:ln>
+            <a:noFill/>
+          </a:ln>
+        </p:spPr>
+      </p:sp>
+      <p:sp>
+        <p:nvSpPr>
           <p:cNvPr id="7" name="Slide Number Placeholder 6"/>
           <p:cNvSpPr>
             <a:spLocks noGrp="1"/>
@@ -2551,14 +5147,19 @@
             <p:ph type="sldNum" sz="quarter" idx="12"/>
           </p:nvPr>
         </p:nvSpPr>
-        <p:spPr/>
+        <p:spPr>
+          <a:xfrm>
+            <a:off x="511228" y="4983088"/>
+            <a:ext cx="584978" cy="365125"/>
+          </a:xfrm>
+        </p:spPr>
         <p:txBody>
           <a:bodyPr/>
           <a:lstStyle/>
           <a:p>
             <a:fld id="{C1FF6DA9-008F-8B48-92A6-B652298478BF}" type="slidenum">
               <a:rPr lang="en-US" smtClean="0"/>
-              <a:t>‹#›</a:t>
+              <a:t>‹Nr.›</a:t>
             </a:fld>
             <a:endParaRPr lang="en-US"/>
           </a:p>
@@ -2567,7 +5168,7 @@
     </p:spTree>
     <p:extLst>
       <p:ext uri="{BB962C8B-B14F-4D97-AF65-F5344CB8AC3E}">
-        <p14:creationId xmlns:p14="http://schemas.microsoft.com/office/powerpoint/2010/main" val="3889236939"/>
+        <p14:creationId xmlns:p14="http://schemas.microsoft.com/office/powerpoint/2010/main" val="1675718640"/>
       </p:ext>
     </p:extLst>
   </p:cSld>
@@ -2581,8 +5182,8 @@
 <p:sldMaster xmlns:a="http://schemas.openxmlformats.org/drawingml/2006/main" xmlns:r="http://schemas.openxmlformats.org/officeDocument/2006/relationships" xmlns:p="http://schemas.openxmlformats.org/presentationml/2006/main">
   <p:cSld>
     <p:bg>
-      <p:bgRef idx="1001">
-        <a:schemeClr val="bg1"/>
+      <p:bgRef idx="1003">
+        <a:schemeClr val="bg2"/>
       </p:bgRef>
     </p:bg>
     <p:spTree>
@@ -2599,36 +5200,1853 @@
           <a:chExt cx="0" cy="0"/>
         </a:xfrm>
       </p:grpSpPr>
-      <p:sp>
-        <p:nvSpPr>
-          <p:cNvPr id="2" name="Title Placeholder 1"/>
-          <p:cNvSpPr>
-            <a:spLocks noGrp="1"/>
-          </p:cNvSpPr>
-          <p:nvPr>
-            <p:ph type="title"/>
-          </p:nvPr>
+      <p:grpSp>
+        <p:nvGrpSpPr>
+          <p:cNvPr id="36" name="Group 35"/>
+          <p:cNvGrpSpPr/>
+          <p:nvPr/>
+        </p:nvGrpSpPr>
+        <p:grpSpPr>
+          <a:xfrm>
+            <a:off x="1" y="228600"/>
+            <a:ext cx="1981200" cy="6638628"/>
+            <a:chOff x="2487613" y="285750"/>
+            <a:chExt cx="2428875" cy="5654676"/>
+          </a:xfrm>
+        </p:grpSpPr>
+        <p:sp>
+          <p:nvSpPr>
+            <p:cNvPr id="37" name="Freeform 11"/>
+            <p:cNvSpPr/>
+            <p:nvPr/>
+          </p:nvSpPr>
+          <p:spPr bwMode="auto">
+            <a:xfrm>
+              <a:off x="2487613" y="2284413"/>
+              <a:ext cx="85725" cy="533400"/>
+            </a:xfrm>
+            <a:custGeom>
+              <a:avLst/>
+              <a:gdLst/>
+              <a:ahLst/>
+              <a:cxnLst/>
+              <a:rect l="0" t="0" r="r" b="b"/>
+              <a:pathLst>
+                <a:path w="22" h="136">
+                  <a:moveTo>
+                    <a:pt x="22" y="136"/>
+                  </a:moveTo>
+                  <a:cubicBezTo>
+                    <a:pt x="20" y="117"/>
+                    <a:pt x="19" y="99"/>
+                    <a:pt x="17" y="80"/>
+                  </a:cubicBezTo>
+                  <a:cubicBezTo>
+                    <a:pt x="11" y="54"/>
+                    <a:pt x="6" y="27"/>
+                    <a:pt x="0" y="0"/>
+                  </a:cubicBezTo>
+                  <a:cubicBezTo>
+                    <a:pt x="0" y="35"/>
+                    <a:pt x="0" y="35"/>
+                    <a:pt x="0" y="35"/>
+                  </a:cubicBezTo>
+                  <a:cubicBezTo>
+                    <a:pt x="6" y="64"/>
+                    <a:pt x="13" y="94"/>
+                    <a:pt x="20" y="124"/>
+                  </a:cubicBezTo>
+                  <a:cubicBezTo>
+                    <a:pt x="20" y="128"/>
+                    <a:pt x="21" y="132"/>
+                    <a:pt x="22" y="136"/>
+                  </a:cubicBezTo>
+                  <a:close/>
+                </a:path>
+              </a:pathLst>
+            </a:custGeom>
+            <a:solidFill>
+              <a:schemeClr val="tx2">
+                <a:alpha val="20000"/>
+              </a:schemeClr>
+            </a:solidFill>
+            <a:ln>
+              <a:noFill/>
+            </a:ln>
+          </p:spPr>
+        </p:sp>
+        <p:sp>
+          <p:nvSpPr>
+            <p:cNvPr id="38" name="Freeform 12"/>
+            <p:cNvSpPr/>
+            <p:nvPr/>
+          </p:nvSpPr>
+          <p:spPr bwMode="auto">
+            <a:xfrm>
+              <a:off x="2597151" y="2779713"/>
+              <a:ext cx="550863" cy="1978025"/>
+            </a:xfrm>
+            <a:custGeom>
+              <a:avLst/>
+              <a:gdLst/>
+              <a:ahLst/>
+              <a:cxnLst/>
+              <a:rect l="0" t="0" r="r" b="b"/>
+              <a:pathLst>
+                <a:path w="140" h="504">
+                  <a:moveTo>
+                    <a:pt x="86" y="350"/>
+                  </a:moveTo>
+                  <a:cubicBezTo>
+                    <a:pt x="103" y="402"/>
+                    <a:pt x="120" y="453"/>
+                    <a:pt x="139" y="504"/>
+                  </a:cubicBezTo>
+                  <a:cubicBezTo>
+                    <a:pt x="139" y="495"/>
+                    <a:pt x="139" y="487"/>
+                    <a:pt x="140" y="478"/>
+                  </a:cubicBezTo>
+                  <a:cubicBezTo>
+                    <a:pt x="124" y="435"/>
+                    <a:pt x="109" y="391"/>
+                    <a:pt x="95" y="347"/>
+                  </a:cubicBezTo>
+                  <a:cubicBezTo>
+                    <a:pt x="58" y="233"/>
+                    <a:pt x="27" y="117"/>
+                    <a:pt x="0" y="0"/>
+                  </a:cubicBezTo>
+                  <a:cubicBezTo>
+                    <a:pt x="2" y="20"/>
+                    <a:pt x="4" y="41"/>
+                    <a:pt x="6" y="61"/>
+                  </a:cubicBezTo>
+                  <a:cubicBezTo>
+                    <a:pt x="30" y="158"/>
+                    <a:pt x="56" y="255"/>
+                    <a:pt x="86" y="350"/>
+                  </a:cubicBezTo>
+                  <a:close/>
+                </a:path>
+              </a:pathLst>
+            </a:custGeom>
+            <a:solidFill>
+              <a:schemeClr val="tx2">
+                <a:alpha val="20000"/>
+              </a:schemeClr>
+            </a:solidFill>
+            <a:ln>
+              <a:noFill/>
+            </a:ln>
+          </p:spPr>
+        </p:sp>
+        <p:sp>
+          <p:nvSpPr>
+            <p:cNvPr id="39" name="Freeform 13"/>
+            <p:cNvSpPr/>
+            <p:nvPr/>
+          </p:nvSpPr>
+          <p:spPr bwMode="auto">
+            <a:xfrm>
+              <a:off x="3175001" y="4730750"/>
+              <a:ext cx="519113" cy="1209675"/>
+            </a:xfrm>
+            <a:custGeom>
+              <a:avLst/>
+              <a:gdLst/>
+              <a:ahLst/>
+              <a:cxnLst/>
+              <a:rect l="0" t="0" r="r" b="b"/>
+              <a:pathLst>
+                <a:path w="132" h="308">
+                  <a:moveTo>
+                    <a:pt x="8" y="22"/>
+                  </a:moveTo>
+                  <a:cubicBezTo>
+                    <a:pt x="5" y="15"/>
+                    <a:pt x="2" y="8"/>
+                    <a:pt x="0" y="0"/>
+                  </a:cubicBezTo>
+                  <a:cubicBezTo>
+                    <a:pt x="0" y="10"/>
+                    <a:pt x="0" y="19"/>
+                    <a:pt x="0" y="29"/>
+                  </a:cubicBezTo>
+                  <a:cubicBezTo>
+                    <a:pt x="21" y="85"/>
+                    <a:pt x="44" y="140"/>
+                    <a:pt x="68" y="194"/>
+                  </a:cubicBezTo>
+                  <a:cubicBezTo>
+                    <a:pt x="85" y="232"/>
+                    <a:pt x="104" y="270"/>
+                    <a:pt x="123" y="308"/>
+                  </a:cubicBezTo>
+                  <a:cubicBezTo>
+                    <a:pt x="132" y="308"/>
+                    <a:pt x="132" y="308"/>
+                    <a:pt x="132" y="308"/>
+                  </a:cubicBezTo>
+                  <a:cubicBezTo>
+                    <a:pt x="113" y="269"/>
+                    <a:pt x="94" y="230"/>
+                    <a:pt x="77" y="190"/>
+                  </a:cubicBezTo>
+                  <a:cubicBezTo>
+                    <a:pt x="52" y="135"/>
+                    <a:pt x="29" y="79"/>
+                    <a:pt x="8" y="22"/>
+                  </a:cubicBezTo>
+                  <a:close/>
+                </a:path>
+              </a:pathLst>
+            </a:custGeom>
+            <a:solidFill>
+              <a:schemeClr val="tx2">
+                <a:alpha val="20000"/>
+              </a:schemeClr>
+            </a:solidFill>
+            <a:ln>
+              <a:noFill/>
+            </a:ln>
+          </p:spPr>
+        </p:sp>
+        <p:sp>
+          <p:nvSpPr>
+            <p:cNvPr id="40" name="Freeform 14"/>
+            <p:cNvSpPr/>
+            <p:nvPr/>
+          </p:nvSpPr>
+          <p:spPr bwMode="auto">
+            <a:xfrm>
+              <a:off x="3305176" y="5630863"/>
+              <a:ext cx="146050" cy="309563"/>
+            </a:xfrm>
+            <a:custGeom>
+              <a:avLst/>
+              <a:gdLst/>
+              <a:ahLst/>
+              <a:cxnLst/>
+              <a:rect l="0" t="0" r="r" b="b"/>
+              <a:pathLst>
+                <a:path w="37" h="79">
+                  <a:moveTo>
+                    <a:pt x="28" y="79"/>
+                  </a:moveTo>
+                  <a:cubicBezTo>
+                    <a:pt x="37" y="79"/>
+                    <a:pt x="37" y="79"/>
+                    <a:pt x="37" y="79"/>
+                  </a:cubicBezTo>
+                  <a:cubicBezTo>
+                    <a:pt x="24" y="53"/>
+                    <a:pt x="12" y="27"/>
+                    <a:pt x="0" y="0"/>
+                  </a:cubicBezTo>
+                  <a:cubicBezTo>
+                    <a:pt x="8" y="27"/>
+                    <a:pt x="17" y="53"/>
+                    <a:pt x="28" y="79"/>
+                  </a:cubicBezTo>
+                  <a:close/>
+                </a:path>
+              </a:pathLst>
+            </a:custGeom>
+            <a:solidFill>
+              <a:schemeClr val="tx2">
+                <a:alpha val="20000"/>
+              </a:schemeClr>
+            </a:solidFill>
+            <a:ln>
+              <a:noFill/>
+            </a:ln>
+          </p:spPr>
+        </p:sp>
+        <p:sp>
+          <p:nvSpPr>
+            <p:cNvPr id="41" name="Freeform 15"/>
+            <p:cNvSpPr/>
+            <p:nvPr/>
+          </p:nvSpPr>
+          <p:spPr bwMode="auto">
+            <a:xfrm>
+              <a:off x="2573338" y="2817813"/>
+              <a:ext cx="700088" cy="2835275"/>
+            </a:xfrm>
+            <a:custGeom>
+              <a:avLst/>
+              <a:gdLst/>
+              <a:ahLst/>
+              <a:cxnLst/>
+              <a:rect l="0" t="0" r="r" b="b"/>
+              <a:pathLst>
+                <a:path w="178" h="722">
+                  <a:moveTo>
+                    <a:pt x="162" y="660"/>
+                  </a:moveTo>
+                  <a:cubicBezTo>
+                    <a:pt x="145" y="618"/>
+                    <a:pt x="130" y="576"/>
+                    <a:pt x="116" y="534"/>
+                  </a:cubicBezTo>
+                  <a:cubicBezTo>
+                    <a:pt x="84" y="437"/>
+                    <a:pt x="59" y="337"/>
+                    <a:pt x="40" y="236"/>
+                  </a:cubicBezTo>
+                  <a:cubicBezTo>
+                    <a:pt x="29" y="175"/>
+                    <a:pt x="20" y="113"/>
+                    <a:pt x="12" y="51"/>
+                  </a:cubicBezTo>
+                  <a:cubicBezTo>
+                    <a:pt x="8" y="34"/>
+                    <a:pt x="4" y="17"/>
+                    <a:pt x="0" y="0"/>
+                  </a:cubicBezTo>
+                  <a:cubicBezTo>
+                    <a:pt x="8" y="79"/>
+                    <a:pt x="19" y="159"/>
+                    <a:pt x="33" y="237"/>
+                  </a:cubicBezTo>
+                  <a:cubicBezTo>
+                    <a:pt x="51" y="339"/>
+                    <a:pt x="76" y="439"/>
+                    <a:pt x="107" y="537"/>
+                  </a:cubicBezTo>
+                  <a:cubicBezTo>
+                    <a:pt x="123" y="586"/>
+                    <a:pt x="141" y="634"/>
+                    <a:pt x="160" y="681"/>
+                  </a:cubicBezTo>
+                  <a:cubicBezTo>
+                    <a:pt x="166" y="695"/>
+                    <a:pt x="172" y="708"/>
+                    <a:pt x="178" y="722"/>
+                  </a:cubicBezTo>
+                  <a:cubicBezTo>
+                    <a:pt x="176" y="717"/>
+                    <a:pt x="175" y="713"/>
+                    <a:pt x="174" y="708"/>
+                  </a:cubicBezTo>
+                  <a:cubicBezTo>
+                    <a:pt x="169" y="692"/>
+                    <a:pt x="165" y="676"/>
+                    <a:pt x="162" y="660"/>
+                  </a:cubicBezTo>
+                  <a:close/>
+                </a:path>
+              </a:pathLst>
+            </a:custGeom>
+            <a:solidFill>
+              <a:schemeClr val="tx2">
+                <a:alpha val="20000"/>
+              </a:schemeClr>
+            </a:solidFill>
+            <a:ln>
+              <a:noFill/>
+            </a:ln>
+          </p:spPr>
+        </p:sp>
+        <p:sp>
+          <p:nvSpPr>
+            <p:cNvPr id="42" name="Freeform 16"/>
+            <p:cNvSpPr/>
+            <p:nvPr/>
+          </p:nvSpPr>
+          <p:spPr bwMode="auto">
+            <a:xfrm>
+              <a:off x="2506663" y="285750"/>
+              <a:ext cx="90488" cy="2493963"/>
+            </a:xfrm>
+            <a:custGeom>
+              <a:avLst/>
+              <a:gdLst/>
+              <a:ahLst/>
+              <a:cxnLst/>
+              <a:rect l="0" t="0" r="r" b="b"/>
+              <a:pathLst>
+                <a:path w="23" h="635">
+                  <a:moveTo>
+                    <a:pt x="11" y="577"/>
+                  </a:moveTo>
+                  <a:cubicBezTo>
+                    <a:pt x="12" y="581"/>
+                    <a:pt x="12" y="585"/>
+                    <a:pt x="12" y="589"/>
+                  </a:cubicBezTo>
+                  <a:cubicBezTo>
+                    <a:pt x="15" y="603"/>
+                    <a:pt x="19" y="617"/>
+                    <a:pt x="22" y="632"/>
+                  </a:cubicBezTo>
+                  <a:cubicBezTo>
+                    <a:pt x="22" y="633"/>
+                    <a:pt x="22" y="634"/>
+                    <a:pt x="23" y="635"/>
+                  </a:cubicBezTo>
+                  <a:cubicBezTo>
+                    <a:pt x="21" y="615"/>
+                    <a:pt x="19" y="596"/>
+                    <a:pt x="17" y="576"/>
+                  </a:cubicBezTo>
+                  <a:cubicBezTo>
+                    <a:pt x="9" y="474"/>
+                    <a:pt x="5" y="372"/>
+                    <a:pt x="5" y="269"/>
+                  </a:cubicBezTo>
+                  <a:cubicBezTo>
+                    <a:pt x="6" y="179"/>
+                    <a:pt x="9" y="90"/>
+                    <a:pt x="15" y="0"/>
+                  </a:cubicBezTo>
+                  <a:cubicBezTo>
+                    <a:pt x="12" y="0"/>
+                    <a:pt x="12" y="0"/>
+                    <a:pt x="12" y="0"/>
+                  </a:cubicBezTo>
+                  <a:cubicBezTo>
+                    <a:pt x="5" y="89"/>
+                    <a:pt x="2" y="179"/>
+                    <a:pt x="1" y="269"/>
+                  </a:cubicBezTo>
+                  <a:cubicBezTo>
+                    <a:pt x="0" y="372"/>
+                    <a:pt x="3" y="474"/>
+                    <a:pt x="11" y="577"/>
+                  </a:cubicBezTo>
+                  <a:close/>
+                </a:path>
+              </a:pathLst>
+            </a:custGeom>
+            <a:solidFill>
+              <a:schemeClr val="tx2">
+                <a:alpha val="20000"/>
+              </a:schemeClr>
+            </a:solidFill>
+            <a:ln>
+              <a:noFill/>
+            </a:ln>
+          </p:spPr>
+        </p:sp>
+        <p:sp>
+          <p:nvSpPr>
+            <p:cNvPr id="43" name="Freeform 17"/>
+            <p:cNvSpPr/>
+            <p:nvPr/>
+          </p:nvSpPr>
+          <p:spPr bwMode="auto">
+            <a:xfrm>
+              <a:off x="2554288" y="2598738"/>
+              <a:ext cx="66675" cy="420688"/>
+            </a:xfrm>
+            <a:custGeom>
+              <a:avLst/>
+              <a:gdLst/>
+              <a:ahLst/>
+              <a:cxnLst/>
+              <a:rect l="0" t="0" r="r" b="b"/>
+              <a:pathLst>
+                <a:path w="17" h="107">
+                  <a:moveTo>
+                    <a:pt x="0" y="0"/>
+                  </a:moveTo>
+                  <a:cubicBezTo>
+                    <a:pt x="2" y="19"/>
+                    <a:pt x="3" y="37"/>
+                    <a:pt x="5" y="56"/>
+                  </a:cubicBezTo>
+                  <a:cubicBezTo>
+                    <a:pt x="9" y="73"/>
+                    <a:pt x="13" y="90"/>
+                    <a:pt x="17" y="107"/>
+                  </a:cubicBezTo>
+                  <a:cubicBezTo>
+                    <a:pt x="15" y="87"/>
+                    <a:pt x="13" y="66"/>
+                    <a:pt x="11" y="46"/>
+                  </a:cubicBezTo>
+                  <a:cubicBezTo>
+                    <a:pt x="10" y="45"/>
+                    <a:pt x="10" y="44"/>
+                    <a:pt x="10" y="43"/>
+                  </a:cubicBezTo>
+                  <a:cubicBezTo>
+                    <a:pt x="7" y="28"/>
+                    <a:pt x="3" y="14"/>
+                    <a:pt x="0" y="0"/>
+                  </a:cubicBezTo>
+                  <a:close/>
+                </a:path>
+              </a:pathLst>
+            </a:custGeom>
+            <a:solidFill>
+              <a:schemeClr val="tx2">
+                <a:alpha val="20000"/>
+              </a:schemeClr>
+            </a:solidFill>
+            <a:ln>
+              <a:noFill/>
+            </a:ln>
+          </p:spPr>
+        </p:sp>
+        <p:sp>
+          <p:nvSpPr>
+            <p:cNvPr id="44" name="Freeform 18"/>
+            <p:cNvSpPr/>
+            <p:nvPr/>
+          </p:nvSpPr>
+          <p:spPr bwMode="auto">
+            <a:xfrm>
+              <a:off x="3143251" y="4757738"/>
+              <a:ext cx="161925" cy="873125"/>
+            </a:xfrm>
+            <a:custGeom>
+              <a:avLst/>
+              <a:gdLst/>
+              <a:ahLst/>
+              <a:cxnLst/>
+              <a:rect l="0" t="0" r="r" b="b"/>
+              <a:pathLst>
+                <a:path w="41" h="222">
+                  <a:moveTo>
+                    <a:pt x="0" y="0"/>
+                  </a:moveTo>
+                  <a:cubicBezTo>
+                    <a:pt x="0" y="31"/>
+                    <a:pt x="2" y="62"/>
+                    <a:pt x="5" y="93"/>
+                  </a:cubicBezTo>
+                  <a:cubicBezTo>
+                    <a:pt x="8" y="117"/>
+                    <a:pt x="12" y="142"/>
+                    <a:pt x="17" y="166"/>
+                  </a:cubicBezTo>
+                  <a:cubicBezTo>
+                    <a:pt x="19" y="172"/>
+                    <a:pt x="22" y="178"/>
+                    <a:pt x="24" y="184"/>
+                  </a:cubicBezTo>
+                  <a:cubicBezTo>
+                    <a:pt x="30" y="197"/>
+                    <a:pt x="35" y="209"/>
+                    <a:pt x="41" y="222"/>
+                  </a:cubicBezTo>
+                  <a:cubicBezTo>
+                    <a:pt x="40" y="219"/>
+                    <a:pt x="39" y="215"/>
+                    <a:pt x="38" y="212"/>
+                  </a:cubicBezTo>
+                  <a:cubicBezTo>
+                    <a:pt x="26" y="172"/>
+                    <a:pt x="18" y="132"/>
+                    <a:pt x="13" y="92"/>
+                  </a:cubicBezTo>
+                  <a:cubicBezTo>
+                    <a:pt x="11" y="68"/>
+                    <a:pt x="9" y="45"/>
+                    <a:pt x="8" y="22"/>
+                  </a:cubicBezTo>
+                  <a:cubicBezTo>
+                    <a:pt x="8" y="21"/>
+                    <a:pt x="7" y="20"/>
+                    <a:pt x="7" y="18"/>
+                  </a:cubicBezTo>
+                  <a:cubicBezTo>
+                    <a:pt x="5" y="12"/>
+                    <a:pt x="2" y="6"/>
+                    <a:pt x="0" y="0"/>
+                  </a:cubicBezTo>
+                  <a:close/>
+                </a:path>
+              </a:pathLst>
+            </a:custGeom>
+            <a:solidFill>
+              <a:schemeClr val="tx2">
+                <a:alpha val="20000"/>
+              </a:schemeClr>
+            </a:solidFill>
+            <a:ln>
+              <a:noFill/>
+            </a:ln>
+          </p:spPr>
+        </p:sp>
+        <p:sp>
+          <p:nvSpPr>
+            <p:cNvPr id="45" name="Freeform 19"/>
+            <p:cNvSpPr/>
+            <p:nvPr/>
+          </p:nvSpPr>
+          <p:spPr bwMode="auto">
+            <a:xfrm>
+              <a:off x="3148013" y="1282700"/>
+              <a:ext cx="1768475" cy="3448050"/>
+            </a:xfrm>
+            <a:custGeom>
+              <a:avLst/>
+              <a:gdLst/>
+              <a:ahLst/>
+              <a:cxnLst/>
+              <a:rect l="0" t="0" r="r" b="b"/>
+              <a:pathLst>
+                <a:path w="450" h="878">
+                  <a:moveTo>
+                    <a:pt x="7" y="854"/>
+                  </a:moveTo>
+                  <a:cubicBezTo>
+                    <a:pt x="10" y="772"/>
+                    <a:pt x="26" y="691"/>
+                    <a:pt x="50" y="613"/>
+                  </a:cubicBezTo>
+                  <a:cubicBezTo>
+                    <a:pt x="75" y="535"/>
+                    <a:pt x="109" y="460"/>
+                    <a:pt x="149" y="388"/>
+                  </a:cubicBezTo>
+                  <a:cubicBezTo>
+                    <a:pt x="189" y="316"/>
+                    <a:pt x="235" y="248"/>
+                    <a:pt x="285" y="183"/>
+                  </a:cubicBezTo>
+                  <a:cubicBezTo>
+                    <a:pt x="310" y="151"/>
+                    <a:pt x="337" y="119"/>
+                    <a:pt x="364" y="89"/>
+                  </a:cubicBezTo>
+                  <a:cubicBezTo>
+                    <a:pt x="378" y="74"/>
+                    <a:pt x="392" y="58"/>
+                    <a:pt x="406" y="44"/>
+                  </a:cubicBezTo>
+                  <a:cubicBezTo>
+                    <a:pt x="421" y="29"/>
+                    <a:pt x="435" y="15"/>
+                    <a:pt x="450" y="1"/>
+                  </a:cubicBezTo>
+                  <a:cubicBezTo>
+                    <a:pt x="450" y="0"/>
+                    <a:pt x="450" y="0"/>
+                    <a:pt x="450" y="0"/>
+                  </a:cubicBezTo>
+                  <a:cubicBezTo>
+                    <a:pt x="434" y="14"/>
+                    <a:pt x="420" y="28"/>
+                    <a:pt x="405" y="43"/>
+                  </a:cubicBezTo>
+                  <a:cubicBezTo>
+                    <a:pt x="391" y="57"/>
+                    <a:pt x="377" y="72"/>
+                    <a:pt x="363" y="88"/>
+                  </a:cubicBezTo>
+                  <a:cubicBezTo>
+                    <a:pt x="335" y="118"/>
+                    <a:pt x="308" y="149"/>
+                    <a:pt x="283" y="181"/>
+                  </a:cubicBezTo>
+                  <a:cubicBezTo>
+                    <a:pt x="232" y="246"/>
+                    <a:pt x="185" y="314"/>
+                    <a:pt x="145" y="386"/>
+                  </a:cubicBezTo>
+                  <a:cubicBezTo>
+                    <a:pt x="104" y="457"/>
+                    <a:pt x="70" y="533"/>
+                    <a:pt x="45" y="611"/>
+                  </a:cubicBezTo>
+                  <a:cubicBezTo>
+                    <a:pt x="19" y="690"/>
+                    <a:pt x="3" y="771"/>
+                    <a:pt x="0" y="854"/>
+                  </a:cubicBezTo>
+                  <a:cubicBezTo>
+                    <a:pt x="0" y="856"/>
+                    <a:pt x="0" y="857"/>
+                    <a:pt x="0" y="859"/>
+                  </a:cubicBezTo>
+                  <a:cubicBezTo>
+                    <a:pt x="2" y="865"/>
+                    <a:pt x="4" y="872"/>
+                    <a:pt x="7" y="878"/>
+                  </a:cubicBezTo>
+                  <a:cubicBezTo>
+                    <a:pt x="7" y="870"/>
+                    <a:pt x="7" y="862"/>
+                    <a:pt x="7" y="854"/>
+                  </a:cubicBezTo>
+                  <a:close/>
+                </a:path>
+              </a:pathLst>
+            </a:custGeom>
+            <a:solidFill>
+              <a:schemeClr val="tx2">
+                <a:alpha val="20000"/>
+              </a:schemeClr>
+            </a:solidFill>
+            <a:ln>
+              <a:noFill/>
+            </a:ln>
+          </p:spPr>
+        </p:sp>
+        <p:sp>
+          <p:nvSpPr>
+            <p:cNvPr id="46" name="Freeform 20"/>
+            <p:cNvSpPr/>
+            <p:nvPr/>
+          </p:nvSpPr>
+          <p:spPr bwMode="auto">
+            <a:xfrm>
+              <a:off x="3273426" y="5653088"/>
+              <a:ext cx="138113" cy="287338"/>
+            </a:xfrm>
+            <a:custGeom>
+              <a:avLst/>
+              <a:gdLst/>
+              <a:ahLst/>
+              <a:cxnLst/>
+              <a:rect l="0" t="0" r="r" b="b"/>
+              <a:pathLst>
+                <a:path w="35" h="73">
+                  <a:moveTo>
+                    <a:pt x="0" y="0"/>
+                  </a:moveTo>
+                  <a:cubicBezTo>
+                    <a:pt x="7" y="24"/>
+                    <a:pt x="16" y="49"/>
+                    <a:pt x="26" y="73"/>
+                  </a:cubicBezTo>
+                  <a:cubicBezTo>
+                    <a:pt x="35" y="73"/>
+                    <a:pt x="35" y="73"/>
+                    <a:pt x="35" y="73"/>
+                  </a:cubicBezTo>
+                  <a:cubicBezTo>
+                    <a:pt x="23" y="49"/>
+                    <a:pt x="11" y="24"/>
+                    <a:pt x="0" y="0"/>
+                  </a:cubicBezTo>
+                  <a:close/>
+                </a:path>
+              </a:pathLst>
+            </a:custGeom>
+            <a:solidFill>
+              <a:schemeClr val="tx2">
+                <a:alpha val="20000"/>
+              </a:schemeClr>
+            </a:solidFill>
+            <a:ln>
+              <a:noFill/>
+            </a:ln>
+          </p:spPr>
+        </p:sp>
+        <p:sp>
+          <p:nvSpPr>
+            <p:cNvPr id="47" name="Freeform 21"/>
+            <p:cNvSpPr/>
+            <p:nvPr/>
+          </p:nvSpPr>
+          <p:spPr bwMode="auto">
+            <a:xfrm>
+              <a:off x="3143251" y="4656138"/>
+              <a:ext cx="31750" cy="188913"/>
+            </a:xfrm>
+            <a:custGeom>
+              <a:avLst/>
+              <a:gdLst/>
+              <a:ahLst/>
+              <a:cxnLst/>
+              <a:rect l="0" t="0" r="r" b="b"/>
+              <a:pathLst>
+                <a:path w="8" h="48">
+                  <a:moveTo>
+                    <a:pt x="7" y="44"/>
+                  </a:moveTo>
+                  <a:cubicBezTo>
+                    <a:pt x="7" y="46"/>
+                    <a:pt x="8" y="47"/>
+                    <a:pt x="8" y="48"/>
+                  </a:cubicBezTo>
+                  <a:cubicBezTo>
+                    <a:pt x="8" y="38"/>
+                    <a:pt x="8" y="29"/>
+                    <a:pt x="8" y="19"/>
+                  </a:cubicBezTo>
+                  <a:cubicBezTo>
+                    <a:pt x="5" y="13"/>
+                    <a:pt x="3" y="6"/>
+                    <a:pt x="1" y="0"/>
+                  </a:cubicBezTo>
+                  <a:cubicBezTo>
+                    <a:pt x="0" y="9"/>
+                    <a:pt x="0" y="17"/>
+                    <a:pt x="0" y="26"/>
+                  </a:cubicBezTo>
+                  <a:cubicBezTo>
+                    <a:pt x="2" y="32"/>
+                    <a:pt x="5" y="38"/>
+                    <a:pt x="7" y="44"/>
+                  </a:cubicBezTo>
+                  <a:close/>
+                </a:path>
+              </a:pathLst>
+            </a:custGeom>
+            <a:solidFill>
+              <a:schemeClr val="tx2">
+                <a:alpha val="20000"/>
+              </a:schemeClr>
+            </a:solidFill>
+            <a:ln>
+              <a:noFill/>
+            </a:ln>
+          </p:spPr>
+        </p:sp>
+        <p:sp>
+          <p:nvSpPr>
+            <p:cNvPr id="48" name="Freeform 22"/>
+            <p:cNvSpPr/>
+            <p:nvPr/>
+          </p:nvSpPr>
+          <p:spPr bwMode="auto">
+            <a:xfrm>
+              <a:off x="3211513" y="5410200"/>
+              <a:ext cx="203200" cy="530225"/>
+            </a:xfrm>
+            <a:custGeom>
+              <a:avLst/>
+              <a:gdLst/>
+              <a:ahLst/>
+              <a:cxnLst/>
+              <a:rect l="0" t="0" r="r" b="b"/>
+              <a:pathLst>
+                <a:path w="52" h="135">
+                  <a:moveTo>
+                    <a:pt x="7" y="18"/>
+                  </a:moveTo>
+                  <a:cubicBezTo>
+                    <a:pt x="5" y="12"/>
+                    <a:pt x="2" y="6"/>
+                    <a:pt x="0" y="0"/>
+                  </a:cubicBezTo>
+                  <a:cubicBezTo>
+                    <a:pt x="3" y="16"/>
+                    <a:pt x="7" y="32"/>
+                    <a:pt x="12" y="48"/>
+                  </a:cubicBezTo>
+                  <a:cubicBezTo>
+                    <a:pt x="13" y="53"/>
+                    <a:pt x="14" y="57"/>
+                    <a:pt x="16" y="62"/>
+                  </a:cubicBezTo>
+                  <a:cubicBezTo>
+                    <a:pt x="27" y="86"/>
+                    <a:pt x="39" y="111"/>
+                    <a:pt x="51" y="135"/>
+                  </a:cubicBezTo>
+                  <a:cubicBezTo>
+                    <a:pt x="52" y="135"/>
+                    <a:pt x="52" y="135"/>
+                    <a:pt x="52" y="135"/>
+                  </a:cubicBezTo>
+                  <a:cubicBezTo>
+                    <a:pt x="41" y="109"/>
+                    <a:pt x="32" y="83"/>
+                    <a:pt x="24" y="56"/>
+                  </a:cubicBezTo>
+                  <a:cubicBezTo>
+                    <a:pt x="18" y="43"/>
+                    <a:pt x="13" y="31"/>
+                    <a:pt x="7" y="18"/>
+                  </a:cubicBezTo>
+                  <a:close/>
+                </a:path>
+              </a:pathLst>
+            </a:custGeom>
+            <a:solidFill>
+              <a:schemeClr val="tx2">
+                <a:alpha val="20000"/>
+              </a:schemeClr>
+            </a:solidFill>
+            <a:ln>
+              <a:noFill/>
+            </a:ln>
+          </p:spPr>
+        </p:sp>
+      </p:grpSp>
+      <p:grpSp>
+        <p:nvGrpSpPr>
+          <p:cNvPr id="49" name="Group 48"/>
+          <p:cNvGrpSpPr/>
+          <p:nvPr/>
+        </p:nvGrpSpPr>
+        <p:grpSpPr>
+          <a:xfrm>
+            <a:off x="20421" y="285"/>
+            <a:ext cx="1952272" cy="6852968"/>
+            <a:chOff x="6627813" y="195717"/>
+            <a:chExt cx="1952625" cy="5678034"/>
+          </a:xfrm>
+        </p:grpSpPr>
+        <p:sp>
+          <p:nvSpPr>
+            <p:cNvPr id="50" name="Freeform 27"/>
+            <p:cNvSpPr/>
+            <p:nvPr/>
+          </p:nvSpPr>
+          <p:spPr bwMode="auto">
+            <a:xfrm>
+              <a:off x="6627813" y="195717"/>
+              <a:ext cx="409575" cy="3646488"/>
+            </a:xfrm>
+            <a:custGeom>
+              <a:avLst/>
+              <a:gdLst/>
+              <a:ahLst/>
+              <a:cxnLst/>
+              <a:rect l="0" t="0" r="r" b="b"/>
+              <a:pathLst>
+                <a:path w="103" h="920">
+                  <a:moveTo>
+                    <a:pt x="7" y="210"/>
+                  </a:moveTo>
+                  <a:cubicBezTo>
+                    <a:pt x="11" y="288"/>
+                    <a:pt x="17" y="367"/>
+                    <a:pt x="26" y="445"/>
+                  </a:cubicBezTo>
+                  <a:cubicBezTo>
+                    <a:pt x="34" y="523"/>
+                    <a:pt x="44" y="601"/>
+                    <a:pt x="57" y="679"/>
+                  </a:cubicBezTo>
+                  <a:cubicBezTo>
+                    <a:pt x="69" y="757"/>
+                    <a:pt x="84" y="834"/>
+                    <a:pt x="101" y="911"/>
+                  </a:cubicBezTo>
+                  <a:cubicBezTo>
+                    <a:pt x="102" y="914"/>
+                    <a:pt x="103" y="917"/>
+                    <a:pt x="103" y="920"/>
+                  </a:cubicBezTo>
+                  <a:cubicBezTo>
+                    <a:pt x="102" y="905"/>
+                    <a:pt x="100" y="889"/>
+                    <a:pt x="99" y="874"/>
+                  </a:cubicBezTo>
+                  <a:cubicBezTo>
+                    <a:pt x="99" y="871"/>
+                    <a:pt x="99" y="868"/>
+                    <a:pt x="99" y="866"/>
+                  </a:cubicBezTo>
+                  <a:cubicBezTo>
+                    <a:pt x="85" y="803"/>
+                    <a:pt x="73" y="741"/>
+                    <a:pt x="63" y="678"/>
+                  </a:cubicBezTo>
+                  <a:cubicBezTo>
+                    <a:pt x="50" y="600"/>
+                    <a:pt x="39" y="523"/>
+                    <a:pt x="30" y="444"/>
+                  </a:cubicBezTo>
+                  <a:cubicBezTo>
+                    <a:pt x="21" y="366"/>
+                    <a:pt x="14" y="288"/>
+                    <a:pt x="9" y="209"/>
+                  </a:cubicBezTo>
+                  <a:cubicBezTo>
+                    <a:pt x="7" y="170"/>
+                    <a:pt x="5" y="131"/>
+                    <a:pt x="3" y="92"/>
+                  </a:cubicBezTo>
+                  <a:cubicBezTo>
+                    <a:pt x="2" y="61"/>
+                    <a:pt x="1" y="31"/>
+                    <a:pt x="1" y="0"/>
+                  </a:cubicBezTo>
+                  <a:cubicBezTo>
+                    <a:pt x="0" y="0"/>
+                    <a:pt x="0" y="0"/>
+                    <a:pt x="0" y="0"/>
+                  </a:cubicBezTo>
+                  <a:cubicBezTo>
+                    <a:pt x="0" y="31"/>
+                    <a:pt x="1" y="61"/>
+                    <a:pt x="1" y="92"/>
+                  </a:cubicBezTo>
+                  <a:cubicBezTo>
+                    <a:pt x="3" y="131"/>
+                    <a:pt x="4" y="170"/>
+                    <a:pt x="7" y="210"/>
+                  </a:cubicBezTo>
+                  <a:close/>
+                </a:path>
+              </a:pathLst>
+            </a:custGeom>
+            <a:solidFill>
+              <a:schemeClr val="tx2"/>
+            </a:solidFill>
+            <a:ln>
+              <a:noFill/>
+            </a:ln>
+          </p:spPr>
+        </p:sp>
+        <p:sp>
+          <p:nvSpPr>
+            <p:cNvPr id="51" name="Freeform 28"/>
+            <p:cNvSpPr/>
+            <p:nvPr/>
+          </p:nvSpPr>
+          <p:spPr bwMode="auto">
+            <a:xfrm>
+              <a:off x="7061201" y="3771900"/>
+              <a:ext cx="350838" cy="1309688"/>
+            </a:xfrm>
+            <a:custGeom>
+              <a:avLst/>
+              <a:gdLst/>
+              <a:ahLst/>
+              <a:cxnLst/>
+              <a:rect l="0" t="0" r="r" b="b"/>
+              <a:pathLst>
+                <a:path w="88" h="330">
+                  <a:moveTo>
+                    <a:pt x="53" y="229"/>
+                  </a:moveTo>
+                  <a:cubicBezTo>
+                    <a:pt x="64" y="263"/>
+                    <a:pt x="75" y="297"/>
+                    <a:pt x="88" y="330"/>
+                  </a:cubicBezTo>
+                  <a:cubicBezTo>
+                    <a:pt x="88" y="323"/>
+                    <a:pt x="88" y="315"/>
+                    <a:pt x="88" y="308"/>
+                  </a:cubicBezTo>
+                  <a:cubicBezTo>
+                    <a:pt x="88" y="307"/>
+                    <a:pt x="88" y="305"/>
+                    <a:pt x="88" y="304"/>
+                  </a:cubicBezTo>
+                  <a:cubicBezTo>
+                    <a:pt x="79" y="278"/>
+                    <a:pt x="70" y="252"/>
+                    <a:pt x="62" y="226"/>
+                  </a:cubicBezTo>
+                  <a:cubicBezTo>
+                    <a:pt x="38" y="152"/>
+                    <a:pt x="17" y="76"/>
+                    <a:pt x="0" y="0"/>
+                  </a:cubicBezTo>
+                  <a:cubicBezTo>
+                    <a:pt x="2" y="21"/>
+                    <a:pt x="4" y="42"/>
+                    <a:pt x="7" y="63"/>
+                  </a:cubicBezTo>
+                  <a:cubicBezTo>
+                    <a:pt x="21" y="119"/>
+                    <a:pt x="36" y="174"/>
+                    <a:pt x="53" y="229"/>
+                  </a:cubicBezTo>
+                  <a:close/>
+                </a:path>
+              </a:pathLst>
+            </a:custGeom>
+            <a:solidFill>
+              <a:schemeClr val="tx2"/>
+            </a:solidFill>
+            <a:ln>
+              <a:noFill/>
+            </a:ln>
+          </p:spPr>
+        </p:sp>
+        <p:sp>
+          <p:nvSpPr>
+            <p:cNvPr id="52" name="Freeform 29"/>
+            <p:cNvSpPr/>
+            <p:nvPr/>
+          </p:nvSpPr>
+          <p:spPr bwMode="auto">
+            <a:xfrm>
+              <a:off x="7439026" y="5053013"/>
+              <a:ext cx="357188" cy="820738"/>
+            </a:xfrm>
+            <a:custGeom>
+              <a:avLst/>
+              <a:gdLst/>
+              <a:ahLst/>
+              <a:cxnLst/>
+              <a:rect l="0" t="0" r="r" b="b"/>
+              <a:pathLst>
+                <a:path w="90" h="207">
+                  <a:moveTo>
+                    <a:pt x="6" y="15"/>
+                  </a:moveTo>
+                  <a:cubicBezTo>
+                    <a:pt x="4" y="10"/>
+                    <a:pt x="2" y="5"/>
+                    <a:pt x="0" y="0"/>
+                  </a:cubicBezTo>
+                  <a:cubicBezTo>
+                    <a:pt x="0" y="9"/>
+                    <a:pt x="0" y="19"/>
+                    <a:pt x="1" y="29"/>
+                  </a:cubicBezTo>
+                  <a:cubicBezTo>
+                    <a:pt x="14" y="62"/>
+                    <a:pt x="27" y="95"/>
+                    <a:pt x="42" y="127"/>
+                  </a:cubicBezTo>
+                  <a:cubicBezTo>
+                    <a:pt x="54" y="154"/>
+                    <a:pt x="67" y="181"/>
+                    <a:pt x="80" y="207"/>
+                  </a:cubicBezTo>
+                  <a:cubicBezTo>
+                    <a:pt x="90" y="207"/>
+                    <a:pt x="90" y="207"/>
+                    <a:pt x="90" y="207"/>
+                  </a:cubicBezTo>
+                  <a:cubicBezTo>
+                    <a:pt x="76" y="180"/>
+                    <a:pt x="63" y="152"/>
+                    <a:pt x="50" y="123"/>
+                  </a:cubicBezTo>
+                  <a:cubicBezTo>
+                    <a:pt x="34" y="88"/>
+                    <a:pt x="20" y="51"/>
+                    <a:pt x="6" y="15"/>
+                  </a:cubicBezTo>
+                  <a:close/>
+                </a:path>
+              </a:pathLst>
+            </a:custGeom>
+            <a:solidFill>
+              <a:schemeClr val="tx2"/>
+            </a:solidFill>
+            <a:ln>
+              <a:noFill/>
+            </a:ln>
+          </p:spPr>
+        </p:sp>
+        <p:sp>
+          <p:nvSpPr>
+            <p:cNvPr id="53" name="Freeform 30"/>
+            <p:cNvSpPr/>
+            <p:nvPr/>
+          </p:nvSpPr>
+          <p:spPr bwMode="auto">
+            <a:xfrm>
+              <a:off x="7037388" y="3811588"/>
+              <a:ext cx="457200" cy="1852613"/>
+            </a:xfrm>
+            <a:custGeom>
+              <a:avLst/>
+              <a:gdLst/>
+              <a:ahLst/>
+              <a:cxnLst/>
+              <a:rect l="0" t="0" r="r" b="b"/>
+              <a:pathLst>
+                <a:path w="115" h="467">
+                  <a:moveTo>
+                    <a:pt x="101" y="409"/>
+                  </a:moveTo>
+                  <a:cubicBezTo>
+                    <a:pt x="93" y="388"/>
+                    <a:pt x="85" y="366"/>
+                    <a:pt x="78" y="344"/>
+                  </a:cubicBezTo>
+                  <a:cubicBezTo>
+                    <a:pt x="57" y="281"/>
+                    <a:pt x="41" y="216"/>
+                    <a:pt x="29" y="151"/>
+                  </a:cubicBezTo>
+                  <a:cubicBezTo>
+                    <a:pt x="22" y="119"/>
+                    <a:pt x="17" y="86"/>
+                    <a:pt x="13" y="53"/>
+                  </a:cubicBezTo>
+                  <a:cubicBezTo>
+                    <a:pt x="9" y="35"/>
+                    <a:pt x="4" y="18"/>
+                    <a:pt x="0" y="0"/>
+                  </a:cubicBezTo>
+                  <a:cubicBezTo>
+                    <a:pt x="5" y="51"/>
+                    <a:pt x="12" y="102"/>
+                    <a:pt x="21" y="152"/>
+                  </a:cubicBezTo>
+                  <a:cubicBezTo>
+                    <a:pt x="33" y="218"/>
+                    <a:pt x="49" y="283"/>
+                    <a:pt x="69" y="347"/>
+                  </a:cubicBezTo>
+                  <a:cubicBezTo>
+                    <a:pt x="79" y="378"/>
+                    <a:pt x="90" y="410"/>
+                    <a:pt x="103" y="441"/>
+                  </a:cubicBezTo>
+                  <a:cubicBezTo>
+                    <a:pt x="107" y="449"/>
+                    <a:pt x="111" y="458"/>
+                    <a:pt x="115" y="467"/>
+                  </a:cubicBezTo>
+                  <a:cubicBezTo>
+                    <a:pt x="114" y="464"/>
+                    <a:pt x="113" y="461"/>
+                    <a:pt x="112" y="458"/>
+                  </a:cubicBezTo>
+                  <a:cubicBezTo>
+                    <a:pt x="108" y="442"/>
+                    <a:pt x="104" y="425"/>
+                    <a:pt x="101" y="409"/>
+                  </a:cubicBezTo>
+                  <a:close/>
+                </a:path>
+              </a:pathLst>
+            </a:custGeom>
+            <a:solidFill>
+              <a:schemeClr val="tx2"/>
+            </a:solidFill>
+            <a:ln>
+              <a:noFill/>
+            </a:ln>
+          </p:spPr>
+        </p:sp>
+        <p:sp>
+          <p:nvSpPr>
+            <p:cNvPr id="54" name="Freeform 31"/>
+            <p:cNvSpPr/>
+            <p:nvPr/>
+          </p:nvSpPr>
+          <p:spPr bwMode="auto">
+            <a:xfrm>
+              <a:off x="6992938" y="1263650"/>
+              <a:ext cx="144463" cy="2508250"/>
+            </a:xfrm>
+            <a:custGeom>
+              <a:avLst/>
+              <a:gdLst/>
+              <a:ahLst/>
+              <a:cxnLst/>
+              <a:rect l="0" t="0" r="r" b="b"/>
+              <a:pathLst>
+                <a:path w="36" h="633">
+                  <a:moveTo>
+                    <a:pt x="17" y="633"/>
+                  </a:moveTo>
+                  <a:cubicBezTo>
+                    <a:pt x="15" y="621"/>
+                    <a:pt x="14" y="609"/>
+                    <a:pt x="13" y="597"/>
+                  </a:cubicBezTo>
+                  <a:cubicBezTo>
+                    <a:pt x="8" y="530"/>
+                    <a:pt x="5" y="464"/>
+                    <a:pt x="5" y="398"/>
+                  </a:cubicBezTo>
+                  <a:cubicBezTo>
+                    <a:pt x="5" y="331"/>
+                    <a:pt x="8" y="265"/>
+                    <a:pt x="13" y="198"/>
+                  </a:cubicBezTo>
+                  <a:cubicBezTo>
+                    <a:pt x="15" y="165"/>
+                    <a:pt x="18" y="132"/>
+                    <a:pt x="22" y="99"/>
+                  </a:cubicBezTo>
+                  <a:cubicBezTo>
+                    <a:pt x="26" y="66"/>
+                    <a:pt x="30" y="33"/>
+                    <a:pt x="36" y="0"/>
+                  </a:cubicBezTo>
+                  <a:cubicBezTo>
+                    <a:pt x="35" y="0"/>
+                    <a:pt x="35" y="0"/>
+                    <a:pt x="35" y="0"/>
+                  </a:cubicBezTo>
+                  <a:cubicBezTo>
+                    <a:pt x="29" y="33"/>
+                    <a:pt x="24" y="66"/>
+                    <a:pt x="20" y="99"/>
+                  </a:cubicBezTo>
+                  <a:cubicBezTo>
+                    <a:pt x="16" y="132"/>
+                    <a:pt x="13" y="165"/>
+                    <a:pt x="10" y="198"/>
+                  </a:cubicBezTo>
+                  <a:cubicBezTo>
+                    <a:pt x="4" y="264"/>
+                    <a:pt x="1" y="331"/>
+                    <a:pt x="1" y="398"/>
+                  </a:cubicBezTo>
+                  <a:cubicBezTo>
+                    <a:pt x="0" y="461"/>
+                    <a:pt x="2" y="525"/>
+                    <a:pt x="7" y="589"/>
+                  </a:cubicBezTo>
+                  <a:cubicBezTo>
+                    <a:pt x="10" y="603"/>
+                    <a:pt x="13" y="618"/>
+                    <a:pt x="16" y="632"/>
+                  </a:cubicBezTo>
+                  <a:cubicBezTo>
+                    <a:pt x="16" y="632"/>
+                    <a:pt x="17" y="633"/>
+                    <a:pt x="17" y="633"/>
+                  </a:cubicBezTo>
+                  <a:close/>
+                </a:path>
+              </a:pathLst>
+            </a:custGeom>
+            <a:solidFill>
+              <a:schemeClr val="tx2"/>
+            </a:solidFill>
+            <a:ln>
+              <a:noFill/>
+            </a:ln>
+          </p:spPr>
+        </p:sp>
+        <p:sp>
+          <p:nvSpPr>
+            <p:cNvPr id="55" name="Freeform 32"/>
+            <p:cNvSpPr/>
+            <p:nvPr/>
+          </p:nvSpPr>
+          <p:spPr bwMode="auto">
+            <a:xfrm>
+              <a:off x="7526338" y="5640388"/>
+              <a:ext cx="111125" cy="233363"/>
+            </a:xfrm>
+            <a:custGeom>
+              <a:avLst/>
+              <a:gdLst/>
+              <a:ahLst/>
+              <a:cxnLst/>
+              <a:rect l="0" t="0" r="r" b="b"/>
+              <a:pathLst>
+                <a:path w="28" h="59">
+                  <a:moveTo>
+                    <a:pt x="22" y="59"/>
+                  </a:moveTo>
+                  <a:cubicBezTo>
+                    <a:pt x="28" y="59"/>
+                    <a:pt x="28" y="59"/>
+                    <a:pt x="28" y="59"/>
+                  </a:cubicBezTo>
+                  <a:cubicBezTo>
+                    <a:pt x="18" y="40"/>
+                    <a:pt x="9" y="20"/>
+                    <a:pt x="0" y="0"/>
+                  </a:cubicBezTo>
+                  <a:cubicBezTo>
+                    <a:pt x="6" y="20"/>
+                    <a:pt x="13" y="40"/>
+                    <a:pt x="22" y="59"/>
+                  </a:cubicBezTo>
+                  <a:close/>
+                </a:path>
+              </a:pathLst>
+            </a:custGeom>
+            <a:solidFill>
+              <a:schemeClr val="tx2"/>
+            </a:solidFill>
+            <a:ln>
+              <a:noFill/>
+            </a:ln>
+          </p:spPr>
+        </p:sp>
+        <p:sp>
+          <p:nvSpPr>
+            <p:cNvPr id="56" name="Freeform 33"/>
+            <p:cNvSpPr/>
+            <p:nvPr/>
+          </p:nvSpPr>
+          <p:spPr bwMode="auto">
+            <a:xfrm>
+              <a:off x="7021513" y="3598863"/>
+              <a:ext cx="68263" cy="423863"/>
+            </a:xfrm>
+            <a:custGeom>
+              <a:avLst/>
+              <a:gdLst/>
+              <a:ahLst/>
+              <a:cxnLst/>
+              <a:rect l="0" t="0" r="r" b="b"/>
+              <a:pathLst>
+                <a:path w="17" h="107">
+                  <a:moveTo>
+                    <a:pt x="4" y="54"/>
+                  </a:moveTo>
+                  <a:cubicBezTo>
+                    <a:pt x="8" y="72"/>
+                    <a:pt x="13" y="89"/>
+                    <a:pt x="17" y="107"/>
+                  </a:cubicBezTo>
+                  <a:cubicBezTo>
+                    <a:pt x="14" y="86"/>
+                    <a:pt x="12" y="65"/>
+                    <a:pt x="10" y="44"/>
+                  </a:cubicBezTo>
+                  <a:cubicBezTo>
+                    <a:pt x="10" y="44"/>
+                    <a:pt x="9" y="43"/>
+                    <a:pt x="9" y="43"/>
+                  </a:cubicBezTo>
+                  <a:cubicBezTo>
+                    <a:pt x="6" y="29"/>
+                    <a:pt x="3" y="14"/>
+                    <a:pt x="0" y="0"/>
+                  </a:cubicBezTo>
+                  <a:cubicBezTo>
+                    <a:pt x="0" y="2"/>
+                    <a:pt x="0" y="5"/>
+                    <a:pt x="0" y="8"/>
+                  </a:cubicBezTo>
+                  <a:cubicBezTo>
+                    <a:pt x="1" y="23"/>
+                    <a:pt x="3" y="39"/>
+                    <a:pt x="4" y="54"/>
+                  </a:cubicBezTo>
+                  <a:close/>
+                </a:path>
+              </a:pathLst>
+            </a:custGeom>
+            <a:solidFill>
+              <a:schemeClr val="tx2"/>
+            </a:solidFill>
+            <a:ln>
+              <a:noFill/>
+            </a:ln>
+          </p:spPr>
+        </p:sp>
+        <p:sp>
+          <p:nvSpPr>
+            <p:cNvPr id="57" name="Freeform 34"/>
+            <p:cNvSpPr/>
+            <p:nvPr/>
+          </p:nvSpPr>
+          <p:spPr bwMode="auto">
+            <a:xfrm>
+              <a:off x="7412038" y="2801938"/>
+              <a:ext cx="1168400" cy="2251075"/>
+            </a:xfrm>
+            <a:custGeom>
+              <a:avLst/>
+              <a:gdLst/>
+              <a:ahLst/>
+              <a:cxnLst/>
+              <a:rect l="0" t="0" r="r" b="b"/>
+              <a:pathLst>
+                <a:path w="294" h="568">
+                  <a:moveTo>
+                    <a:pt x="8" y="553"/>
+                  </a:moveTo>
+                  <a:cubicBezTo>
+                    <a:pt x="9" y="501"/>
+                    <a:pt x="19" y="448"/>
+                    <a:pt x="35" y="397"/>
+                  </a:cubicBezTo>
+                  <a:cubicBezTo>
+                    <a:pt x="51" y="347"/>
+                    <a:pt x="73" y="298"/>
+                    <a:pt x="99" y="252"/>
+                  </a:cubicBezTo>
+                  <a:cubicBezTo>
+                    <a:pt x="124" y="205"/>
+                    <a:pt x="154" y="161"/>
+                    <a:pt x="187" y="119"/>
+                  </a:cubicBezTo>
+                  <a:cubicBezTo>
+                    <a:pt x="203" y="98"/>
+                    <a:pt x="220" y="77"/>
+                    <a:pt x="238" y="58"/>
+                  </a:cubicBezTo>
+                  <a:cubicBezTo>
+                    <a:pt x="247" y="48"/>
+                    <a:pt x="256" y="38"/>
+                    <a:pt x="265" y="28"/>
+                  </a:cubicBezTo>
+                  <a:cubicBezTo>
+                    <a:pt x="274" y="19"/>
+                    <a:pt x="284" y="9"/>
+                    <a:pt x="294" y="0"/>
+                  </a:cubicBezTo>
+                  <a:cubicBezTo>
+                    <a:pt x="293" y="0"/>
+                    <a:pt x="293" y="0"/>
+                    <a:pt x="293" y="0"/>
+                  </a:cubicBezTo>
+                  <a:cubicBezTo>
+                    <a:pt x="283" y="9"/>
+                    <a:pt x="273" y="18"/>
+                    <a:pt x="264" y="27"/>
+                  </a:cubicBezTo>
+                  <a:cubicBezTo>
+                    <a:pt x="255" y="37"/>
+                    <a:pt x="246" y="47"/>
+                    <a:pt x="237" y="56"/>
+                  </a:cubicBezTo>
+                  <a:cubicBezTo>
+                    <a:pt x="218" y="76"/>
+                    <a:pt x="201" y="96"/>
+                    <a:pt x="185" y="117"/>
+                  </a:cubicBezTo>
+                  <a:cubicBezTo>
+                    <a:pt x="151" y="159"/>
+                    <a:pt x="121" y="203"/>
+                    <a:pt x="95" y="249"/>
+                  </a:cubicBezTo>
+                  <a:cubicBezTo>
+                    <a:pt x="68" y="296"/>
+                    <a:pt x="46" y="345"/>
+                    <a:pt x="30" y="396"/>
+                  </a:cubicBezTo>
+                  <a:cubicBezTo>
+                    <a:pt x="13" y="445"/>
+                    <a:pt x="3" y="497"/>
+                    <a:pt x="0" y="549"/>
+                  </a:cubicBezTo>
+                  <a:cubicBezTo>
+                    <a:pt x="3" y="555"/>
+                    <a:pt x="5" y="561"/>
+                    <a:pt x="7" y="568"/>
+                  </a:cubicBezTo>
+                  <a:cubicBezTo>
+                    <a:pt x="7" y="563"/>
+                    <a:pt x="7" y="558"/>
+                    <a:pt x="8" y="553"/>
+                  </a:cubicBezTo>
+                  <a:close/>
+                </a:path>
+              </a:pathLst>
+            </a:custGeom>
+            <a:solidFill>
+              <a:schemeClr val="tx2"/>
+            </a:solidFill>
+            <a:ln>
+              <a:noFill/>
+            </a:ln>
+          </p:spPr>
+        </p:sp>
+        <p:sp>
+          <p:nvSpPr>
+            <p:cNvPr id="58" name="Freeform 35"/>
+            <p:cNvSpPr/>
+            <p:nvPr/>
+          </p:nvSpPr>
+          <p:spPr bwMode="auto">
+            <a:xfrm>
+              <a:off x="7494588" y="5664200"/>
+              <a:ext cx="100013" cy="209550"/>
+            </a:xfrm>
+            <a:custGeom>
+              <a:avLst/>
+              <a:gdLst/>
+              <a:ahLst/>
+              <a:cxnLst/>
+              <a:rect l="0" t="0" r="r" b="b"/>
+              <a:pathLst>
+                <a:path w="25" h="53">
+                  <a:moveTo>
+                    <a:pt x="0" y="0"/>
+                  </a:moveTo>
+                  <a:cubicBezTo>
+                    <a:pt x="5" y="18"/>
+                    <a:pt x="12" y="36"/>
+                    <a:pt x="19" y="53"/>
+                  </a:cubicBezTo>
+                  <a:cubicBezTo>
+                    <a:pt x="25" y="53"/>
+                    <a:pt x="25" y="53"/>
+                    <a:pt x="25" y="53"/>
+                  </a:cubicBezTo>
+                  <a:cubicBezTo>
+                    <a:pt x="16" y="36"/>
+                    <a:pt x="8" y="18"/>
+                    <a:pt x="0" y="0"/>
+                  </a:cubicBezTo>
+                  <a:close/>
+                </a:path>
+              </a:pathLst>
+            </a:custGeom>
+            <a:solidFill>
+              <a:schemeClr val="tx2"/>
+            </a:solidFill>
+            <a:ln>
+              <a:noFill/>
+            </a:ln>
+          </p:spPr>
+        </p:sp>
+        <p:sp>
+          <p:nvSpPr>
+            <p:cNvPr id="59" name="Freeform 36"/>
+            <p:cNvSpPr/>
+            <p:nvPr/>
+          </p:nvSpPr>
+          <p:spPr bwMode="auto">
+            <a:xfrm>
+              <a:off x="7412038" y="5081588"/>
+              <a:ext cx="114300" cy="558800"/>
+            </a:xfrm>
+            <a:custGeom>
+              <a:avLst/>
+              <a:gdLst/>
+              <a:ahLst/>
+              <a:cxnLst/>
+              <a:rect l="0" t="0" r="r" b="b"/>
+              <a:pathLst>
+                <a:path w="29" h="141">
+                  <a:moveTo>
+                    <a:pt x="0" y="0"/>
+                  </a:moveTo>
+                  <a:cubicBezTo>
+                    <a:pt x="0" y="30"/>
+                    <a:pt x="2" y="60"/>
+                    <a:pt x="7" y="89"/>
+                  </a:cubicBezTo>
+                  <a:cubicBezTo>
+                    <a:pt x="11" y="98"/>
+                    <a:pt x="14" y="108"/>
+                    <a:pt x="18" y="117"/>
+                  </a:cubicBezTo>
+                  <a:cubicBezTo>
+                    <a:pt x="22" y="125"/>
+                    <a:pt x="25" y="133"/>
+                    <a:pt x="29" y="141"/>
+                  </a:cubicBezTo>
+                  <a:cubicBezTo>
+                    <a:pt x="28" y="139"/>
+                    <a:pt x="28" y="137"/>
+                    <a:pt x="27" y="135"/>
+                  </a:cubicBezTo>
+                  <a:cubicBezTo>
+                    <a:pt x="16" y="98"/>
+                    <a:pt x="10" y="60"/>
+                    <a:pt x="8" y="22"/>
+                  </a:cubicBezTo>
+                  <a:cubicBezTo>
+                    <a:pt x="7" y="18"/>
+                    <a:pt x="5" y="15"/>
+                    <a:pt x="4" y="11"/>
+                  </a:cubicBezTo>
+                  <a:cubicBezTo>
+                    <a:pt x="2" y="7"/>
+                    <a:pt x="1" y="3"/>
+                    <a:pt x="0" y="0"/>
+                  </a:cubicBezTo>
+                  <a:close/>
+                </a:path>
+              </a:pathLst>
+            </a:custGeom>
+            <a:solidFill>
+              <a:schemeClr val="tx2"/>
+            </a:solidFill>
+            <a:ln>
+              <a:noFill/>
+            </a:ln>
+          </p:spPr>
+        </p:sp>
+        <p:sp>
+          <p:nvSpPr>
+            <p:cNvPr id="60" name="Freeform 37"/>
+            <p:cNvSpPr/>
+            <p:nvPr/>
+          </p:nvSpPr>
+          <p:spPr bwMode="auto">
+            <a:xfrm>
+              <a:off x="7412038" y="4978400"/>
+              <a:ext cx="31750" cy="188913"/>
+            </a:xfrm>
+            <a:custGeom>
+              <a:avLst/>
+              <a:gdLst/>
+              <a:ahLst/>
+              <a:cxnLst/>
+              <a:rect l="0" t="0" r="r" b="b"/>
+              <a:pathLst>
+                <a:path w="8" h="48">
+                  <a:moveTo>
+                    <a:pt x="0" y="26"/>
+                  </a:moveTo>
+                  <a:cubicBezTo>
+                    <a:pt x="1" y="29"/>
+                    <a:pt x="2" y="33"/>
+                    <a:pt x="4" y="37"/>
+                  </a:cubicBezTo>
+                  <a:cubicBezTo>
+                    <a:pt x="5" y="41"/>
+                    <a:pt x="7" y="44"/>
+                    <a:pt x="8" y="48"/>
+                  </a:cubicBezTo>
+                  <a:cubicBezTo>
+                    <a:pt x="7" y="38"/>
+                    <a:pt x="7" y="28"/>
+                    <a:pt x="7" y="19"/>
+                  </a:cubicBezTo>
+                  <a:cubicBezTo>
+                    <a:pt x="5" y="12"/>
+                    <a:pt x="3" y="6"/>
+                    <a:pt x="0" y="0"/>
+                  </a:cubicBezTo>
+                  <a:cubicBezTo>
+                    <a:pt x="0" y="1"/>
+                    <a:pt x="0" y="3"/>
+                    <a:pt x="0" y="4"/>
+                  </a:cubicBezTo>
+                  <a:cubicBezTo>
+                    <a:pt x="0" y="11"/>
+                    <a:pt x="0" y="19"/>
+                    <a:pt x="0" y="26"/>
+                  </a:cubicBezTo>
+                  <a:close/>
+                </a:path>
+              </a:pathLst>
+            </a:custGeom>
+            <a:solidFill>
+              <a:schemeClr val="tx2"/>
+            </a:solidFill>
+            <a:ln>
+              <a:noFill/>
+            </a:ln>
+          </p:spPr>
+        </p:sp>
+        <p:sp>
+          <p:nvSpPr>
+            <p:cNvPr id="61" name="Freeform 38"/>
+            <p:cNvSpPr/>
+            <p:nvPr/>
+          </p:nvSpPr>
+          <p:spPr bwMode="auto">
+            <a:xfrm>
+              <a:off x="7439026" y="5434013"/>
+              <a:ext cx="174625" cy="439738"/>
+            </a:xfrm>
+            <a:custGeom>
+              <a:avLst/>
+              <a:gdLst/>
+              <a:ahLst/>
+              <a:cxnLst/>
+              <a:rect l="0" t="0" r="r" b="b"/>
+              <a:pathLst>
+                <a:path w="44" h="111">
+                  <a:moveTo>
+                    <a:pt x="11" y="28"/>
+                  </a:moveTo>
+                  <a:cubicBezTo>
+                    <a:pt x="7" y="19"/>
+                    <a:pt x="4" y="9"/>
+                    <a:pt x="0" y="0"/>
+                  </a:cubicBezTo>
+                  <a:cubicBezTo>
+                    <a:pt x="3" y="16"/>
+                    <a:pt x="7" y="33"/>
+                    <a:pt x="11" y="49"/>
+                  </a:cubicBezTo>
+                  <a:cubicBezTo>
+                    <a:pt x="12" y="52"/>
+                    <a:pt x="13" y="55"/>
+                    <a:pt x="14" y="58"/>
+                  </a:cubicBezTo>
+                  <a:cubicBezTo>
+                    <a:pt x="22" y="76"/>
+                    <a:pt x="30" y="94"/>
+                    <a:pt x="39" y="111"/>
+                  </a:cubicBezTo>
+                  <a:cubicBezTo>
+                    <a:pt x="44" y="111"/>
+                    <a:pt x="44" y="111"/>
+                    <a:pt x="44" y="111"/>
+                  </a:cubicBezTo>
+                  <a:cubicBezTo>
+                    <a:pt x="35" y="92"/>
+                    <a:pt x="28" y="72"/>
+                    <a:pt x="22" y="52"/>
+                  </a:cubicBezTo>
+                  <a:cubicBezTo>
+                    <a:pt x="18" y="44"/>
+                    <a:pt x="15" y="36"/>
+                    <a:pt x="11" y="28"/>
+                  </a:cubicBezTo>
+                  <a:close/>
+                </a:path>
+              </a:pathLst>
+            </a:custGeom>
+            <a:solidFill>
+              <a:schemeClr val="tx2"/>
+            </a:solidFill>
+            <a:ln>
+              <a:noFill/>
+            </a:ln>
+          </p:spPr>
+        </p:sp>
+      </p:grpSp>
+      <p:sp>
+        <p:nvSpPr>
+          <p:cNvPr id="62" name="Rectangle 61"/>
+          <p:cNvSpPr/>
+          <p:nvPr/>
         </p:nvSpPr>
         <p:spPr>
           <a:xfrm>
-            <a:off x="457200" y="274638"/>
-            <a:ext cx="8229600" cy="1143000"/>
+            <a:off x="0" y="0"/>
+            <a:ext cx="182880" cy="6858000"/>
+          </a:xfrm>
+          <a:prstGeom prst="rect">
+            <a:avLst/>
+          </a:prstGeom>
+          <a:solidFill>
+            <a:schemeClr val="tx2"/>
+          </a:solidFill>
+          <a:ln>
+            <a:noFill/>
+          </a:ln>
+          <a:effectLst/>
+        </p:spPr>
+        <p:style>
+          <a:lnRef idx="1">
+            <a:schemeClr val="accent1"/>
+          </a:lnRef>
+          <a:fillRef idx="3">
+            <a:schemeClr val="accent1"/>
+          </a:fillRef>
+          <a:effectRef idx="2">
+            <a:schemeClr val="accent1"/>
+          </a:effectRef>
+          <a:fontRef idx="minor">
+            <a:schemeClr val="lt1"/>
+          </a:fontRef>
+        </p:style>
+      </p:sp>
+      <p:sp>
+        <p:nvSpPr>
+          <p:cNvPr id="2" name="Title Placeholder 1"/>
+          <p:cNvSpPr>
+            <a:spLocks noGrp="1"/>
+          </p:cNvSpPr>
+          <p:nvPr>
+            <p:ph type="title"/>
+          </p:nvPr>
+        </p:nvSpPr>
+        <p:spPr>
+          <a:xfrm>
+            <a:off x="1945200" y="624110"/>
+            <a:ext cx="6589200" cy="1280890"/>
           </a:xfrm>
           <a:prstGeom prst="rect">
             <a:avLst/>
           </a:prstGeom>
         </p:spPr>
         <p:txBody>
-          <a:bodyPr vert="horz" lIns="91440" tIns="45720" rIns="91440" bIns="45720" rtlCol="0" anchor="ctr">
+          <a:bodyPr vert="horz" lIns="91440" tIns="45720" rIns="91440" bIns="45720" rtlCol="0" anchor="t">
             <a:normAutofit/>
           </a:bodyPr>
           <a:lstStyle/>
           <a:p>
             <a:r>
-              <a:rPr lang="en-US" smtClean="0"/>
-              <a:t>Click to edit Master title style</a:t>
-            </a:r>
-            <a:endParaRPr lang="en-US"/>
+              <a:rPr lang="de-DE"/>
+              <a:t>Mastertitelformat bearbeiten</a:t>
+            </a:r>
+            <a:endParaRPr lang="en-US" dirty="0"/>
           </a:p>
         </p:txBody>
       </p:sp>
@@ -2644,8 +7062,8 @@
         </p:nvSpPr>
         <p:spPr>
           <a:xfrm>
-            <a:off x="457200" y="1600200"/>
-            <a:ext cx="8229600" cy="4525963"/>
+            <a:off x="1942415" y="2133600"/>
+            <a:ext cx="6591985" cy="3886200"/>
           </a:xfrm>
           <a:prstGeom prst="rect">
             <a:avLst/>
@@ -2659,38 +7077,38 @@
           <a:p>
             <a:pPr lvl="0"/>
             <a:r>
-              <a:rPr lang="en-US" smtClean="0"/>
-              <a:t>Click to edit Master text styles</a:t>
+              <a:rPr lang="de-DE"/>
+              <a:t>Mastertextformat bearbeiten</a:t>
             </a:r>
           </a:p>
           <a:p>
             <a:pPr lvl="1"/>
             <a:r>
-              <a:rPr lang="en-US" smtClean="0"/>
-              <a:t>Second level</a:t>
+              <a:rPr lang="de-DE"/>
+              <a:t>Zweite Ebene</a:t>
             </a:r>
           </a:p>
           <a:p>
             <a:pPr lvl="2"/>
             <a:r>
-              <a:rPr lang="en-US" smtClean="0"/>
-              <a:t>Third level</a:t>
+              <a:rPr lang="de-DE"/>
+              <a:t>Dritte Ebene</a:t>
             </a:r>
           </a:p>
           <a:p>
             <a:pPr lvl="3"/>
             <a:r>
-              <a:rPr lang="en-US" smtClean="0"/>
-              <a:t>Fourth level</a:t>
+              <a:rPr lang="de-DE"/>
+              <a:t>Vierte Ebene</a:t>
             </a:r>
           </a:p>
           <a:p>
             <a:pPr lvl="4"/>
             <a:r>
-              <a:rPr lang="en-US" smtClean="0"/>
-              <a:t>Fifth level</a:t>
-            </a:r>
-            <a:endParaRPr lang="en-US"/>
+              <a:rPr lang="de-DE"/>
+              <a:t>Fünfte Ebene</a:t>
+            </a:r>
+            <a:endParaRPr lang="en-US" dirty="0"/>
           </a:p>
         </p:txBody>
       </p:sp>
@@ -2706,8 +7124,8 @@
         </p:nvSpPr>
         <p:spPr>
           <a:xfrm>
-            <a:off x="457200" y="6356350"/>
-            <a:ext cx="2133600" cy="365125"/>
+            <a:off x="7772400" y="6135089"/>
+            <a:ext cx="766380" cy="370171"/>
           </a:xfrm>
           <a:prstGeom prst="rect">
             <a:avLst/>
@@ -2716,8 +7134,8 @@
         <p:txBody>
           <a:bodyPr vert="horz" lIns="91440" tIns="45720" rIns="91440" bIns="45720" rtlCol="0" anchor="ctr"/>
           <a:lstStyle>
-            <a:lvl1pPr algn="l">
-              <a:defRPr sz="1200">
+            <a:lvl1pPr algn="r">
+              <a:defRPr sz="900">
                 <a:solidFill>
                   <a:schemeClr val="tx1">
                     <a:tint val="75000"/>
@@ -2729,7 +7147,7 @@
           <a:p>
             <a:fld id="{5BCAD085-E8A6-8845-BD4E-CB4CCA059FC4}" type="datetimeFigureOut">
               <a:rPr lang="en-US" smtClean="0"/>
-              <a:t>1/27/13</a:t>
+              <a:t>6/8/2024</a:t>
             </a:fld>
             <a:endParaRPr lang="en-US"/>
           </a:p>
@@ -2747,8 +7165,8 @@
         </p:nvSpPr>
         <p:spPr>
           <a:xfrm>
-            <a:off x="3124200" y="6356350"/>
-            <a:ext cx="2895600" cy="365125"/>
+            <a:off x="1942415" y="6135809"/>
+            <a:ext cx="5716488" cy="365125"/>
           </a:xfrm>
           <a:prstGeom prst="rect">
             <a:avLst/>
@@ -2757,8 +7175,8 @@
         <p:txBody>
           <a:bodyPr vert="horz" lIns="91440" tIns="45720" rIns="91440" bIns="45720" rtlCol="0" anchor="ctr"/>
           <a:lstStyle>
-            <a:lvl1pPr algn="ctr">
-              <a:defRPr sz="1200">
+            <a:lvl1pPr algn="l">
+              <a:defRPr sz="900">
                 <a:solidFill>
                   <a:schemeClr val="tx1">
                     <a:tint val="75000"/>
@@ -2784,8 +7202,8 @@
         </p:nvSpPr>
         <p:spPr>
           <a:xfrm>
-            <a:off x="6553200" y="6356350"/>
-            <a:ext cx="2133600" cy="365125"/>
+            <a:off x="511228" y="787783"/>
+            <a:ext cx="584978" cy="365125"/>
           </a:xfrm>
           <a:prstGeom prst="rect">
             <a:avLst/>
@@ -2795,11 +7213,9 @@
           <a:bodyPr vert="horz" lIns="91440" tIns="45720" rIns="91440" bIns="45720" rtlCol="0" anchor="ctr"/>
           <a:lstStyle>
             <a:lvl1pPr algn="r">
-              <a:defRPr sz="1200">
+              <a:defRPr sz="2000">
                 <a:solidFill>
-                  <a:schemeClr val="tx1">
-                    <a:tint val="75000"/>
-                  </a:schemeClr>
+                  <a:srgbClr val="FEFFFF"/>
                 </a:solidFill>
               </a:defRPr>
             </a:lvl1pPr>
@@ -2807,7 +7223,7 @@
           <a:p>
             <a:fld id="{C1FF6DA9-008F-8B48-92A6-B652298478BF}" type="slidenum">
               <a:rPr lang="en-US" smtClean="0"/>
-              <a:t>‹#›</a:t>
+              <a:t>‹Nr.›</a:t>
             </a:fld>
             <a:endParaRPr lang="en-US"/>
           </a:p>
@@ -2816,51 +7232,124 @@
     </p:spTree>
     <p:extLst>
       <p:ext uri="{BB962C8B-B14F-4D97-AF65-F5344CB8AC3E}">
-        <p14:creationId xmlns:p14="http://schemas.microsoft.com/office/powerpoint/2010/main" val="2209977519"/>
+        <p14:creationId xmlns:p14="http://schemas.microsoft.com/office/powerpoint/2010/main" val="2622571790"/>
       </p:ext>
     </p:extLst>
   </p:cSld>
   <p:clrMap bg1="lt1" tx1="dk1" bg2="lt2" tx2="dk2" accent1="accent1" accent2="accent2" accent3="accent3" accent4="accent4" accent5="accent5" accent6="accent6" hlink="hlink" folHlink="folHlink"/>
   <p:sldLayoutIdLst>
-    <p:sldLayoutId id="2147483649" r:id="rId1"/>
-    <p:sldLayoutId id="2147483650" r:id="rId2"/>
-    <p:sldLayoutId id="2147483651" r:id="rId3"/>
-    <p:sldLayoutId id="2147483652" r:id="rId4"/>
-    <p:sldLayoutId id="2147483653" r:id="rId5"/>
-    <p:sldLayoutId id="2147483654" r:id="rId6"/>
-    <p:sldLayoutId id="2147483655" r:id="rId7"/>
-    <p:sldLayoutId id="2147483656" r:id="rId8"/>
-    <p:sldLayoutId id="2147483657" r:id="rId9"/>
-    <p:sldLayoutId id="2147483658" r:id="rId10"/>
-    <p:sldLayoutId id="2147483659" r:id="rId11"/>
+    <p:sldLayoutId id="2147483661" r:id="rId1"/>
+    <p:sldLayoutId id="2147483662" r:id="rId2"/>
+    <p:sldLayoutId id="2147483663" r:id="rId3"/>
+    <p:sldLayoutId id="2147483664" r:id="rId4"/>
+    <p:sldLayoutId id="2147483665" r:id="rId5"/>
+    <p:sldLayoutId id="2147483666" r:id="rId6"/>
+    <p:sldLayoutId id="2147483667" r:id="rId7"/>
+    <p:sldLayoutId id="2147483668" r:id="rId8"/>
+    <p:sldLayoutId id="2147483669" r:id="rId9"/>
+    <p:sldLayoutId id="2147483670" r:id="rId10"/>
+    <p:sldLayoutId id="2147483671" r:id="rId11"/>
+    <p:sldLayoutId id="2147483672" r:id="rId12"/>
+    <p:sldLayoutId id="2147483673" r:id="rId13"/>
+    <p:sldLayoutId id="2147483674" r:id="rId14"/>
+    <p:sldLayoutId id="2147483675" r:id="rId15"/>
+    <p:sldLayoutId id="2147483676" r:id="rId16"/>
   </p:sldLayoutIdLst>
   <p:txStyles>
     <p:titleStyle>
-      <a:lvl1pPr algn="ctr" defTabSz="457200" rtl="0" eaLnBrk="1" latinLnBrk="0" hangingPunct="1">
+      <a:lvl1pPr algn="l" defTabSz="457200" rtl="0" eaLnBrk="1" latinLnBrk="0" hangingPunct="1">
         <a:spcBef>
           <a:spcPct val="0"/>
         </a:spcBef>
         <a:buNone/>
-        <a:defRPr sz="4400" kern="1200">
+        <a:defRPr sz="3600" kern="1200">
           <a:solidFill>
-            <a:schemeClr val="tx1"/>
+            <a:schemeClr val="tx1">
+              <a:lumMod val="85000"/>
+              <a:lumOff val="15000"/>
+            </a:schemeClr>
           </a:solidFill>
           <a:latin typeface="+mj-lt"/>
           <a:ea typeface="+mj-ea"/>
           <a:cs typeface="+mj-cs"/>
         </a:defRPr>
       </a:lvl1pPr>
+      <a:lvl2pPr eaLnBrk="1" hangingPunct="1">
+        <a:defRPr>
+          <a:solidFill>
+            <a:schemeClr val="tx2"/>
+          </a:solidFill>
+        </a:defRPr>
+      </a:lvl2pPr>
+      <a:lvl3pPr eaLnBrk="1" hangingPunct="1">
+        <a:defRPr>
+          <a:solidFill>
+            <a:schemeClr val="tx2"/>
+          </a:solidFill>
+        </a:defRPr>
+      </a:lvl3pPr>
+      <a:lvl4pPr eaLnBrk="1" hangingPunct="1">
+        <a:defRPr>
+          <a:solidFill>
+            <a:schemeClr val="tx2"/>
+          </a:solidFill>
+        </a:defRPr>
+      </a:lvl4pPr>
+      <a:lvl5pPr eaLnBrk="1" hangingPunct="1">
+        <a:defRPr>
+          <a:solidFill>
+            <a:schemeClr val="tx2"/>
+          </a:solidFill>
+        </a:defRPr>
+      </a:lvl5pPr>
+      <a:lvl6pPr eaLnBrk="1" hangingPunct="1">
+        <a:defRPr>
+          <a:solidFill>
+            <a:schemeClr val="tx2"/>
+          </a:solidFill>
+        </a:defRPr>
+      </a:lvl6pPr>
+      <a:lvl7pPr eaLnBrk="1" hangingPunct="1">
+        <a:defRPr>
+          <a:solidFill>
+            <a:schemeClr val="tx2"/>
+          </a:solidFill>
+        </a:defRPr>
+      </a:lvl7pPr>
+      <a:lvl8pPr eaLnBrk="1" hangingPunct="1">
+        <a:defRPr>
+          <a:solidFill>
+            <a:schemeClr val="tx2"/>
+          </a:solidFill>
+        </a:defRPr>
+      </a:lvl8pPr>
+      <a:lvl9pPr eaLnBrk="1" hangingPunct="1">
+        <a:defRPr>
+          <a:solidFill>
+            <a:schemeClr val="tx2"/>
+          </a:solidFill>
+        </a:defRPr>
+      </a:lvl9pPr>
     </p:titleStyle>
     <p:bodyStyle>
       <a:lvl1pPr marL="342900" indent="-342900" algn="l" defTabSz="457200" rtl="0" eaLnBrk="1" latinLnBrk="0" hangingPunct="1">
         <a:spcBef>
-          <a:spcPct val="20000"/>
+          <a:spcPts val="1000"/>
         </a:spcBef>
-        <a:buFont typeface="Arial"/>
-        <a:buChar char="•"/>
-        <a:defRPr sz="3200" kern="1200">
+        <a:spcAft>
+          <a:spcPts val="0"/>
+        </a:spcAft>
+        <a:buClr>
+          <a:schemeClr val="accent1"/>
+        </a:buClr>
+        <a:buFont typeface="Wingdings 3" charset="2"/>
+        <a:buChar char=""/>
+        <a:defRPr sz="1800" kern="1200">
           <a:solidFill>
-            <a:schemeClr val="tx1"/>
+            <a:schemeClr val="tx1">
+              <a:lumMod val="75000"/>
+              <a:lumOff val="25000"/>
+            </a:schemeClr>
           </a:solidFill>
           <a:latin typeface="+mn-lt"/>
           <a:ea typeface="+mn-ea"/>
@@ -2869,13 +7358,22 @@
       </a:lvl1pPr>
       <a:lvl2pPr marL="742950" indent="-285750" algn="l" defTabSz="457200" rtl="0" eaLnBrk="1" latinLnBrk="0" hangingPunct="1">
         <a:spcBef>
-          <a:spcPct val="20000"/>
+          <a:spcPts val="1000"/>
         </a:spcBef>
-        <a:buFont typeface="Arial"/>
-        <a:buChar char="–"/>
-        <a:defRPr sz="2800" kern="1200">
+        <a:spcAft>
+          <a:spcPts val="0"/>
+        </a:spcAft>
+        <a:buClr>
+          <a:schemeClr val="accent1"/>
+        </a:buClr>
+        <a:buFont typeface="Wingdings 3" charset="2"/>
+        <a:buChar char=""/>
+        <a:defRPr sz="1600" kern="1200">
           <a:solidFill>
-            <a:schemeClr val="tx1"/>
+            <a:schemeClr val="tx1">
+              <a:lumMod val="75000"/>
+              <a:lumOff val="25000"/>
+            </a:schemeClr>
           </a:solidFill>
           <a:latin typeface="+mn-lt"/>
           <a:ea typeface="+mn-ea"/>
@@ -2884,13 +7382,22 @@
       </a:lvl2pPr>
       <a:lvl3pPr marL="1143000" indent="-228600" algn="l" defTabSz="457200" rtl="0" eaLnBrk="1" latinLnBrk="0" hangingPunct="1">
         <a:spcBef>
-          <a:spcPct val="20000"/>
+          <a:spcPts val="1000"/>
         </a:spcBef>
-        <a:buFont typeface="Arial"/>
-        <a:buChar char="•"/>
-        <a:defRPr sz="2400" kern="1200">
+        <a:spcAft>
+          <a:spcPts val="0"/>
+        </a:spcAft>
+        <a:buClr>
+          <a:schemeClr val="accent1"/>
+        </a:buClr>
+        <a:buFont typeface="Wingdings 3" charset="2"/>
+        <a:buChar char=""/>
+        <a:defRPr sz="1400" kern="1200">
           <a:solidFill>
-            <a:schemeClr val="tx1"/>
+            <a:schemeClr val="tx1">
+              <a:lumMod val="75000"/>
+              <a:lumOff val="25000"/>
+            </a:schemeClr>
           </a:solidFill>
           <a:latin typeface="+mn-lt"/>
           <a:ea typeface="+mn-ea"/>
@@ -2899,13 +7406,22 @@
       </a:lvl3pPr>
       <a:lvl4pPr marL="1600200" indent="-228600" algn="l" defTabSz="457200" rtl="0" eaLnBrk="1" latinLnBrk="0" hangingPunct="1">
         <a:spcBef>
-          <a:spcPct val="20000"/>
+          <a:spcPts val="1000"/>
         </a:spcBef>
-        <a:buFont typeface="Arial"/>
-        <a:buChar char="–"/>
-        <a:defRPr sz="2000" kern="1200">
+        <a:spcAft>
+          <a:spcPts val="0"/>
+        </a:spcAft>
+        <a:buClr>
+          <a:schemeClr val="accent1"/>
+        </a:buClr>
+        <a:buFont typeface="Wingdings 3" charset="2"/>
+        <a:buChar char=""/>
+        <a:defRPr sz="1200" kern="1200">
           <a:solidFill>
-            <a:schemeClr val="tx1"/>
+            <a:schemeClr val="tx1">
+              <a:lumMod val="75000"/>
+              <a:lumOff val="25000"/>
+            </a:schemeClr>
           </a:solidFill>
           <a:latin typeface="+mn-lt"/>
           <a:ea typeface="+mn-ea"/>
@@ -2914,13 +7430,22 @@
       </a:lvl4pPr>
       <a:lvl5pPr marL="2057400" indent="-228600" algn="l" defTabSz="457200" rtl="0" eaLnBrk="1" latinLnBrk="0" hangingPunct="1">
         <a:spcBef>
-          <a:spcPct val="20000"/>
+          <a:spcPts val="1000"/>
         </a:spcBef>
-        <a:buFont typeface="Arial"/>
-        <a:buChar char="»"/>
-        <a:defRPr sz="2000" kern="1200">
+        <a:spcAft>
+          <a:spcPts val="0"/>
+        </a:spcAft>
+        <a:buClr>
+          <a:schemeClr val="accent1"/>
+        </a:buClr>
+        <a:buFont typeface="Wingdings 3" charset="2"/>
+        <a:buChar char=""/>
+        <a:defRPr sz="1200" kern="1200">
           <a:solidFill>
-            <a:schemeClr val="tx1"/>
+            <a:schemeClr val="tx1">
+              <a:lumMod val="75000"/>
+              <a:lumOff val="25000"/>
+            </a:schemeClr>
           </a:solidFill>
           <a:latin typeface="+mn-lt"/>
           <a:ea typeface="+mn-ea"/>
@@ -2929,13 +7454,22 @@
       </a:lvl5pPr>
       <a:lvl6pPr marL="2514600" indent="-228600" algn="l" defTabSz="457200" rtl="0" eaLnBrk="1" latinLnBrk="0" hangingPunct="1">
         <a:spcBef>
-          <a:spcPct val="20000"/>
+          <a:spcPts val="1000"/>
         </a:spcBef>
-        <a:buFont typeface="Arial"/>
-        <a:buChar char="•"/>
-        <a:defRPr sz="2000" kern="1200">
+        <a:spcAft>
+          <a:spcPts val="0"/>
+        </a:spcAft>
+        <a:buClr>
+          <a:schemeClr val="accent1"/>
+        </a:buClr>
+        <a:buFont typeface="Wingdings 3" charset="2"/>
+        <a:buChar char=""/>
+        <a:defRPr sz="1200" kern="1200">
           <a:solidFill>
-            <a:schemeClr val="tx1"/>
+            <a:schemeClr val="tx1">
+              <a:lumMod val="75000"/>
+              <a:lumOff val="25000"/>
+            </a:schemeClr>
           </a:solidFill>
           <a:latin typeface="+mn-lt"/>
           <a:ea typeface="+mn-ea"/>
@@ -2944,13 +7478,22 @@
       </a:lvl6pPr>
       <a:lvl7pPr marL="2971800" indent="-228600" algn="l" defTabSz="457200" rtl="0" eaLnBrk="1" latinLnBrk="0" hangingPunct="1">
         <a:spcBef>
-          <a:spcPct val="20000"/>
+          <a:spcPts val="1000"/>
         </a:spcBef>
-        <a:buFont typeface="Arial"/>
-        <a:buChar char="•"/>
-        <a:defRPr sz="2000" kern="1200">
+        <a:spcAft>
+          <a:spcPts val="0"/>
+        </a:spcAft>
+        <a:buClr>
+          <a:schemeClr val="accent1"/>
+        </a:buClr>
+        <a:buFont typeface="Wingdings 3" charset="2"/>
+        <a:buChar char=""/>
+        <a:defRPr sz="1200" kern="1200">
           <a:solidFill>
-            <a:schemeClr val="tx1"/>
+            <a:schemeClr val="tx1">
+              <a:lumMod val="75000"/>
+              <a:lumOff val="25000"/>
+            </a:schemeClr>
           </a:solidFill>
           <a:latin typeface="+mn-lt"/>
           <a:ea typeface="+mn-ea"/>
@@ -2959,13 +7502,22 @@
       </a:lvl7pPr>
       <a:lvl8pPr marL="3429000" indent="-228600" algn="l" defTabSz="457200" rtl="0" eaLnBrk="1" latinLnBrk="0" hangingPunct="1">
         <a:spcBef>
-          <a:spcPct val="20000"/>
+          <a:spcPts val="1000"/>
         </a:spcBef>
-        <a:buFont typeface="Arial"/>
-        <a:buChar char="•"/>
-        <a:defRPr sz="2000" kern="1200">
+        <a:spcAft>
+          <a:spcPts val="0"/>
+        </a:spcAft>
+        <a:buClr>
+          <a:schemeClr val="accent1"/>
+        </a:buClr>
+        <a:buFont typeface="Wingdings 3" charset="2"/>
+        <a:buChar char=""/>
+        <a:defRPr sz="1200" kern="1200">
           <a:solidFill>
-            <a:schemeClr val="tx1"/>
+            <a:schemeClr val="tx1">
+              <a:lumMod val="75000"/>
+              <a:lumOff val="25000"/>
+            </a:schemeClr>
           </a:solidFill>
           <a:latin typeface="+mn-lt"/>
           <a:ea typeface="+mn-ea"/>
@@ -2974,13 +7526,22 @@
       </a:lvl8pPr>
       <a:lvl9pPr marL="3886200" indent="-228600" algn="l" defTabSz="457200" rtl="0" eaLnBrk="1" latinLnBrk="0" hangingPunct="1">
         <a:spcBef>
-          <a:spcPct val="20000"/>
+          <a:spcPts val="1000"/>
         </a:spcBef>
-        <a:buFont typeface="Arial"/>
-        <a:buChar char="•"/>
-        <a:defRPr sz="2000" kern="1200">
+        <a:spcAft>
+          <a:spcPts val="0"/>
+        </a:spcAft>
+        <a:buClr>
+          <a:schemeClr val="accent1"/>
+        </a:buClr>
+        <a:buFont typeface="Wingdings 3" charset="2"/>
+        <a:buChar char=""/>
+        <a:defRPr sz="1200" kern="1200">
           <a:solidFill>
-            <a:schemeClr val="tx1"/>
+            <a:schemeClr val="tx1">
+              <a:lumMod val="75000"/>
+              <a:lumOff val="25000"/>
+            </a:schemeClr>
           </a:solidFill>
           <a:latin typeface="+mn-lt"/>
           <a:ea typeface="+mn-ea"/>
@@ -5420,9 +9981,9 @@
 </file>
 
 <file path=ppt/theme/theme1.xml><?xml version="1.0" encoding="utf-8"?>
-<a:theme xmlns:a="http://schemas.openxmlformats.org/drawingml/2006/main" name="Office Theme">
+<a:theme xmlns:a="http://schemas.openxmlformats.org/drawingml/2006/main" name="Fetzen">
   <a:themeElements>
-    <a:clrScheme name="Office">
+    <a:clrScheme name="Fetzen">
       <a:dk1>
         <a:sysClr val="windowText" lastClr="000000"/>
       </a:dk1>
@@ -5430,83 +9991,48 @@
         <a:sysClr val="window" lastClr="FFFFFF"/>
       </a:lt1>
       <a:dk2>
-        <a:srgbClr val="1F497D"/>
+        <a:srgbClr val="766F54"/>
       </a:dk2>
       <a:lt2>
-        <a:srgbClr val="EEECE1"/>
+        <a:srgbClr val="E3EACF"/>
       </a:lt2>
       <a:accent1>
-        <a:srgbClr val="4F81BD"/>
+        <a:srgbClr val="A53010"/>
       </a:accent1>
       <a:accent2>
-        <a:srgbClr val="C0504D"/>
+        <a:srgbClr val="DE7E18"/>
       </a:accent2>
       <a:accent3>
-        <a:srgbClr val="9BBB59"/>
+        <a:srgbClr val="9F8351"/>
       </a:accent3>
       <a:accent4>
-        <a:srgbClr val="8064A2"/>
+        <a:srgbClr val="728653"/>
       </a:accent4>
       <a:accent5>
-        <a:srgbClr val="4BACC6"/>
+        <a:srgbClr val="92AA4C"/>
       </a:accent5>
       <a:accent6>
-        <a:srgbClr val="F79646"/>
+        <a:srgbClr val="6AAC91"/>
       </a:accent6>
       <a:hlink>
-        <a:srgbClr val="0000FF"/>
+        <a:srgbClr val="FB4A18"/>
       </a:hlink>
       <a:folHlink>
-        <a:srgbClr val="800080"/>
+        <a:srgbClr val="FB9318"/>
       </a:folHlink>
     </a:clrScheme>
-    <a:fontScheme name="Office">
+    <a:fontScheme name="Fetzen">
       <a:majorFont>
-        <a:latin typeface="Calibri"/>
+        <a:latin typeface="Century Gothic" panose="020B0502020202020204"/>
         <a:ea typeface=""/>
         <a:cs typeface=""/>
-        <a:font script="Jpan" typeface="ＭＳ Ｐゴシック"/>
-        <a:font script="Hang" typeface="맑은 고딕"/>
-        <a:font script="Hans" typeface="宋体"/>
-        <a:font script="Hant" typeface="新細明體"/>
-        <a:font script="Arab" typeface="Times New Roman"/>
-        <a:font script="Hebr" typeface="Times New Roman"/>
-        <a:font script="Thai" typeface="Angsana New"/>
-        <a:font script="Ethi" typeface="Nyala"/>
-        <a:font script="Beng" typeface="Vrinda"/>
-        <a:font script="Gujr" typeface="Shruti"/>
-        <a:font script="Khmr" typeface="MoolBoran"/>
-        <a:font script="Knda" typeface="Tunga"/>
-        <a:font script="Guru" typeface="Raavi"/>
-        <a:font script="Cans" typeface="Euphemia"/>
-        <a:font script="Cher" typeface="Plantagenet Cherokee"/>
-        <a:font script="Yiii" typeface="Microsoft Yi Baiti"/>
-        <a:font script="Tibt" typeface="Microsoft Himalaya"/>
-        <a:font script="Thaa" typeface="MV Boli"/>
-        <a:font script="Deva" typeface="Mangal"/>
-        <a:font script="Telu" typeface="Gautami"/>
-        <a:font script="Taml" typeface="Latha"/>
-        <a:font script="Syrc" typeface="Estrangelo Edessa"/>
-        <a:font script="Orya" typeface="Kalinga"/>
-        <a:font script="Mlym" typeface="Kartika"/>
-        <a:font script="Laoo" typeface="DokChampa"/>
-        <a:font script="Sinh" typeface="Iskoola Pota"/>
-        <a:font script="Mong" typeface="Mongolian Baiti"/>
-        <a:font script="Viet" typeface="Times New Roman"/>
-        <a:font script="Uigh" typeface="Microsoft Uighur"/>
-        <a:font script="Geor" typeface="Sylfaen"/>
-      </a:majorFont>
-      <a:minorFont>
-        <a:latin typeface="Calibri"/>
-        <a:ea typeface=""/>
-        <a:cs typeface=""/>
-        <a:font script="Jpan" typeface="ＭＳ Ｐゴシック"/>
-        <a:font script="Hang" typeface="맑은 고딕"/>
-        <a:font script="Hans" typeface="宋体"/>
-        <a:font script="Hant" typeface="新細明體"/>
-        <a:font script="Arab" typeface="Arial"/>
-        <a:font script="Hebr" typeface="Arial"/>
-        <a:font script="Thai" typeface="Cordia New"/>
+        <a:font script="Jpan" typeface="メイリオ"/>
+        <a:font script="Hang" typeface="HY중고딕"/>
+        <a:font script="Hans" typeface="幼圆"/>
+        <a:font script="Hant" typeface="微軟正黑體"/>
+        <a:font script="Arab" typeface="Tahoma"/>
+        <a:font script="Hebr" typeface="Gisha"/>
+        <a:font script="Thai" typeface="DilleniaUPC"/>
         <a:font script="Ethi" typeface="Nyala"/>
         <a:font script="Beng" typeface="Vrinda"/>
         <a:font script="Gujr" typeface="Shruti"/>
@@ -5527,76 +10053,91 @@
         <a:font script="Laoo" typeface="DokChampa"/>
         <a:font script="Sinh" typeface="Iskoola Pota"/>
         <a:font script="Mong" typeface="Mongolian Baiti"/>
-        <a:font script="Viet" typeface="Arial"/>
+        <a:font script="Viet" typeface="Tahoma"/>
+        <a:font script="Uigh" typeface="Microsoft Uighur"/>
+        <a:font script="Geor" typeface="Sylfaen"/>
+      </a:majorFont>
+      <a:minorFont>
+        <a:latin typeface="Century Gothic" panose="020B0502020202020204"/>
+        <a:ea typeface=""/>
+        <a:cs typeface=""/>
+        <a:font script="Jpan" typeface="メイリオ"/>
+        <a:font script="Hang" typeface="HY중고딕"/>
+        <a:font script="Hans" typeface="幼圆"/>
+        <a:font script="Hant" typeface="微軟正黑體"/>
+        <a:font script="Arab" typeface="Tahoma"/>
+        <a:font script="Hebr" typeface="Gisha"/>
+        <a:font script="Thai" typeface="DilleniaUPC"/>
+        <a:font script="Ethi" typeface="Nyala"/>
+        <a:font script="Beng" typeface="Vrinda"/>
+        <a:font script="Gujr" typeface="Shruti"/>
+        <a:font script="Khmr" typeface="DaunPenh"/>
+        <a:font script="Knda" typeface="Tunga"/>
+        <a:font script="Guru" typeface="Raavi"/>
+        <a:font script="Cans" typeface="Euphemia"/>
+        <a:font script="Cher" typeface="Plantagenet Cherokee"/>
+        <a:font script="Yiii" typeface="Microsoft Yi Baiti"/>
+        <a:font script="Tibt" typeface="Microsoft Himalaya"/>
+        <a:font script="Thaa" typeface="MV Boli"/>
+        <a:font script="Deva" typeface="Mangal"/>
+        <a:font script="Telu" typeface="Gautami"/>
+        <a:font script="Taml" typeface="Latha"/>
+        <a:font script="Syrc" typeface="Estrangelo Edessa"/>
+        <a:font script="Orya" typeface="Kalinga"/>
+        <a:font script="Mlym" typeface="Kartika"/>
+        <a:font script="Laoo" typeface="DokChampa"/>
+        <a:font script="Sinh" typeface="Iskoola Pota"/>
+        <a:font script="Mong" typeface="Mongolian Baiti"/>
+        <a:font script="Viet" typeface="Tahoma"/>
         <a:font script="Uigh" typeface="Microsoft Uighur"/>
         <a:font script="Geor" typeface="Sylfaen"/>
       </a:minorFont>
     </a:fontScheme>
-    <a:fmtScheme name="Office">
+    <a:fmtScheme name="Fetzen">
       <a:fillStyleLst>
         <a:solidFill>
           <a:schemeClr val="phClr"/>
+        </a:solidFill>
+        <a:solidFill>
+          <a:schemeClr val="phClr">
+            <a:tint val="70000"/>
+            <a:lumMod val="104000"/>
+          </a:schemeClr>
         </a:solidFill>
         <a:gradFill rotWithShape="1">
           <a:gsLst>
             <a:gs pos="0">
               <a:schemeClr val="phClr">
-                <a:tint val="50000"/>
-                <a:satMod val="300000"/>
-              </a:schemeClr>
-            </a:gs>
-            <a:gs pos="35000">
-              <a:schemeClr val="phClr">
-                <a:tint val="37000"/>
-                <a:satMod val="300000"/>
+                <a:tint val="96000"/>
+                <a:lumMod val="104000"/>
               </a:schemeClr>
             </a:gs>
             <a:gs pos="100000">
               <a:schemeClr val="phClr">
-                <a:tint val="15000"/>
-                <a:satMod val="350000"/>
+                <a:shade val="98000"/>
+                <a:lumMod val="94000"/>
               </a:schemeClr>
             </a:gs>
           </a:gsLst>
-          <a:lin ang="16200000" scaled="1"/>
-        </a:gradFill>
-        <a:gradFill rotWithShape="1">
-          <a:gsLst>
-            <a:gs pos="0">
-              <a:schemeClr val="phClr">
-                <a:tint val="100000"/>
-                <a:shade val="100000"/>
-                <a:satMod val="130000"/>
-              </a:schemeClr>
-            </a:gs>
-            <a:gs pos="100000">
-              <a:schemeClr val="phClr">
-                <a:tint val="50000"/>
-                <a:shade val="100000"/>
-                <a:satMod val="350000"/>
-              </a:schemeClr>
-            </a:gs>
-          </a:gsLst>
-          <a:lin ang="16200000" scaled="0"/>
+          <a:lin ang="5400000" scaled="0"/>
         </a:gradFill>
       </a:fillStyleLst>
       <a:lnStyleLst>
-        <a:ln w="9525" cap="flat" cmpd="sng" algn="ctr">
+        <a:ln w="9525" cap="rnd" cmpd="sng" algn="ctr">
           <a:solidFill>
             <a:schemeClr val="phClr">
-              <a:shade val="95000"/>
-              <a:satMod val="105000"/>
+              <a:shade val="90000"/>
             </a:schemeClr>
           </a:solidFill>
           <a:prstDash val="solid"/>
         </a:ln>
-        <a:ln w="25400" cap="flat" cmpd="sng" algn="ctr">
+        <a:ln w="15875" cap="rnd" cmpd="sng" algn="ctr">
           <a:solidFill>
             <a:schemeClr val="phClr"/>
           </a:solidFill>
           <a:prstDash val="solid"/>
         </a:ln>
-        <a:ln w="38100" cap="flat" cmpd="sng" algn="ctr">
+        <a:ln w="22225" cap="rnd" cmpd="sng" algn="ctr">
           <a:solidFill>
             <a:schemeClr val="phClr"/>
           </a:solidFill>
@@ -5605,42 +10146,25 @@
       </a:lnStyleLst>
       <a:effectStyleLst>
         <a:effectStyle>
+          <a:effectLst/>
+        </a:effectStyle>
+        <a:effectStyle>
           <a:effectLst>
-            <a:outerShdw blurRad="40000" dist="20000" dir="5400000" rotWithShape="0">
+            <a:outerShdw blurRad="38100" dist="25400" dir="5400000" rotWithShape="0">
               <a:srgbClr val="000000">
-                <a:alpha val="38000"/>
+                <a:alpha val="25000"/>
               </a:srgbClr>
             </a:outerShdw>
           </a:effectLst>
         </a:effectStyle>
         <a:effectStyle>
           <a:effectLst>
-            <a:outerShdw blurRad="40000" dist="23000" dir="5400000" rotWithShape="0">
+            <a:outerShdw blurRad="50800" dist="38100" dir="5400000" rotWithShape="0">
               <a:srgbClr val="000000">
-                <a:alpha val="35000"/>
+                <a:alpha val="60000"/>
               </a:srgbClr>
             </a:outerShdw>
           </a:effectLst>
-        </a:effectStyle>
-        <a:effectStyle>
-          <a:effectLst>
-            <a:outerShdw blurRad="40000" dist="23000" dir="5400000" rotWithShape="0">
-              <a:srgbClr val="000000">
-                <a:alpha val="35000"/>
-              </a:srgbClr>
-            </a:outerShdw>
-          </a:effectLst>
-          <a:scene3d>
-            <a:camera prst="orthographicFront">
-              <a:rot lat="0" lon="0" rev="0"/>
-            </a:camera>
-            <a:lightRig rig="threePt" dir="t">
-              <a:rot lat="0" lon="0" rev="1200000"/>
-            </a:lightRig>
-          </a:scene3d>
-          <a:sp3d>
-            <a:bevelT w="63500" h="25400"/>
-          </a:sp3d>
         </a:effectStyle>
       </a:effectStyleLst>
       <a:bgFillStyleLst>
@@ -5651,90 +10175,50 @@
           <a:gsLst>
             <a:gs pos="0">
               <a:schemeClr val="phClr">
-                <a:tint val="40000"/>
-                <a:satMod val="350000"/>
-              </a:schemeClr>
-            </a:gs>
-            <a:gs pos="40000">
-              <a:schemeClr val="phClr">
-                <a:tint val="45000"/>
-                <a:shade val="99000"/>
-                <a:satMod val="350000"/>
+                <a:tint val="90000"/>
+                <a:lumMod val="120000"/>
               </a:schemeClr>
             </a:gs>
             <a:gs pos="100000">
               <a:schemeClr val="phClr">
-                <a:shade val="20000"/>
-                <a:satMod val="255000"/>
+                <a:shade val="98000"/>
+                <a:satMod val="120000"/>
+                <a:lumMod val="98000"/>
               </a:schemeClr>
             </a:gs>
           </a:gsLst>
-          <a:path path="circle">
-            <a:fillToRect l="50000" t="-80000" r="50000" b="180000"/>
-          </a:path>
+          <a:lin ang="5400000" scaled="0"/>
         </a:gradFill>
         <a:gradFill rotWithShape="1">
           <a:gsLst>
             <a:gs pos="0">
               <a:schemeClr val="phClr">
-                <a:tint val="80000"/>
-                <a:satMod val="300000"/>
+                <a:tint val="90000"/>
+                <a:satMod val="92000"/>
+                <a:lumMod val="120000"/>
               </a:schemeClr>
             </a:gs>
             <a:gs pos="100000">
               <a:schemeClr val="phClr">
-                <a:shade val="30000"/>
-                <a:satMod val="200000"/>
+                <a:shade val="98000"/>
+                <a:satMod val="120000"/>
+                <a:lumMod val="98000"/>
               </a:schemeClr>
             </a:gs>
           </a:gsLst>
           <a:path path="circle">
-            <a:fillToRect l="50000" t="50000" r="50000" b="50000"/>
+            <a:fillToRect l="50000" t="50000" r="100000" b="100000"/>
           </a:path>
         </a:gradFill>
       </a:bgFillStyleLst>
     </a:fmtScheme>
   </a:themeElements>
-  <a:objectDefaults>
-    <a:spDef>
-      <a:spPr/>
-      <a:bodyPr/>
-      <a:lstStyle/>
-      <a:style>
-        <a:lnRef idx="1">
-          <a:schemeClr val="accent1"/>
-        </a:lnRef>
-        <a:fillRef idx="3">
-          <a:schemeClr val="accent1"/>
-        </a:fillRef>
-        <a:effectRef idx="2">
-          <a:schemeClr val="accent1"/>
-        </a:effectRef>
-        <a:fontRef idx="minor">
-          <a:schemeClr val="lt1"/>
-        </a:fontRef>
-      </a:style>
-    </a:spDef>
-    <a:lnDef>
-      <a:spPr/>
-      <a:bodyPr/>
-      <a:lstStyle/>
-      <a:style>
-        <a:lnRef idx="2">
-          <a:schemeClr val="accent1"/>
-        </a:lnRef>
-        <a:fillRef idx="0">
-          <a:schemeClr val="accent1"/>
-        </a:fillRef>
-        <a:effectRef idx="1">
-          <a:schemeClr val="accent1"/>
-        </a:effectRef>
-        <a:fontRef idx="minor">
-          <a:schemeClr val="tx1"/>
-        </a:fontRef>
-      </a:style>
-    </a:lnDef>
-  </a:objectDefaults>
+  <a:objectDefaults/>
   <a:extraClrSchemeLst/>
+  <a:extLst>
+    <a:ext uri="{05A4C25C-085E-4340-85A3-A5531E510DB2}">
+      <thm15:themeFamily xmlns:thm15="http://schemas.microsoft.com/office/thememl/2012/main" name="Wisp" id="{7CB32D59-10C0-40DD-B7BD-2E94284A981C}" vid="{24B1A44C-C006-48B2-A4D7-E5549B3D8CD4}"/>
+    </a:ext>
+  </a:extLst>
 </a:theme>
 </file>
--- a/static/Ransomware_Angriff_-_Pharma_Batchumgebung_presentation.pptx
+++ b/static/Ransomware_Angriff_-_Pharma_Batchumgebung_presentation.pptx
@@ -7761,260 +7761,9 @@
           <a:p/>
           <a:p>
             <a:r>
-              <a:t>Description: &lt;!DOCTYPE html&gt;</a:t>
-            </a:r>
-          </a:p>
-          <a:p>
-            <a:r>
-              <a:t>&lt;html lang="de"&gt;</a:t>
-            </a:r>
-          </a:p>
-          <a:p>
-            <a:r>
-              <a:t>&lt;head&gt;</a:t>
-            </a:r>
-          </a:p>
-          <a:p>
-            <a:r>
-              <a:t>    &lt;meta charset="UTF-8"&gt;</a:t>
-            </a:r>
-          </a:p>
-          <a:p>
-            <a:r>
-              <a:t>    &lt;title&gt;Sicherheitslücke - Dringend&lt;/title&gt;</a:t>
-            </a:r>
-          </a:p>
-          <a:p>
-            <a:r>
-              <a:t>    &lt;style&gt;</a:t>
-            </a:r>
-          </a:p>
-          <a:p>
-            <a:r>
-              <a:t>        body {</a:t>
-            </a:r>
-          </a:p>
-          <a:p>
-            <a:r>
-              <a:t>            font-family: Arial, sans-serif;</a:t>
-            </a:r>
-          </a:p>
-          <a:p>
-            <a:r>
-              <a:t>            margin: 20px;</a:t>
-            </a:r>
-          </a:p>
-          <a:p>
-            <a:r>
-              <a:t>            line-height: 1.6;</a:t>
-            </a:r>
-          </a:p>
-          <a:p>
-            <a:r>
-              <a:t>        }</a:t>
-            </a:r>
-          </a:p>
-          <a:p>
-            <a:r>
-              <a:t>        .content {</a:t>
-            </a:r>
-          </a:p>
-          <a:p>
-            <a:r>
-              <a:t>            max-width: 600px;</a:t>
-            </a:r>
-          </a:p>
-          <a:p>
-            <a:r>
-              <a:t>            margin: auto;</a:t>
-            </a:r>
-          </a:p>
-          <a:p>
-            <a:r>
-              <a:t>            padding: 20px;</a:t>
-            </a:r>
-          </a:p>
-          <a:p>
-            <a:r>
-              <a:t>            border: 1px solid #ccc;</a:t>
-            </a:r>
-          </a:p>
-          <a:p>
-            <a:r>
-              <a:t>            border-radius: 10px;</a:t>
-            </a:r>
-          </a:p>
-          <a:p>
-            <a:r>
-              <a:t>            background-color: #f9f9f9;</a:t>
-            </a:r>
-          </a:p>
-          <a:p>
-            <a:r>
-              <a:t>        }</a:t>
-            </a:r>
-          </a:p>
-          <a:p>
-            <a:r>
-              <a:t>        h1 {</a:t>
-            </a:r>
-          </a:p>
-          <a:p>
-            <a:r>
-              <a:t>            text-align: center;</a:t>
-            </a:r>
-          </a:p>
-          <a:p>
-            <a:r>
-              <a:t>            color: #333;</a:t>
-            </a:r>
-          </a:p>
-          <a:p>
-            <a:r>
-              <a:t>        }</a:t>
-            </a:r>
-          </a:p>
-          <a:p>
-            <a:r>
-              <a:t>        .sms {</a:t>
-            </a:r>
-          </a:p>
-          <a:p>
-            <a:r>
-              <a:t>            background-color: #007bff;</a:t>
-            </a:r>
-          </a:p>
-          <a:p>
-            <a:r>
-              <a:t>            color: #fff;</a:t>
-            </a:r>
-          </a:p>
-          <a:p>
-            <a:r>
-              <a:t>            padding: 10px;</a:t>
-            </a:r>
-          </a:p>
-          <a:p>
-            <a:r>
-              <a:t>            border-radius: 5px;</a:t>
-            </a:r>
-          </a:p>
-          <a:p>
-            <a:r>
-              <a:t>            font-family: monospace;</a:t>
-            </a:r>
-          </a:p>
-          <a:p>
-            <a:r>
-              <a:t>            white-space: pre-wrap;</a:t>
-            </a:r>
-          </a:p>
-          <a:p>
-            <a:r>
-              <a:t>        }</a:t>
-            </a:r>
-          </a:p>
-          <a:p>
-            <a:r>
-              <a:t>    &lt;/style&gt;</a:t>
-            </a:r>
-          </a:p>
-          <a:p>
-            <a:r>
-              <a:t>&lt;/head&gt;</a:t>
-            </a:r>
-          </a:p>
-          <a:p>
-            <a:r>
-              <a:t>&lt;body&gt;</a:t>
-            </a:r>
-          </a:p>
-          <a:p>
-            <a:r>
-              <a:t>    &lt;div class="content"&gt;</a:t>
-            </a:r>
-          </a:p>
-          <a:p>
-            <a:r>
-              <a:t>        &lt;h1&gt;Sicherheitslücke - Dringend&lt;/h1&gt;</a:t>
-            </a:r>
-          </a:p>
-          <a:p>
-            <a:r>
-              <a:t>        &lt;p&gt;Hallo IT-Support-Team,&lt;/p&gt;</a:t>
-            </a:r>
-          </a:p>
-          <a:p>
-            <a:r>
-              <a:t>        &lt;p&gt;ich habe gerade eine SMS erhalten, die auf eine neu entdeckte Sicherheitslücke hinweist, die derzeit aktiv ausgenutzt wird. Die Nachricht enthält keine weiteren Details, aber es scheint ernst zu sein.&lt;/p&gt;</a:t>
-            </a:r>
-          </a:p>
-          <a:p>
-            <a:r>
-              <a:t>        &lt;p&gt;Hier ist der Text der SMS:&lt;/p&gt;</a:t>
-            </a:r>
-          </a:p>
-          <a:p>
-            <a:r>
-              <a:t>        &lt;div class="sms"&gt;</a:t>
-            </a:r>
-          </a:p>
-          <a:p>
-            <a:r>
-              <a:t>            "Sicherheitswarnung: Kritische Sicherheitslücke entdeckt. Aktive Ausnutzung durch Angreifer. Sofortige Maßnahmen erforderlich."</a:t>
-            </a:r>
-          </a:p>
-          <a:p>
-            <a:r>
-              <a:t>        &lt;/div&gt;</a:t>
-            </a:r>
-          </a:p>
-          <a:p>
-            <a:r>
-              <a:t>        &lt;p&gt;Ich bin mir nicht sicher, welche Systeme betroffen sind oder welche Maßnahmen ich ergreifen soll. Könnt ihr bitte diese Angelegenheit umgehend prüfen und uns Anweisungen geben, wie wir weiter vorgehen sollen?&lt;/p&gt;</a:t>
-            </a:r>
-          </a:p>
-          <a:p>
-            <a:r>
-              <a:t>        &lt;p&gt;Vielen Dank für eure schnelle Unterstützung.&lt;/p&gt;</a:t>
-            </a:r>
-          </a:p>
-          <a:p>
-            <a:r>
-              <a:t>        &lt;p&gt;Viele Grüße,&lt;/p&gt;</a:t>
-            </a:r>
-          </a:p>
-          <a:p>
-            <a:r>
-              <a:t>        &lt;p&gt;[Ihr Name]&lt;/p&gt;</a:t>
-            </a:r>
-          </a:p>
-          <a:p>
-            <a:r>
-              <a:t>        &lt;p&gt;[Abteilung]&lt;/p&gt;</a:t>
-            </a:r>
-          </a:p>
-          <a:p>
-            <a:r>
-              <a:t>        &lt;p&gt;[Kontaktinformationen]&lt;/p&gt;</a:t>
-            </a:r>
-          </a:p>
-          <a:p>
-            <a:r>
-              <a:t>    &lt;/div&gt;</a:t>
-            </a:r>
-          </a:p>
-          <a:p>
-            <a:r>
-              <a:t>&lt;/body&gt;</a:t>
-            </a:r>
-          </a:p>
-          <a:p>
-            <a:r>
-              <a:t>&lt;/html&gt;</a:t>
-            </a:r>
-          </a:p>
-          <a:p/>
+              <a:t>Description: Ein Mitarbeiter erhält eine SMS mit der Information Über eine neu entdeckte SicherheitslÜcke, die ausgenutzt wird.</a:t>
+            </a:r>
+          </a:p>
           <a:p/>
           <a:p>
             <a:r>
@@ -8084,295 +7833,9 @@
           <a:p/>
           <a:p>
             <a:r>
-              <a:t>Description: &lt;!DOCTYPE html&gt;</a:t>
-            </a:r>
-          </a:p>
-          <a:p>
-            <a:r>
-              <a:t>&lt;html lang="de"&gt;</a:t>
-            </a:r>
-          </a:p>
-          <a:p>
-            <a:r>
-              <a:t>&lt;head&gt;</a:t>
-            </a:r>
-          </a:p>
-          <a:p>
-            <a:r>
-              <a:t>    &lt;meta charset="UTF-8"&gt;</a:t>
-            </a:r>
-          </a:p>
-          <a:p>
-            <a:r>
-              <a:t>    &lt;title&gt;Gefälschter Preisgewinn - Weiterleitung zur Prüfung&lt;/title&gt;</a:t>
-            </a:r>
-          </a:p>
-          <a:p>
-            <a:r>
-              <a:t>    &lt;style&gt;</a:t>
-            </a:r>
-          </a:p>
-          <a:p>
-            <a:r>
-              <a:t>        body {</a:t>
-            </a:r>
-          </a:p>
-          <a:p>
-            <a:r>
-              <a:t>            font-family: Arial, sans-serif;</a:t>
-            </a:r>
-          </a:p>
-          <a:p>
-            <a:r>
-              <a:t>            margin: 20px;</a:t>
-            </a:r>
-          </a:p>
-          <a:p>
-            <a:r>
-              <a:t>            line-height: 1.6;</a:t>
-            </a:r>
-          </a:p>
-          <a:p>
-            <a:r>
-              <a:t>        }</a:t>
-            </a:r>
-          </a:p>
-          <a:p>
-            <a:r>
-              <a:t>        .content {</a:t>
-            </a:r>
-          </a:p>
-          <a:p>
-            <a:r>
-              <a:t>            max-width: 600px;</a:t>
-            </a:r>
-          </a:p>
-          <a:p>
-            <a:r>
-              <a:t>            margin: auto;</a:t>
-            </a:r>
-          </a:p>
-          <a:p>
-            <a:r>
-              <a:t>            padding: 20px;</a:t>
-            </a:r>
-          </a:p>
-          <a:p>
-            <a:r>
-              <a:t>            border: 1px solid #ccc;</a:t>
-            </a:r>
-          </a:p>
-          <a:p>
-            <a:r>
-              <a:t>            border-radius: 10px;</a:t>
-            </a:r>
-          </a:p>
-          <a:p>
-            <a:r>
-              <a:t>            background-color: #f9f9f9;</a:t>
-            </a:r>
-          </a:p>
-          <a:p>
-            <a:r>
-              <a:t>        }</a:t>
-            </a:r>
-          </a:p>
-          <a:p>
-            <a:r>
-              <a:t>        h1 {</a:t>
-            </a:r>
-          </a:p>
-          <a:p>
-            <a:r>
-              <a:t>            text-align: center;</a:t>
-            </a:r>
-          </a:p>
-          <a:p>
-            <a:r>
-              <a:t>            color: #333;</a:t>
-            </a:r>
-          </a:p>
-          <a:p>
-            <a:r>
-              <a:t>        }</a:t>
-            </a:r>
-          </a:p>
-          <a:p>
-            <a:r>
-              <a:t>        .forwarded {</a:t>
-            </a:r>
-          </a:p>
-          <a:p>
-            <a:r>
-              <a:t>            background-color: #e1f5fe;</a:t>
-            </a:r>
-          </a:p>
-          <a:p>
-            <a:r>
-              <a:t>            padding: 10px;</a:t>
-            </a:r>
-          </a:p>
-          <a:p>
-            <a:r>
-              <a:t>            border-left: 5px solid #2196F3;</a:t>
-            </a:r>
-          </a:p>
-          <a:p>
-            <a:r>
-              <a:t>            margin-top: 20px;</a:t>
-            </a:r>
-          </a:p>
-          <a:p>
-            <a:r>
-              <a:t>        }</a:t>
-            </a:r>
-          </a:p>
-          <a:p>
-            <a:r>
-              <a:t>    &lt;/style&gt;</a:t>
-            </a:r>
-          </a:p>
-          <a:p>
-            <a:r>
-              <a:t>&lt;/head&gt;</a:t>
-            </a:r>
-          </a:p>
-          <a:p>
-            <a:r>
-              <a:t>&lt;body&gt;</a:t>
-            </a:r>
-          </a:p>
-          <a:p>
-            <a:r>
-              <a:t>    &lt;div class="content"&gt;</a:t>
-            </a:r>
-          </a:p>
-          <a:p>
-            <a:r>
-              <a:t>        &lt;h1&gt;Gefälschter Preisgewinn - Weiterleitung zur Prüfung&lt;/h1&gt;</a:t>
-            </a:r>
-          </a:p>
-          <a:p>
-            <a:r>
-              <a:t>        &lt;p&gt;Hallo IT-Support-Team,&lt;/p&gt;</a:t>
-            </a:r>
-          </a:p>
-          <a:p>
-            <a:r>
-              <a:t>        &lt;p&gt;ich habe eine verdächtige E-Mail erhalten, die ich zur Prüfung weiterleiten möchte. Sie behauptet, dass ich einen Preis gewonnen habe und persönliche Informationen zur Bestätigung benötige. Ich vermute jedoch, dass es sich um einen Phishing-Versuch handelt.&lt;/p&gt;</a:t>
-            </a:r>
-          </a:p>
-          <a:p>
-            <a:r>
-              <a:t>        &lt;div class="forwarded"&gt;</a:t>
-            </a:r>
-          </a:p>
-          <a:p>
-            <a:r>
-              <a:t>            &lt;p&gt;&lt;strong&gt;Weitergeleitete Nachricht:&lt;/strong&gt;&lt;/p&gt;</a:t>
-            </a:r>
-          </a:p>
-          <a:p>
-            <a:r>
-              <a:t>            &lt;p&gt;Von: "Gewinnspiel-Team" &amp;lt;fake@gewinnspiel.com&amp;gt;&lt;br&gt;</a:t>
-            </a:r>
-          </a:p>
-          <a:p>
-            <a:r>
-              <a:t>            Gesendet: Heute, 11:00 Uhr&lt;br&gt;</a:t>
-            </a:r>
-          </a:p>
-          <a:p>
-            <a:r>
-              <a:t>            Betreff: Herzlichen Glückwunsch! Sie haben gewonnen!&lt;/p&gt;</a:t>
-            </a:r>
-          </a:p>
-          <a:p>
-            <a:r>
-              <a:t>            &lt;p&gt;Sehr geehrte/r Gewinner/in,&lt;/p&gt;</a:t>
-            </a:r>
-          </a:p>
-          <a:p>
-            <a:r>
-              <a:t>            &lt;p&gt;Herzlichen Glückwunsch! Sie wurden als einer unserer glücklichen Gewinner ausgewählt. Um Ihren Preis zu bestätigen, benötigen wir einige persönliche Informationen.&lt;/p&gt;</a:t>
-            </a:r>
-          </a:p>
-          <a:p>
-            <a:r>
-              <a:t>            &lt;p&gt;Bitte klicken Sie auf den folgenden Link und füllen Sie das Formular aus:&lt;/p&gt;</a:t>
-            </a:r>
-          </a:p>
-          <a:p>
-            <a:r>
-              <a:t>            &lt;p&gt;&lt;a href="http://fake-prize-link.com"&gt;Hier bestätigen&lt;/a&gt;&lt;/p&gt;</a:t>
-            </a:r>
-          </a:p>
-          <a:p>
-            <a:r>
-              <a:t>            &lt;p&gt;Vielen Dank und herzlichen Glückwunsch!&lt;/p&gt;</a:t>
-            </a:r>
-          </a:p>
-          <a:p>
-            <a:r>
-              <a:t>            &lt;p&gt;Beste Grüße,&lt;br&gt;</a:t>
-            </a:r>
-          </a:p>
-          <a:p>
-            <a:r>
-              <a:t>            Ihr Gewinnspiel-Team&lt;/p&gt;</a:t>
-            </a:r>
-          </a:p>
-          <a:p>
-            <a:r>
-              <a:t>        &lt;/div&gt;</a:t>
-            </a:r>
-          </a:p>
-          <a:p>
-            <a:r>
-              <a:t>        &lt;p&gt;Ich bin mir nicht sicher, welche Maßnahmen ergriffen werden sollen. Könnt ihr diese E-Mail bitte umgehend prüfen und mir Anweisungen geben, wie weiter vorzugehen ist?&lt;/p&gt;</a:t>
-            </a:r>
-          </a:p>
-          <a:p>
-            <a:r>
-              <a:t>        &lt;p&gt;Vielen Dank für eure schnelle Unterstützung.&lt;/p&gt;</a:t>
-            </a:r>
-          </a:p>
-          <a:p>
-            <a:r>
-              <a:t>        &lt;p&gt;Viele Grüße,&lt;/p&gt;</a:t>
-            </a:r>
-          </a:p>
-          <a:p>
-            <a:r>
-              <a:t>        &lt;p&gt;[Ihr Name]&lt;/p&gt;</a:t>
-            </a:r>
-          </a:p>
-          <a:p>
-            <a:r>
-              <a:t>        &lt;p&gt;[Abteilung]&lt;/p&gt;</a:t>
-            </a:r>
-          </a:p>
-          <a:p>
-            <a:r>
-              <a:t>        &lt;p&gt;[Kontaktinformationen]&lt;/p&gt;</a:t>
-            </a:r>
-          </a:p>
-          <a:p>
-            <a:r>
-              <a:t>    &lt;/div&gt;</a:t>
-            </a:r>
-          </a:p>
-          <a:p>
-            <a:r>
-              <a:t>&lt;/body&gt;</a:t>
-            </a:r>
-          </a:p>
-          <a:p>
-            <a:r>
-              <a:t>&lt;/html&gt;</a:t>
-            </a:r>
-          </a:p>
-          <a:p/>
+              <a:t>Description: Versenden einer E-Mail, die vorgibt, dass der Empfänger einen Preis gewonnen hat und persönliche Informationen zur Bestätigung benötigt.</a:t>
+            </a:r>
+          </a:p>
           <a:p/>
           <a:p>
             <a:r>
@@ -8442,7 +7905,7 @@
           <a:p/>
           <a:p>
             <a:r>
-              <a:t>Description: Übungsende</a:t>
+              <a:t>Description: Stop everything.</a:t>
             </a:r>
           </a:p>
           <a:p/>
@@ -8514,315 +7977,9 @@
           <a:p/>
           <a:p>
             <a:r>
-              <a:t>Description: &lt;!DOCTYPE html&gt;</a:t>
-            </a:r>
-          </a:p>
-          <a:p>
-            <a:r>
-              <a:t>&lt;html lang="de"&gt;</a:t>
-            </a:r>
-          </a:p>
-          <a:p>
-            <a:r>
-              <a:t>&lt;head&gt;</a:t>
-            </a:r>
-          </a:p>
-          <a:p>
-            <a:r>
-              <a:t>    &lt;meta charset="UTF-8"&gt;</a:t>
-            </a:r>
-          </a:p>
-          <a:p>
-            <a:r>
-              <a:t>    &lt;title&gt;Erhöhte Belastung der Datenbank&lt;/title&gt;</a:t>
-            </a:r>
-          </a:p>
-          <a:p>
-            <a:r>
-              <a:t>    &lt;style&gt;</a:t>
-            </a:r>
-          </a:p>
-          <a:p>
-            <a:r>
-              <a:t>        body {</a:t>
-            </a:r>
-          </a:p>
-          <a:p>
-            <a:r>
-              <a:t>            font-family: Arial, sans-serif;</a:t>
-            </a:r>
-          </a:p>
-          <a:p>
-            <a:r>
-              <a:t>            margin: 20px;</a:t>
-            </a:r>
-          </a:p>
-          <a:p>
-            <a:r>
-              <a:t>            line-height: 1.6;</a:t>
-            </a:r>
-          </a:p>
-          <a:p>
-            <a:r>
-              <a:t>        }</a:t>
-            </a:r>
-          </a:p>
-          <a:p>
-            <a:r>
-              <a:t>        .content {</a:t>
-            </a:r>
-          </a:p>
-          <a:p>
-            <a:r>
-              <a:t>            max-width: 600px;</a:t>
-            </a:r>
-          </a:p>
-          <a:p>
-            <a:r>
-              <a:t>            margin: auto;</a:t>
-            </a:r>
-          </a:p>
-          <a:p>
-            <a:r>
-              <a:t>            padding: 20px;</a:t>
-            </a:r>
-          </a:p>
-          <a:p>
-            <a:r>
-              <a:t>            border: 1px solid #ccc;</a:t>
-            </a:r>
-          </a:p>
-          <a:p>
-            <a:r>
-              <a:t>            border-radius: 10px;</a:t>
-            </a:r>
-          </a:p>
-          <a:p>
-            <a:r>
-              <a:t>            background-color: #f9f9f9;</a:t>
-            </a:r>
-          </a:p>
-          <a:p>
-            <a:r>
-              <a:t>        }</a:t>
-            </a:r>
-          </a:p>
-          <a:p>
-            <a:r>
-              <a:t>        h1 {</a:t>
-            </a:r>
-          </a:p>
-          <a:p>
-            <a:r>
-              <a:t>            text-align: center;</a:t>
-            </a:r>
-          </a:p>
-          <a:p>
-            <a:r>
-              <a:t>            color: #333;</a:t>
-            </a:r>
-          </a:p>
-          <a:p>
-            <a:r>
-              <a:t>        }</a:t>
-            </a:r>
-          </a:p>
-          <a:p>
-            <a:r>
-              <a:t>        .log {</a:t>
-            </a:r>
-          </a:p>
-          <a:p>
-            <a:r>
-              <a:t>            background-color: #333;</a:t>
-            </a:r>
-          </a:p>
-          <a:p>
-            <a:r>
-              <a:t>            color: #fff;</a:t>
-            </a:r>
-          </a:p>
-          <a:p>
-            <a:r>
-              <a:t>            padding: 10px;</a:t>
-            </a:r>
-          </a:p>
-          <a:p>
-            <a:r>
-              <a:t>            border-radius: 5px;</a:t>
-            </a:r>
-          </a:p>
-          <a:p>
-            <a:r>
-              <a:t>            font-family: monospace;</a:t>
-            </a:r>
-          </a:p>
-          <a:p>
-            <a:r>
-              <a:t>        }</a:t>
-            </a:r>
-          </a:p>
-          <a:p>
-            <a:r>
-              <a:t>    &lt;/style&gt;</a:t>
-            </a:r>
-          </a:p>
-          <a:p>
-            <a:r>
-              <a:t>&lt;/head&gt;</a:t>
-            </a:r>
-          </a:p>
-          <a:p>
-            <a:r>
-              <a:t>&lt;body&gt;</a:t>
-            </a:r>
-          </a:p>
-          <a:p>
-            <a:r>
-              <a:t>    &lt;div class="content"&gt;</a:t>
-            </a:r>
-          </a:p>
-          <a:p>
-            <a:r>
-              <a:t>        &lt;h1&gt;Erhöhte Belastung der Datenbank&lt;/h1&gt;</a:t>
-            </a:r>
-          </a:p>
-          <a:p>
-            <a:r>
-              <a:t>        &lt;p&gt;Hallo IT-Team,&lt;/p&gt;</a:t>
-            </a:r>
-          </a:p>
-          <a:p>
-            <a:r>
-              <a:t>        &lt;p&gt;ich möchte euch darauf aufmerksam machen, dass ich in den letzten Stunden eine erhöhte Belastung unserer Datenbank durch ungewöhnliche SQL-Abfragen beobachtet habe. Diese Abfragen führen zu erheblichen Performance-Einbußen und beeinträchtigen die normale Funktionalität unserer Anwendungen.&lt;/p&gt;</a:t>
-            </a:r>
-          </a:p>
-          <a:p>
-            <a:r>
-              <a:t>        &lt;p&gt;Hier einige Details:&lt;/p&gt;</a:t>
-            </a:r>
-          </a:p>
-          <a:p>
-            <a:r>
-              <a:t>        &lt;ul&gt;</a:t>
-            </a:r>
-          </a:p>
-          <a:p>
-            <a:r>
-              <a:t>            &lt;li&gt;&lt;strong&gt;Zeitpunkt des Auftretens:&lt;/strong&gt; Heute, ab ca. 10:30 Uhr&lt;/li&gt;</a:t>
-            </a:r>
-          </a:p>
-          <a:p>
-            <a:r>
-              <a:t>            &lt;li&gt;&lt;strong&gt;Art der Abfragen:&lt;/strong&gt; Komplexe JOINs und Sub-Queries, die ungewöhnlich viel Zeit und Ressourcen beanspruchen&lt;/li&gt;</a:t>
-            </a:r>
-          </a:p>
-          <a:p>
-            <a:r>
-              <a:t>            &lt;li&gt;&lt;strong&gt;Betroffene Datenbank:&lt;/strong&gt; [Name der Datenbank]&lt;/li&gt;</a:t>
-            </a:r>
-          </a:p>
-          <a:p>
-            <a:r>
-              <a:t>            &lt;li&gt;&lt;strong&gt;Auswirkungen:&lt;/strong&gt; Verlangsamung der Anwendungsleistung, gelegentliche Timeouts&lt;/li&gt;</a:t>
-            </a:r>
-          </a:p>
-          <a:p>
-            <a:r>
-              <a:t>        &lt;/ul&gt;</a:t>
-            </a:r>
-          </a:p>
-          <a:p>
-            <a:r>
-              <a:t>        &lt;p&gt;Ich habe bereits einige der auffälligen Abfragen identifiziert und protokolliert. Es wäre hilfreich, wenn wir diese zeitnah analysieren und entsprechende Maßnahmen ergreifen könnten, um die Performance wiederherzustellen.&lt;/p&gt;</a:t>
-            </a:r>
-          </a:p>
-          <a:p>
-            <a:r>
-              <a:t>        &lt;p&gt;Hier ist ein Auszug aus dem Performance-Log:&lt;/p&gt;</a:t>
-            </a:r>
-          </a:p>
-          <a:p>
-            <a:r>
-              <a:t>        &lt;div class="log"&gt;</a:t>
-            </a:r>
-          </a:p>
-          <a:p>
-            <a:r>
-              <a:t>            2024-06-04 10:31:12 - Query Time: 45s - SELECT * FROM orders JOIN customers ON orders.customer_id = customers.id WHERE orders.date &gt; '2024-01-01';&lt;br&gt;</a:t>
-            </a:r>
-          </a:p>
-          <a:p>
-            <a:r>
-              <a:t>            2024-06-04 10:32:05 - Query Time: 50s - SELECT * FROM sales JOIN products ON sales.product_id = products.id WHERE sales.amount &gt; 1000;&lt;br&gt;</a:t>
-            </a:r>
-          </a:p>
-          <a:p>
-            <a:r>
-              <a:t>            2024-06-04 10:33:14 - Query Time: 40s - SELECT * FROM transactions WHERE EXISTS (SELECT 1 FROM accounts WHERE transactions.account_id = accounts.id AND accounts.balance &gt; 5000);&lt;br&gt;</a:t>
-            </a:r>
-          </a:p>
-          <a:p>
-            <a:r>
-              <a:t>            2024-06-04 10:34:45 - Query Time: 55s - SELECT * FROM users JOIN roles ON users.role_id = roles.id WHERE roles.name = 'admin';&lt;br&gt;</a:t>
-            </a:r>
-          </a:p>
-          <a:p>
-            <a:r>
-              <a:t>            2024-06-04 10:35:30 - Query Time: 48s - SELECT * FROM logs WHERE event = 'login' AND timestamp &gt; '2024-06-04 09:00:00';&lt;br&gt;</a:t>
-            </a:r>
-          </a:p>
-          <a:p>
-            <a:r>
-              <a:t>        &lt;/div&gt;</a:t>
-            </a:r>
-          </a:p>
-          <a:p>
-            <a:r>
-              <a:t>        &lt;p&gt;Bitte lasst mich wissen, wie wir am besten vorgehen sollen.&lt;/p&gt;</a:t>
-            </a:r>
-          </a:p>
-          <a:p>
-            <a:r>
-              <a:t>        &lt;p&gt;Vielen Dank für eure Unterstützung.&lt;/p&gt;</a:t>
-            </a:r>
-          </a:p>
-          <a:p>
-            <a:r>
-              <a:t>        &lt;p&gt;Beste Grüße,&lt;/p&gt;</a:t>
-            </a:r>
-          </a:p>
-          <a:p>
-            <a:r>
-              <a:t>        &lt;p&gt;[Ihr Name]&lt;/p&gt;</a:t>
-            </a:r>
-          </a:p>
-          <a:p>
-            <a:r>
-              <a:t>        &lt;p&gt;Datenbankadministrator&lt;/p&gt;</a:t>
-            </a:r>
-          </a:p>
-          <a:p>
-            <a:r>
-              <a:t>        &lt;p&gt;[Kontaktinformationen]&lt;/p&gt;</a:t>
-            </a:r>
-          </a:p>
-          <a:p>
-            <a:r>
-              <a:t>    &lt;/div&gt;</a:t>
-            </a:r>
-          </a:p>
-          <a:p>
-            <a:r>
-              <a:t>&lt;/body&gt;</a:t>
-            </a:r>
-          </a:p>
-          <a:p>
-            <a:r>
-              <a:t>&lt;/html&gt;</a:t>
-            </a:r>
-          </a:p>
-          <a:p/>
+              <a:t>Description: Ein Datenbankadministrator meldet persönlich, dass ungewöhnliche SQL-Abfragen die Datenbank belasten.</a:t>
+            </a:r>
+          </a:p>
           <a:p/>
           <a:p>
             <a:r>
@@ -8892,7 +8049,7 @@
           <a:p/>
           <a:p>
             <a:r>
-              <a:t>Description: Übungspause</a:t>
+              <a:t>Description: Break.</a:t>
             </a:r>
           </a:p>
           <a:p/>
@@ -8964,200 +8121,9 @@
           <a:p/>
           <a:p>
             <a:r>
-              <a:t>Description: &lt;!DOCTYPE html&gt;</a:t>
-            </a:r>
-          </a:p>
-          <a:p>
-            <a:r>
-              <a:t>&lt;html lang="de"&gt;</a:t>
-            </a:r>
-          </a:p>
-          <a:p>
-            <a:r>
-              <a:t>&lt;head&gt;</a:t>
-            </a:r>
-          </a:p>
-          <a:p>
-            <a:r>
-              <a:t>    &lt;meta charset="UTF-8"&gt;</a:t>
-            </a:r>
-          </a:p>
-          <a:p>
-            <a:r>
-              <a:t>    &lt;title&gt;Langsame Netzwerkgeschwindigkeit&lt;/title&gt;</a:t>
-            </a:r>
-          </a:p>
-          <a:p>
-            <a:r>
-              <a:t>    &lt;style&gt;</a:t>
-            </a:r>
-          </a:p>
-          <a:p>
-            <a:r>
-              <a:t>        body {</a:t>
-            </a:r>
-          </a:p>
-          <a:p>
-            <a:r>
-              <a:t>            font-family: Arial, sans-serif;</a:t>
-            </a:r>
-          </a:p>
-          <a:p>
-            <a:r>
-              <a:t>            margin: 20px;</a:t>
-            </a:r>
-          </a:p>
-          <a:p>
-            <a:r>
-              <a:t>            line-height: 1.6;</a:t>
-            </a:r>
-          </a:p>
-          <a:p>
-            <a:r>
-              <a:t>        }</a:t>
-            </a:r>
-          </a:p>
-          <a:p>
-            <a:r>
-              <a:t>        .content {</a:t>
-            </a:r>
-          </a:p>
-          <a:p>
-            <a:r>
-              <a:t>            max-width: 600px;</a:t>
-            </a:r>
-          </a:p>
-          <a:p>
-            <a:r>
-              <a:t>            margin: auto;</a:t>
-            </a:r>
-          </a:p>
-          <a:p>
-            <a:r>
-              <a:t>            padding: 20px;</a:t>
-            </a:r>
-          </a:p>
-          <a:p>
-            <a:r>
-              <a:t>            border: 1px solid #ccc;</a:t>
-            </a:r>
-          </a:p>
-          <a:p>
-            <a:r>
-              <a:t>            border-radius: 10px;</a:t>
-            </a:r>
-          </a:p>
-          <a:p>
-            <a:r>
-              <a:t>            background-color: #f9f9f9;</a:t>
-            </a:r>
-          </a:p>
-          <a:p>
-            <a:r>
-              <a:t>        }</a:t>
-            </a:r>
-          </a:p>
-          <a:p>
-            <a:r>
-              <a:t>        h1 {</a:t>
-            </a:r>
-          </a:p>
-          <a:p>
-            <a:r>
-              <a:t>            text-align: center;</a:t>
-            </a:r>
-          </a:p>
-          <a:p>
-            <a:r>
-              <a:t>            color: #333;</a:t>
-            </a:r>
-          </a:p>
-          <a:p>
-            <a:r>
-              <a:t>        }</a:t>
-            </a:r>
-          </a:p>
-          <a:p>
-            <a:r>
-              <a:t>    &lt;/style&gt;</a:t>
-            </a:r>
-          </a:p>
-          <a:p>
-            <a:r>
-              <a:t>&lt;/head&gt;</a:t>
-            </a:r>
-          </a:p>
-          <a:p>
-            <a:r>
-              <a:t>&lt;body&gt;</a:t>
-            </a:r>
-          </a:p>
-          <a:p>
-            <a:r>
-              <a:t>    &lt;div class="content"&gt;</a:t>
-            </a:r>
-          </a:p>
-          <a:p>
-            <a:r>
-              <a:t>        &lt;h1&gt;Langsame Netzwerkgeschwindigkeit&lt;/h1&gt;</a:t>
-            </a:r>
-          </a:p>
-          <a:p>
-            <a:r>
-              <a:t>        &lt;p&gt;Hallo IT-Team,&lt;/p&gt;</a:t>
-            </a:r>
-          </a:p>
-          <a:p>
-            <a:r>
-              <a:t>        &lt;p&gt;ich wollte euch informieren, dass die Netzwerkgeschwindigkeit seit heute Morgen sehr langsam ist. Es dauert sehr lange, E-Mails zu laden und auf unsere internen Systeme zuzugreifen.&lt;/p&gt;</a:t>
-            </a:r>
-          </a:p>
-          <a:p>
-            <a:r>
-              <a:t>        &lt;p&gt;Ich bin mir nicht sicher, woran es liegt, aber es beeinträchtigt meine Arbeit. Könnt ihr das bitte überprüfen?&lt;/p&gt;</a:t>
-            </a:r>
-          </a:p>
-          <a:p>
-            <a:r>
-              <a:t>        &lt;p&gt;Vielen Dank für eure Hilfe.&lt;/p&gt;</a:t>
-            </a:r>
-          </a:p>
-          <a:p>
-            <a:r>
-              <a:t>        &lt;p&gt;Viele Grüße,&lt;/p&gt;</a:t>
-            </a:r>
-          </a:p>
-          <a:p>
-            <a:r>
-              <a:t>        &lt;p&gt;[Ihr Name]&lt;/p&gt;</a:t>
-            </a:r>
-          </a:p>
-          <a:p>
-            <a:r>
-              <a:t>        &lt;p&gt;[Abteilung]&lt;/p&gt;</a:t>
-            </a:r>
-          </a:p>
-          <a:p>
-            <a:r>
-              <a:t>        &lt;p&gt;[Kontaktinformationen]&lt;/p&gt;</a:t>
-            </a:r>
-          </a:p>
-          <a:p>
-            <a:r>
-              <a:t>    &lt;/div&gt;</a:t>
-            </a:r>
-          </a:p>
-          <a:p>
-            <a:r>
-              <a:t>&lt;/body&gt;</a:t>
-            </a:r>
-          </a:p>
-          <a:p>
-            <a:r>
-              <a:t>&lt;/html&gt;</a:t>
-            </a:r>
-          </a:p>
-          <a:p/>
+              <a:t>Description: Ein Mitarbeiter ruft an und meldet, dass die Kommunikation Über das interne Netzwerk ungewöhnlich langsam ist.</a:t>
+            </a:r>
+          </a:p>
           <a:p/>
           <a:p>
             <a:r>
@@ -9227,300 +8193,9 @@
           <a:p/>
           <a:p>
             <a:r>
-              <a:t>Description: &lt;!DOCTYPE html&gt;</a:t>
-            </a:r>
-          </a:p>
-          <a:p>
-            <a:r>
-              <a:t>&lt;html lang="de"&gt;</a:t>
-            </a:r>
-          </a:p>
-          <a:p>
-            <a:r>
-              <a:t>&lt;head&gt;</a:t>
-            </a:r>
-          </a:p>
-          <a:p>
-            <a:r>
-              <a:t>    &lt;meta charset="UTF-8"&gt;</a:t>
-            </a:r>
-          </a:p>
-          <a:p>
-            <a:r>
-              <a:t>    &lt;title&gt;Netzwerkgeschwindigkeitsproblem&lt;/title&gt;</a:t>
-            </a:r>
-          </a:p>
-          <a:p>
-            <a:r>
-              <a:t>    &lt;style&gt;</a:t>
-            </a:r>
-          </a:p>
-          <a:p>
-            <a:r>
-              <a:t>        body {</a:t>
-            </a:r>
-          </a:p>
-          <a:p>
-            <a:r>
-              <a:t>            font-family: Arial, sans-serif;</a:t>
-            </a:r>
-          </a:p>
-          <a:p>
-            <a:r>
-              <a:t>            margin: 20px;</a:t>
-            </a:r>
-          </a:p>
-          <a:p>
-            <a:r>
-              <a:t>            line-height: 1.6;</a:t>
-            </a:r>
-          </a:p>
-          <a:p>
-            <a:r>
-              <a:t>        }</a:t>
-            </a:r>
-          </a:p>
-          <a:p>
-            <a:r>
-              <a:t>        .content {</a:t>
-            </a:r>
-          </a:p>
-          <a:p>
-            <a:r>
-              <a:t>            max-width: 600px;</a:t>
-            </a:r>
-          </a:p>
-          <a:p>
-            <a:r>
-              <a:t>            margin: auto;</a:t>
-            </a:r>
-          </a:p>
-          <a:p>
-            <a:r>
-              <a:t>            padding: 20px;</a:t>
-            </a:r>
-          </a:p>
-          <a:p>
-            <a:r>
-              <a:t>            border: 1px solid #ccc;</a:t>
-            </a:r>
-          </a:p>
-          <a:p>
-            <a:r>
-              <a:t>            border-radius: 10px;</a:t>
-            </a:r>
-          </a:p>
-          <a:p>
-            <a:r>
-              <a:t>            background-color: #f9f9f9;</a:t>
-            </a:r>
-          </a:p>
-          <a:p>
-            <a:r>
-              <a:t>        }</a:t>
-            </a:r>
-          </a:p>
-          <a:p>
-            <a:r>
-              <a:t>        h1 {</a:t>
-            </a:r>
-          </a:p>
-          <a:p>
-            <a:r>
-              <a:t>            text-align: center;</a:t>
-            </a:r>
-          </a:p>
-          <a:p>
-            <a:r>
-              <a:t>            color: #333;</a:t>
-            </a:r>
-          </a:p>
-          <a:p>
-            <a:r>
-              <a:t>        }</a:t>
-            </a:r>
-          </a:p>
-          <a:p>
-            <a:r>
-              <a:t>        .details {</a:t>
-            </a:r>
-          </a:p>
-          <a:p>
-            <a:r>
-              <a:t>            margin-top: 20px;</a:t>
-            </a:r>
-          </a:p>
-          <a:p>
-            <a:r>
-              <a:t>        }</a:t>
-            </a:r>
-          </a:p>
-          <a:p>
-            <a:r>
-              <a:t>        .details p {</a:t>
-            </a:r>
-          </a:p>
-          <a:p>
-            <a:r>
-              <a:t>            margin: 5px 0;</a:t>
-            </a:r>
-          </a:p>
-          <a:p>
-            <a:r>
-              <a:t>        }</a:t>
-            </a:r>
-          </a:p>
-          <a:p>
-            <a:r>
-              <a:t>    &lt;/style&gt;</a:t>
-            </a:r>
-          </a:p>
-          <a:p>
-            <a:r>
-              <a:t>&lt;/head&gt;</a:t>
-            </a:r>
-          </a:p>
-          <a:p>
-            <a:r>
-              <a:t>&lt;body&gt;</a:t>
-            </a:r>
-          </a:p>
-          <a:p>
-            <a:r>
-              <a:t>    &lt;div class="content"&gt;</a:t>
-            </a:r>
-          </a:p>
-          <a:p>
-            <a:r>
-              <a:t>        &lt;h1&gt;Netzwerkgeschwindigkeitsproblem&lt;/h1&gt;</a:t>
-            </a:r>
-          </a:p>
-          <a:p>
-            <a:r>
-              <a:t>        &lt;p&gt;Sehr geehrter IT-Support,&lt;/p&gt;</a:t>
-            </a:r>
-          </a:p>
-          <a:p>
-            <a:r>
-              <a:t>        &lt;p&gt;ich möchte Ihnen mitteilen, dass ich seit heute Morgen eine ungewöhnlich langsame Netzwerkgeschwindigkeit in unserem internen Netzwerk bemerke. Diese Verzögerungen beeinträchtigen meine Arbeit erheblich, da sowohl das Abrufen von E-Mails als auch der Zugriff auf interne Server extrem langsam erfolgt.&lt;/p&gt;</a:t>
-            </a:r>
-          </a:p>
-          <a:p>
-            <a:r>
-              <a:t>        </a:t>
-            </a:r>
-          </a:p>
-          <a:p>
-            <a:r>
-              <a:t>        &lt;div class="details"&gt;</a:t>
-            </a:r>
-          </a:p>
-          <a:p>
-            <a:r>
-              <a:t>            &lt;p&gt;&lt;strong&gt;Hier einige Details zur Problematik:&lt;/strong&gt;&lt;/p&gt;</a:t>
-            </a:r>
-          </a:p>
-          <a:p>
-            <a:r>
-              <a:t>            &lt;p&gt;&lt;strong&gt;Datum und Uhrzeit des Auftretens:&lt;/strong&gt; Heute, seit ca. 09:00 Uhr&lt;/p&gt;</a:t>
-            </a:r>
-          </a:p>
-          <a:p>
-            <a:r>
-              <a:t>            &lt;p&gt;&lt;strong&gt;Betroffene Anwendungen:&lt;/strong&gt; E-Mail, internes CRM-System, Dokumentenmanagementsystem&lt;/p&gt;</a:t>
-            </a:r>
-          </a:p>
-          <a:p>
-            <a:r>
-              <a:t>            &lt;p&gt;&lt;strong&gt;Standort:&lt;/strong&gt; Büro Nr. 205, 2. Stock&lt;/p&gt;</a:t>
-            </a:r>
-          </a:p>
-          <a:p>
-            <a:r>
-              <a:t>            &lt;p&gt;&lt;strong&gt;Netzwerkanbindung:&lt;/strong&gt; Kabelgebunden&lt;/p&gt;</a:t>
-            </a:r>
-          </a:p>
-          <a:p>
-            <a:r>
-              <a:t>        &lt;/div&gt;</a:t>
-            </a:r>
-          </a:p>
-          <a:p>
-            <a:r>
-              <a:t>        </a:t>
-            </a:r>
-          </a:p>
-          <a:p>
-            <a:r>
-              <a:t>        &lt;p&gt;Ich habe bereits die üblichen Schritte zur Fehlerbehebung unternommen, wie das Neustarten meines Computers und das Überprüfen der Kabelverbindungen. Leider hat dies keine Verbesserung gebracht.&lt;/p&gt;</a:t>
-            </a:r>
-          </a:p>
-          <a:p>
-            <a:r>
-              <a:t>        </a:t>
-            </a:r>
-          </a:p>
-          <a:p>
-            <a:r>
-              <a:t>        &lt;p&gt;Ich bitte Sie daher dringend, diese Angelegenheit zu prüfen und zu beheben, da die aktuelle Situation die Arbeitsabläufe erheblich stört.&lt;/p&gt;</a:t>
-            </a:r>
-          </a:p>
-          <a:p>
-            <a:r>
-              <a:t>        </a:t>
-            </a:r>
-          </a:p>
-          <a:p>
-            <a:r>
-              <a:t>        &lt;p&gt;Vielen Dank im Voraus für Ihre schnelle Unterstützung.&lt;/p&gt;</a:t>
-            </a:r>
-          </a:p>
-          <a:p>
-            <a:r>
-              <a:t>        </a:t>
-            </a:r>
-          </a:p>
-          <a:p>
-            <a:r>
-              <a:t>        &lt;p&gt;Mit freundlichen Grüßen,&lt;/p&gt;</a:t>
-            </a:r>
-          </a:p>
-          <a:p>
-            <a:r>
-              <a:t>        &lt;p&gt;[Ihr Name]&lt;/p&gt;</a:t>
-            </a:r>
-          </a:p>
-          <a:p>
-            <a:r>
-              <a:t>        &lt;p&gt;[Ihre Position]&lt;/p&gt;</a:t>
-            </a:r>
-          </a:p>
-          <a:p>
-            <a:r>
-              <a:t>        &lt;p&gt;[Abteilung]&lt;/p&gt;</a:t>
-            </a:r>
-          </a:p>
-          <a:p>
-            <a:r>
-              <a:t>        &lt;p&gt;[Kontaktinformationen]&lt;/p&gt;</a:t>
-            </a:r>
-          </a:p>
-          <a:p>
-            <a:r>
-              <a:t>    &lt;/div&gt;</a:t>
-            </a:r>
-          </a:p>
-          <a:p>
-            <a:r>
-              <a:t>&lt;/body&gt;</a:t>
-            </a:r>
-          </a:p>
-          <a:p>
-            <a:r>
-              <a:t>&lt;/html&gt;</a:t>
-            </a:r>
-          </a:p>
-          <a:p/>
+              <a:t>Description: Ein Mitarbeiter ruft an und meldet, dass die Kommunikation Über das interne Netzwerk ungewöhnlich langsam ist.</a:t>
+            </a:r>
+          </a:p>
           <a:p/>
           <a:p>
             <a:r>
@@ -9590,25 +8265,7 @@
           <a:p/>
           <a:p>
             <a:r>
-              <a:t>Description: Hallo, </a:t>
-            </a:r>
-          </a:p>
-          <a:p/>
-          <a:p>
-            <a:r>
-              <a:t>ich habe heute eine E-Mail bekommen, die durchaus vertrauenswürdig erscheint. Allerdings schickt mir dieser Absender sonst keine solchen Anhänge. Eventuell handelt es sich um eine Phishing Mail.</a:t>
-            </a:r>
-          </a:p>
-          <a:p/>
-          <a:p>
-            <a:r>
-              <a:t>Beste Gruesse</a:t>
-            </a:r>
-          </a:p>
-          <a:p/>
-          <a:p>
-            <a:r>
-              <a:t>Kurt Lamensloh</a:t>
+              <a:t>Description: Ein Mitarbeiter meldet eine verdächtige E-Mail, die einen Anhang mit einem seltsamen Namen enthält.</a:t>
             </a:r>
           </a:p>
           <a:p/>
@@ -9680,290 +8337,9 @@
           <a:p/>
           <a:p>
             <a:r>
-              <a:t>Description: &lt;!DOCTYPE html&gt;</a:t>
-            </a:r>
-          </a:p>
-          <a:p>
-            <a:r>
-              <a:t>&lt;html lang="de"&gt;</a:t>
-            </a:r>
-          </a:p>
-          <a:p>
-            <a:r>
-              <a:t>&lt;head&gt;</a:t>
-            </a:r>
-          </a:p>
-          <a:p>
-            <a:r>
-              <a:t>    &lt;meta charset="UTF-8"&gt;</a:t>
-            </a:r>
-          </a:p>
-          <a:p>
-            <a:r>
-              <a:t>    &lt;meta name="viewport" content="width=device-width, initial-scale=1.0"&gt;</a:t>
-            </a:r>
-          </a:p>
-          <a:p>
-            <a:r>
-              <a:t>    &lt;title&gt;Systemmeldung&lt;/title&gt;</a:t>
-            </a:r>
-          </a:p>
-          <a:p>
-            <a:r>
-              <a:t>    &lt;style&gt;</a:t>
-            </a:r>
-          </a:p>
-          <a:p>
-            <a:r>
-              <a:t>        .system-message {</a:t>
-            </a:r>
-          </a:p>
-          <a:p>
-            <a:r>
-              <a:t>            border: 2px solid red;</a:t>
-            </a:r>
-          </a:p>
-          <a:p>
-            <a:r>
-              <a:t>            padding: 20px;</a:t>
-            </a:r>
-          </a:p>
-          <a:p>
-            <a:r>
-              <a:t>            background-color: #f8d7da;</a:t>
-            </a:r>
-          </a:p>
-          <a:p>
-            <a:r>
-              <a:t>            color: #721c24;</a:t>
-            </a:r>
-          </a:p>
-          <a:p>
-            <a:r>
-              <a:t>            font-family: Arial, sans-serif;</a:t>
-            </a:r>
-          </a:p>
-          <a:p>
-            <a:r>
-              <a:t>        }</a:t>
-            </a:r>
-          </a:p>
-          <a:p>
-            <a:r>
-              <a:t>        .system-message h3 {</a:t>
-            </a:r>
-          </a:p>
-          <a:p>
-            <a:r>
-              <a:t>            margin-top: 0;</a:t>
-            </a:r>
-          </a:p>
-          <a:p>
-            <a:r>
-              <a:t>        }</a:t>
-            </a:r>
-          </a:p>
-          <a:p>
-            <a:r>
-              <a:t>        .system-message pre {</a:t>
-            </a:r>
-          </a:p>
-          <a:p>
-            <a:r>
-              <a:t>            background-color: #f1f1f1;</a:t>
-            </a:r>
-          </a:p>
-          <a:p>
-            <a:r>
-              <a:t>            padding: 10px;</a:t>
-            </a:r>
-          </a:p>
-          <a:p>
-            <a:r>
-              <a:t>            border: 1px solid #ccc;</a:t>
-            </a:r>
-          </a:p>
-          <a:p>
-            <a:r>
-              <a:t>            overflow-x: auto;</a:t>
-            </a:r>
-          </a:p>
-          <a:p>
-            <a:r>
-              <a:t>        }</a:t>
-            </a:r>
-          </a:p>
-          <a:p>
-            <a:r>
-              <a:t>        .system-message ul {</a:t>
-            </a:r>
-          </a:p>
-          <a:p>
-            <a:r>
-              <a:t>            padding-left: 20px;</a:t>
-            </a:r>
-          </a:p>
-          <a:p>
-            <a:r>
-              <a:t>        }</a:t>
-            </a:r>
-          </a:p>
-          <a:p>
-            <a:r>
-              <a:t>    &lt;/style&gt;</a:t>
-            </a:r>
-          </a:p>
-          <a:p>
-            <a:r>
-              <a:t>&lt;/head&gt;</a:t>
-            </a:r>
-          </a:p>
-          <a:p>
-            <a:r>
-              <a:t>&lt;body&gt;</a:t>
-            </a:r>
-          </a:p>
-          <a:p>
-            <a:r>
-              <a:t>    &lt;div class="system-message"&gt;</a:t>
-            </a:r>
-          </a:p>
-          <a:p>
-            <a:r>
-              <a:t>        &lt;h3&gt;ALERT&lt;/h3&gt;</a:t>
-            </a:r>
-          </a:p>
-          <a:p>
-            <a:r>
-              <a:t>        &lt;p&gt;Eine hohe Anzahl fehlgeschlagener Anmeldeversuche wurde registriert.&lt;/p&gt;</a:t>
-            </a:r>
-          </a:p>
-          <a:p>
-            <a:r>
-              <a:t>        &lt;h4&gt;Details:&lt;/h4&gt;</a:t>
-            </a:r>
-          </a:p>
-          <a:p>
-            <a:r>
-              <a:t>        &lt;p&gt;&lt;strong&gt;Datum/Zeit:&lt;/strong&gt; 2024-06-04 14:35:27&lt;/p&gt;</a:t>
-            </a:r>
-          </a:p>
-          <a:p>
-            <a:r>
-              <a:t>        &lt;p&gt;&lt;strong&gt;Betroffene Benutzerkonten:&lt;/strong&gt; user123, user456, admin01&lt;/p&gt;</a:t>
-            </a:r>
-          </a:p>
-          <a:p>
-            <a:r>
-              <a:t>        &lt;p&gt;&lt;strong&gt;Anzahl fehlgeschlagener Versuche:&lt;/strong&gt; 150&lt;/p&gt;</a:t>
-            </a:r>
-          </a:p>
-          <a:p>
-            <a:r>
-              <a:t>        &lt;p&gt;&lt;strong&gt;Ursprungs-IP-Adressen:&lt;/strong&gt; 192.168.1.10, 192.168.1.15, 203.0.113.5&lt;/p&gt;</a:t>
-            </a:r>
-          </a:p>
-          <a:p>
-            <a:r>
-              <a:t>        &lt;h4&gt;Logauszug:&lt;/h4&gt;</a:t>
-            </a:r>
-          </a:p>
-          <a:p>
-            <a:r>
-              <a:t>        &lt;pre&gt;</a:t>
-            </a:r>
-          </a:p>
-          <a:p>
-            <a:r>
-              <a:t>2024-06-04 14:30:12 - LOGIN FAILED - user123 - 192.168.1.10</a:t>
-            </a:r>
-          </a:p>
-          <a:p>
-            <a:r>
-              <a:t>2024-06-04 14:30:25 - LOGIN FAILED - user456 - 192.168.1.15</a:t>
-            </a:r>
-          </a:p>
-          <a:p>
-            <a:r>
-              <a:t>2024-06-04 14:30:35 - LOGIN FAILED - admin01 - 203.0.113.5</a:t>
-            </a:r>
-          </a:p>
-          <a:p>
-            <a:r>
-              <a:t>2024-06-04 14:31:05 - LOGIN FAILED - user123 - 192.168.1.10</a:t>
-            </a:r>
-          </a:p>
-          <a:p>
-            <a:r>
-              <a:t>2024-06-04 14:31:15 - LOGIN FAILED - user456 - 192.168.1.15</a:t>
-            </a:r>
-          </a:p>
-          <a:p>
-            <a:r>
-              <a:t>...</a:t>
-            </a:r>
-          </a:p>
-          <a:p>
-            <a:r>
-              <a:t>        &lt;/pre&gt;</a:t>
-            </a:r>
-          </a:p>
-          <a:p>
-            <a:r>
-              <a:t>        &lt;h4&gt;Empfohlene Maßnahmen:&lt;/h4&gt;</a:t>
-            </a:r>
-          </a:p>
-          <a:p>
-            <a:r>
-              <a:t>        &lt;ul&gt;</a:t>
-            </a:r>
-          </a:p>
-          <a:p>
-            <a:r>
-              <a:t>            &lt;li&gt;Überprüfen Sie die betroffenen Konten auf verdächtige Aktivitäten.&lt;/li&gt;</a:t>
-            </a:r>
-          </a:p>
-          <a:p>
-            <a:r>
-              <a:t>            &lt;li&gt;Setzen Sie bei Bedarf Sicherheitsrichtlinien durch, wie z.B. Passwort-Resets.&lt;/li&gt;</a:t>
-            </a:r>
-          </a:p>
-          <a:p>
-            <a:r>
-              <a:t>            &lt;li&gt;Überwachen Sie weiterhin die Anmeldeversuche und passen Sie die Sicherheitsmaßnahmen entsprechend an.&lt;/li&gt;</a:t>
-            </a:r>
-          </a:p>
-          <a:p>
-            <a:r>
-              <a:t>        &lt;/ul&gt;</a:t>
-            </a:r>
-          </a:p>
-          <a:p>
-            <a:r>
-              <a:t>        &lt;p&gt;Diese Meldung wurde automatisch vom Sicherheitssystem generiert.&lt;/p&gt;</a:t>
-            </a:r>
-          </a:p>
-          <a:p>
-            <a:r>
-              <a:t>        &lt;p&gt;&lt;strong&gt;[Sicherheitssystem]&lt;/strong&gt;&lt;/p&gt;</a:t>
-            </a:r>
-          </a:p>
-          <a:p>
-            <a:r>
-              <a:t>    &lt;/div&gt;</a:t>
-            </a:r>
-          </a:p>
-          <a:p>
-            <a:r>
-              <a:t>&lt;/body&gt;</a:t>
-            </a:r>
-          </a:p>
-          <a:p>
-            <a:r>
-              <a:t>&lt;/html&gt;</a:t>
-            </a:r>
-          </a:p>
-          <a:p/>
+              <a:t>Description: Das Sicherheitssystem meldet eine hohe Anzahl fehlgeschlagener Anmeldeversuche.</a:t>
+            </a:r>
+          </a:p>
           <a:p/>
           <a:p>
             <a:r>

--- a/static/Ransomware_Angriff_-_Pharma_Batchumgebung_presentation.pptx
+++ b/static/Ransomware_Angriff_-_Pharma_Batchumgebung_presentation.pptx
@@ -161,50 +161,52 @@
         </p:nvSpPr>
         <p:spPr>
           <a:xfrm>
-            <a:off x="1942416" y="2514601"/>
-            <a:ext cx="6600451" cy="2262781"/>
+            <a:off x="1942415" y="352741"/>
+            <a:ext cx="6600451" cy="1488252"/>
           </a:xfrm>
         </p:spPr>
         <p:txBody>
           <a:bodyPr anchor="b">
+            <a:noAutofit/>
+          </a:bodyPr>
+          <a:lstStyle>
+            <a:lvl1pPr>
+              <a:defRPr sz="3200" b="1"/>
+            </a:lvl1pPr>
+          </a:lstStyle>
+          <a:p>
+            <a:r>
+              <a:rPr lang="de-DE" dirty="0"/>
+              <a:t>Mastertitelformat bearbeiten</a:t>
+            </a:r>
+            <a:endParaRPr lang="en-US" dirty="0"/>
+          </a:p>
+        </p:txBody>
+      </p:sp>
+      <p:sp>
+        <p:nvSpPr>
+          <p:cNvPr id="3" name="Subtitle 2"/>
+          <p:cNvSpPr>
+            <a:spLocks noGrp="1"/>
+          </p:cNvSpPr>
+          <p:nvPr>
+            <p:ph type="subTitle" idx="1"/>
+          </p:nvPr>
+        </p:nvSpPr>
+        <p:spPr>
+          <a:xfrm>
+            <a:off x="1942415" y="2182369"/>
+            <a:ext cx="6600451" cy="3572256"/>
+          </a:xfrm>
+        </p:spPr>
+        <p:txBody>
+          <a:bodyPr anchor="t">
             <a:normAutofit/>
           </a:bodyPr>
           <a:lstStyle>
-            <a:lvl1pPr>
-              <a:defRPr sz="5400"/>
-            </a:lvl1pPr>
-          </a:lstStyle>
-          <a:p>
-            <a:r>
-              <a:rPr lang="de-DE"/>
-              <a:t>Mastertitelformat bearbeiten</a:t>
-            </a:r>
-            <a:endParaRPr lang="en-US" dirty="0"/>
-          </a:p>
-        </p:txBody>
-      </p:sp>
-      <p:sp>
-        <p:nvSpPr>
-          <p:cNvPr id="3" name="Subtitle 2"/>
-          <p:cNvSpPr>
-            <a:spLocks noGrp="1"/>
-          </p:cNvSpPr>
-          <p:nvPr>
-            <p:ph type="subTitle" idx="1"/>
-          </p:nvPr>
-        </p:nvSpPr>
-        <p:spPr>
-          <a:xfrm>
-            <a:off x="1942416" y="4777380"/>
-            <a:ext cx="6600451" cy="1126283"/>
-          </a:xfrm>
-        </p:spPr>
-        <p:txBody>
-          <a:bodyPr anchor="t"/>
-          <a:lstStyle>
             <a:lvl1pPr marL="0" indent="0" algn="l">
               <a:buNone/>
-              <a:defRPr>
+              <a:defRPr sz="1600">
                 <a:solidFill>
                   <a:schemeClr val="tx1">
                     <a:lumMod val="65000"/>
@@ -320,7 +322,7 @@
           <a:p>
             <a:fld id="{5BCAD085-E8A6-8845-BD4E-CB4CCA059FC4}" type="datetimeFigureOut">
               <a:rPr lang="en-US" smtClean="0"/>
-              <a:t>6/8/2024</a:t>
+              <a:t>6/8/24</a:t>
             </a:fld>
             <a:endParaRPr lang="en-US"/>
           </a:p>
@@ -652,7 +654,7 @@
           <a:p>
             <a:fld id="{5BCAD085-E8A6-8845-BD4E-CB4CCA059FC4}" type="datetimeFigureOut">
               <a:rPr lang="en-US" smtClean="0"/>
-              <a:t>6/8/2024</a:t>
+              <a:t>6/8/24</a:t>
             </a:fld>
             <a:endParaRPr lang="en-US"/>
           </a:p>
@@ -1051,7 +1053,7 @@
           <a:p>
             <a:fld id="{5BCAD085-E8A6-8845-BD4E-CB4CCA059FC4}" type="datetimeFigureOut">
               <a:rPr lang="en-US" smtClean="0"/>
-              <a:t>6/8/2024</a:t>
+              <a:t>6/8/24</a:t>
             </a:fld>
             <a:endParaRPr lang="en-US"/>
           </a:p>
@@ -1385,7 +1387,7 @@
           <a:p>
             <a:fld id="{5BCAD085-E8A6-8845-BD4E-CB4CCA059FC4}" type="datetimeFigureOut">
               <a:rPr lang="en-US" smtClean="0"/>
-              <a:t>6/8/2024</a:t>
+              <a:t>6/8/24</a:t>
             </a:fld>
             <a:endParaRPr lang="en-US"/>
           </a:p>
@@ -1703,7 +1705,7 @@
           <a:p>
             <a:fld id="{5BCAD085-E8A6-8845-BD4E-CB4CCA059FC4}" type="datetimeFigureOut">
               <a:rPr lang="en-US" smtClean="0"/>
-              <a:t>6/8/2024</a:t>
+              <a:t>6/8/24</a:t>
             </a:fld>
             <a:endParaRPr lang="en-US"/>
           </a:p>
@@ -2097,7 +2099,7 @@
           <a:p>
             <a:fld id="{5BCAD085-E8A6-8845-BD4E-CB4CCA059FC4}" type="datetimeFigureOut">
               <a:rPr lang="en-US" smtClean="0"/>
-              <a:t>6/8/2024</a:t>
+              <a:t>6/8/24</a:t>
             </a:fld>
             <a:endParaRPr lang="en-US"/>
           </a:p>
@@ -2352,7 +2354,7 @@
           <a:p>
             <a:fld id="{5BCAD085-E8A6-8845-BD4E-CB4CCA059FC4}" type="datetimeFigureOut">
               <a:rPr lang="en-US" smtClean="0"/>
-              <a:t>6/8/2024</a:t>
+              <a:t>6/8/24</a:t>
             </a:fld>
             <a:endParaRPr lang="en-US"/>
           </a:p>
@@ -2612,7 +2614,7 @@
           <a:p>
             <a:fld id="{5BCAD085-E8A6-8845-BD4E-CB4CCA059FC4}" type="datetimeFigureOut">
               <a:rPr lang="en-US" smtClean="0"/>
-              <a:t>6/8/2024</a:t>
+              <a:t>6/8/24</a:t>
             </a:fld>
             <a:endParaRPr lang="en-US"/>
           </a:p>
@@ -2787,8 +2789,14 @@
           </a:xfrm>
         </p:spPr>
         <p:txBody>
-          <a:bodyPr/>
-          <a:lstStyle/>
+          <a:bodyPr>
+            <a:normAutofit/>
+          </a:bodyPr>
+          <a:lstStyle>
+            <a:lvl1pPr>
+              <a:defRPr sz="3200" b="1"/>
+            </a:lvl1pPr>
+          </a:lstStyle>
           <a:p>
             <a:r>
               <a:rPr lang="de-DE"/>
@@ -2815,64 +2823,85 @@
           </a:xfrm>
         </p:spPr>
         <p:txBody>
+          <a:bodyPr>
+            <a:normAutofit/>
+          </a:bodyPr>
+          <a:lstStyle>
+            <a:lvl1pPr marL="234900" indent="-270900">
+              <a:spcBef>
+                <a:spcPts val="0"/>
+              </a:spcBef>
+              <a:defRPr sz="1100"/>
+            </a:lvl1pPr>
+            <a:lvl2pPr>
+              <a:defRPr sz="1050"/>
+            </a:lvl2pPr>
+            <a:lvl3pPr>
+              <a:defRPr sz="1000"/>
+            </a:lvl3pPr>
+            <a:lvl4pPr>
+              <a:defRPr sz="900"/>
+            </a:lvl4pPr>
+            <a:lvl5pPr>
+              <a:defRPr sz="900"/>
+            </a:lvl5pPr>
+          </a:lstStyle>
+          <a:p>
+            <a:pPr lvl="0"/>
+            <a:r>
+              <a:rPr lang="de-DE" dirty="0"/>
+              <a:t>Mastertextformat bearbeiten</a:t>
+            </a:r>
+          </a:p>
+          <a:p>
+            <a:pPr lvl="1"/>
+            <a:r>
+              <a:rPr lang="de-DE" dirty="0"/>
+              <a:t>Zweite Ebene</a:t>
+            </a:r>
+          </a:p>
+          <a:p>
+            <a:pPr lvl="2"/>
+            <a:r>
+              <a:rPr lang="de-DE" dirty="0"/>
+              <a:t>Dritte Ebene</a:t>
+            </a:r>
+          </a:p>
+          <a:p>
+            <a:pPr lvl="3"/>
+            <a:r>
+              <a:rPr lang="de-DE" dirty="0"/>
+              <a:t>Vierte Ebene</a:t>
+            </a:r>
+          </a:p>
+          <a:p>
+            <a:pPr lvl="4"/>
+            <a:r>
+              <a:rPr lang="de-DE" dirty="0"/>
+              <a:t>Fünfte Ebene</a:t>
+            </a:r>
+            <a:endParaRPr lang="en-US" dirty="0"/>
+          </a:p>
+        </p:txBody>
+      </p:sp>
+      <p:sp>
+        <p:nvSpPr>
+          <p:cNvPr id="4" name="Date Placeholder 3"/>
+          <p:cNvSpPr>
+            <a:spLocks noGrp="1"/>
+          </p:cNvSpPr>
+          <p:nvPr>
+            <p:ph type="dt" sz="half" idx="10"/>
+          </p:nvPr>
+        </p:nvSpPr>
+        <p:spPr/>
+        <p:txBody>
           <a:bodyPr/>
           <a:lstStyle/>
           <a:p>
-            <a:pPr lvl="0"/>
-            <a:r>
-              <a:rPr lang="de-DE"/>
-              <a:t>Mastertextformat bearbeiten</a:t>
-            </a:r>
-          </a:p>
-          <a:p>
-            <a:pPr lvl="1"/>
-            <a:r>
-              <a:rPr lang="de-DE"/>
-              <a:t>Zweite Ebene</a:t>
-            </a:r>
-          </a:p>
-          <a:p>
-            <a:pPr lvl="2"/>
-            <a:r>
-              <a:rPr lang="de-DE"/>
-              <a:t>Dritte Ebene</a:t>
-            </a:r>
-          </a:p>
-          <a:p>
-            <a:pPr lvl="3"/>
-            <a:r>
-              <a:rPr lang="de-DE"/>
-              <a:t>Vierte Ebene</a:t>
-            </a:r>
-          </a:p>
-          <a:p>
-            <a:pPr lvl="4"/>
-            <a:r>
-              <a:rPr lang="de-DE"/>
-              <a:t>Fünfte Ebene</a:t>
-            </a:r>
-            <a:endParaRPr lang="en-US" dirty="0"/>
-          </a:p>
-        </p:txBody>
-      </p:sp>
-      <p:sp>
-        <p:nvSpPr>
-          <p:cNvPr id="4" name="Date Placeholder 3"/>
-          <p:cNvSpPr>
-            <a:spLocks noGrp="1"/>
-          </p:cNvSpPr>
-          <p:nvPr>
-            <p:ph type="dt" sz="half" idx="10"/>
-          </p:nvPr>
-        </p:nvSpPr>
-        <p:spPr/>
-        <p:txBody>
-          <a:bodyPr/>
-          <a:lstStyle/>
-          <a:p>
             <a:fld id="{5BCAD085-E8A6-8845-BD4E-CB4CCA059FC4}" type="datetimeFigureOut">
               <a:rPr lang="en-US" smtClean="0"/>
-              <a:t>6/8/2024</a:t>
+              <a:t>6/8/24</a:t>
             </a:fld>
             <a:endParaRPr lang="en-US"/>
           </a:p>
@@ -3199,7 +3228,7 @@
           <a:p>
             <a:fld id="{5BCAD085-E8A6-8845-BD4E-CB4CCA059FC4}" type="datetimeFigureOut">
               <a:rPr lang="en-US" smtClean="0"/>
-              <a:t>6/8/2024</a:t>
+              <a:t>6/8/24</a:t>
             </a:fld>
             <a:endParaRPr lang="en-US"/>
           </a:p>
@@ -3520,7 +3549,7 @@
           <a:p>
             <a:fld id="{5BCAD085-E8A6-8845-BD4E-CB4CCA059FC4}" type="datetimeFigureOut">
               <a:rPr lang="en-US" smtClean="0"/>
-              <a:t>6/8/2024</a:t>
+              <a:t>6/8/24</a:t>
             </a:fld>
             <a:endParaRPr lang="en-US"/>
           </a:p>
@@ -3975,7 +4004,7 @@
           <a:p>
             <a:fld id="{5BCAD085-E8A6-8845-BD4E-CB4CCA059FC4}" type="datetimeFigureOut">
               <a:rPr lang="en-US" smtClean="0"/>
-              <a:t>6/8/2024</a:t>
+              <a:t>6/8/24</a:t>
             </a:fld>
             <a:endParaRPr lang="en-US"/>
           </a:p>
@@ -4183,7 +4212,7 @@
           <a:p>
             <a:fld id="{5BCAD085-E8A6-8845-BD4E-CB4CCA059FC4}" type="datetimeFigureOut">
               <a:rPr lang="en-US" smtClean="0"/>
-              <a:t>6/8/2024</a:t>
+              <a:t>6/8/24</a:t>
             </a:fld>
             <a:endParaRPr lang="en-US"/>
           </a:p>
@@ -4358,7 +4387,7 @@
           <a:p>
             <a:fld id="{5BCAD085-E8A6-8845-BD4E-CB4CCA059FC4}" type="datetimeFigureOut">
               <a:rPr lang="en-US" smtClean="0"/>
-              <a:t>6/8/2024</a:t>
+              <a:t>6/8/24</a:t>
             </a:fld>
             <a:endParaRPr lang="en-US"/>
           </a:p>
@@ -4689,7 +4718,7 @@
           <a:p>
             <a:fld id="{5BCAD085-E8A6-8845-BD4E-CB4CCA059FC4}" type="datetimeFigureOut">
               <a:rPr lang="en-US" smtClean="0"/>
-              <a:t>6/8/2024</a:t>
+              <a:t>6/8/24</a:t>
             </a:fld>
             <a:endParaRPr lang="en-US"/>
           </a:p>
@@ -5032,7 +5061,7 @@
           <a:p>
             <a:fld id="{5BCAD085-E8A6-8845-BD4E-CB4CCA059FC4}" type="datetimeFigureOut">
               <a:rPr lang="en-US" smtClean="0"/>
-              <a:t>6/8/2024</a:t>
+              <a:t>6/8/24</a:t>
             </a:fld>
             <a:endParaRPr lang="en-US"/>
           </a:p>
@@ -7077,35 +7106,35 @@
           <a:p>
             <a:pPr lvl="0"/>
             <a:r>
-              <a:rPr lang="de-DE"/>
+              <a:rPr lang="de-DE" dirty="0"/>
               <a:t>Mastertextformat bearbeiten</a:t>
             </a:r>
           </a:p>
           <a:p>
             <a:pPr lvl="1"/>
             <a:r>
-              <a:rPr lang="de-DE"/>
+              <a:rPr lang="de-DE" dirty="0"/>
               <a:t>Zweite Ebene</a:t>
             </a:r>
           </a:p>
           <a:p>
             <a:pPr lvl="2"/>
             <a:r>
-              <a:rPr lang="de-DE"/>
+              <a:rPr lang="de-DE" dirty="0"/>
               <a:t>Dritte Ebene</a:t>
             </a:r>
           </a:p>
           <a:p>
             <a:pPr lvl="3"/>
             <a:r>
-              <a:rPr lang="de-DE"/>
+              <a:rPr lang="de-DE" dirty="0"/>
               <a:t>Vierte Ebene</a:t>
             </a:r>
           </a:p>
           <a:p>
             <a:pPr lvl="4"/>
             <a:r>
-              <a:rPr lang="de-DE"/>
+              <a:rPr lang="de-DE" dirty="0"/>
               <a:t>Fünfte Ebene</a:t>
             </a:r>
             <a:endParaRPr lang="en-US" dirty="0"/>
@@ -7147,7 +7176,7 @@
           <a:p>
             <a:fld id="{5BCAD085-E8A6-8845-BD4E-CB4CCA059FC4}" type="datetimeFigureOut">
               <a:rPr lang="en-US" smtClean="0"/>
-              <a:t>6/8/2024</a:t>
+              <a:t>6/8/24</a:t>
             </a:fld>
             <a:endParaRPr lang="en-US"/>
           </a:p>
@@ -7332,7 +7361,7 @@
       </a:lvl9pPr>
     </p:titleStyle>
     <p:bodyStyle>
-      <a:lvl1pPr marL="342900" indent="-342900" algn="l" defTabSz="457200" rtl="0" eaLnBrk="1" latinLnBrk="0" hangingPunct="1">
+      <a:lvl1pPr marL="0" indent="0" algn="l" defTabSz="457200" rtl="0" eaLnBrk="1" latinLnBrk="0" hangingPunct="1">
         <a:spcBef>
           <a:spcPts val="1000"/>
         </a:spcBef>
@@ -7343,7 +7372,7 @@
           <a:schemeClr val="accent1"/>
         </a:buClr>
         <a:buFont typeface="Wingdings 3" charset="2"/>
-        <a:buChar char=""/>
+        <a:buNone/>
         <a:defRPr sz="1800" kern="1200">
           <a:solidFill>
             <a:schemeClr val="tx1">
@@ -7356,7 +7385,7 @@
           <a:cs typeface="+mn-cs"/>
         </a:defRPr>
       </a:lvl1pPr>
-      <a:lvl2pPr marL="742950" indent="-285750" algn="l" defTabSz="457200" rtl="0" eaLnBrk="1" latinLnBrk="0" hangingPunct="1">
+      <a:lvl2pPr marL="457200" indent="0" algn="l" defTabSz="457200" rtl="0" eaLnBrk="1" latinLnBrk="0" hangingPunct="1">
         <a:spcBef>
           <a:spcPts val="1000"/>
         </a:spcBef>
@@ -7367,7 +7396,7 @@
           <a:schemeClr val="accent1"/>
         </a:buClr>
         <a:buFont typeface="Wingdings 3" charset="2"/>
-        <a:buChar char=""/>
+        <a:buNone/>
         <a:defRPr sz="1600" kern="1200">
           <a:solidFill>
             <a:schemeClr val="tx1">
@@ -7380,7 +7409,7 @@
           <a:cs typeface="+mn-cs"/>
         </a:defRPr>
       </a:lvl2pPr>
-      <a:lvl3pPr marL="1143000" indent="-228600" algn="l" defTabSz="457200" rtl="0" eaLnBrk="1" latinLnBrk="0" hangingPunct="1">
+      <a:lvl3pPr marL="914400" indent="0" algn="l" defTabSz="457200" rtl="0" eaLnBrk="1" latinLnBrk="0" hangingPunct="1">
         <a:spcBef>
           <a:spcPts val="1000"/>
         </a:spcBef>
@@ -7391,7 +7420,7 @@
           <a:schemeClr val="accent1"/>
         </a:buClr>
         <a:buFont typeface="Wingdings 3" charset="2"/>
-        <a:buChar char=""/>
+        <a:buNone/>
         <a:defRPr sz="1400" kern="1200">
           <a:solidFill>
             <a:schemeClr val="tx1">
@@ -7404,7 +7433,7 @@
           <a:cs typeface="+mn-cs"/>
         </a:defRPr>
       </a:lvl3pPr>
-      <a:lvl4pPr marL="1600200" indent="-228600" algn="l" defTabSz="457200" rtl="0" eaLnBrk="1" latinLnBrk="0" hangingPunct="1">
+      <a:lvl4pPr marL="1371600" indent="0" algn="l" defTabSz="457200" rtl="0" eaLnBrk="1" latinLnBrk="0" hangingPunct="1">
         <a:spcBef>
           <a:spcPts val="1000"/>
         </a:spcBef>
@@ -7415,7 +7444,7 @@
           <a:schemeClr val="accent1"/>
         </a:buClr>
         <a:buFont typeface="Wingdings 3" charset="2"/>
-        <a:buChar char=""/>
+        <a:buNone/>
         <a:defRPr sz="1200" kern="1200">
           <a:solidFill>
             <a:schemeClr val="tx1">
@@ -7428,7 +7457,7 @@
           <a:cs typeface="+mn-cs"/>
         </a:defRPr>
       </a:lvl4pPr>
-      <a:lvl5pPr marL="2057400" indent="-228600" algn="l" defTabSz="457200" rtl="0" eaLnBrk="1" latinLnBrk="0" hangingPunct="1">
+      <a:lvl5pPr marL="1828800" indent="0" algn="l" defTabSz="457200" rtl="0" eaLnBrk="1" latinLnBrk="0" hangingPunct="1">
         <a:spcBef>
           <a:spcPts val="1000"/>
         </a:spcBef>
@@ -7439,7 +7468,7 @@
           <a:schemeClr val="accent1"/>
         </a:buClr>
         <a:buFont typeface="Wingdings 3" charset="2"/>
-        <a:buChar char=""/>
+        <a:buNone/>
         <a:defRPr sz="1200" kern="1200">
           <a:solidFill>
             <a:schemeClr val="tx1">
@@ -7755,19 +7784,7 @@
           <a:lstStyle/>
           <a:p>
             <a:r>
-              <a:t>Duration: 33 seconds</a:t>
-            </a:r>
-          </a:p>
-          <a:p/>
-          <a:p>
-            <a:r>
-              <a:t>Description: Ein Mitarbeiter erhält eine SMS mit der Information Über eine neu entdeckte SicherheitslÜcke, die ausgenutzt wird.</a:t>
-            </a:r>
-          </a:p>
-          <a:p/>
-          <a:p>
-            <a:r>
-              <a:t>Comment: No comment</a:t>
+              <a:t>No description</a:t>
             </a:r>
           </a:p>
         </p:txBody>
@@ -7806,7 +7823,7 @@
           <a:lstStyle/>
           <a:p>
             <a:r>
-              <a:t>Inject 26: Contest Winner Notification</a:t>
+              <a:t>Inject 1: Verdächtige E-Mail entdeckt</a:t>
             </a:r>
           </a:p>
         </p:txBody>
@@ -7827,19 +7844,22 @@
           <a:lstStyle/>
           <a:p>
             <a:r>
-              <a:t>Duration: 10 seconds</a:t>
-            </a:r>
-          </a:p>
-          <a:p/>
-          <a:p>
-            <a:r>
-              <a:t>Description: Versenden einer E-Mail, die vorgibt, dass der Empfänger einen Preis gewonnen hat und persönliche Informationen zur Bestätigung benötigt.</a:t>
-            </a:r>
-          </a:p>
-          <a:p/>
-          <a:p>
-            <a:r>
-              <a:t>Comment: No comment</a:t>
+              <a:t>Hallo, </a:t>
+            </a:r>
+          </a:p>
+          <a:p>
+            <a:r>
+              <a:t>ich habe heute eine E-Mail bekommen, die durchaus vertrauenswürdig erscheint. Allerdings schickt mir dieser Absender sonst keine solchen Anhänge. Eventuell handelt es sich um eine Phishing Mail.</a:t>
+            </a:r>
+          </a:p>
+          <a:p>
+            <a:r>
+              <a:t>beste Grūße </a:t>
+            </a:r>
+          </a:p>
+          <a:p>
+            <a:r>
+              <a:t>Kurt Lamensloh</a:t>
             </a:r>
           </a:p>
         </p:txBody>
@@ -7878,7 +7898,7 @@
           <a:lstStyle/>
           <a:p>
             <a:r>
-              <a:t>Inject 29: The End</a:t>
+              <a:t>Inject 3: Verzögerte Kommunikation</a:t>
             </a:r>
           </a:p>
         </p:txBody>
@@ -7899,21 +7919,53 @@
           <a:lstStyle/>
           <a:p>
             <a:r>
-              <a:t>Duration: 10 seconds</a:t>
+              <a:t>Langsame Netzwerkgeschwindigkeit</a:t>
             </a:r>
           </a:p>
           <a:p/>
           <a:p>
             <a:r>
-              <a:t>Description: Stop everything.</a:t>
+              <a:t>Hallo IT-Team,</a:t>
             </a:r>
           </a:p>
           <a:p/>
           <a:p>
             <a:r>
-              <a:t>Comment: No comment</a:t>
-            </a:r>
-          </a:p>
+              <a:t>ich wollte euch informieren, dass die Netzwerkgeschwindigkeit seit heute Morgen sehr langsam ist. Es dauert sehr lange, E-Mails zu laden und auf unsere internen Systeme zuzugreifen.</a:t>
+            </a:r>
+          </a:p>
+          <a:p>
+            <a:r>
+              <a:t>Ich bin mir nicht sicher, woran es liegt, aber es beeinträchtigt meine Arbeit. Könnt ihr das bitte überprüfen?</a:t>
+            </a:r>
+          </a:p>
+          <a:p/>
+          <a:p>
+            <a:r>
+              <a:t>Vielen Dank für eure Hilfe.</a:t>
+            </a:r>
+          </a:p>
+          <a:p>
+            <a:r>
+              <a:t>Viele Grüße,</a:t>
+            </a:r>
+          </a:p>
+          <a:p>
+            <a:r>
+              <a:t>[Ihr Name]</a:t>
+            </a:r>
+          </a:p>
+          <a:p>
+            <a:r>
+              <a:t>[Abteilung]</a:t>
+            </a:r>
+          </a:p>
+          <a:p>
+            <a:r>
+              <a:t>[Kontaktinformationen]</a:t>
+            </a:r>
+          </a:p>
+          <a:p/>
         </p:txBody>
       </p:sp>
     </p:spTree>
@@ -7950,7 +8002,7 @@
           <a:lstStyle/>
           <a:p>
             <a:r>
-              <a:t>Inject 4: Datenbankfehler</a:t>
+              <a:t>Inject 2: Auffällig schnelle Kommunikation</a:t>
             </a:r>
           </a:p>
         </p:txBody>
@@ -7971,19 +8023,84 @@
           <a:lstStyle/>
           <a:p>
             <a:r>
-              <a:t>Duration: 10 seconds</a:t>
+              <a:t>Sehr geehrter IT-Support, </a:t>
+            </a:r>
+          </a:p>
+          <a:p>
+            <a:r>
+              <a:t>ich möchte Ihnen mitteilen, dass ich seit heute Morgen eine ungewöhnlich langsame Netzwerkgeschwindigkeit in unserem internen Netzwerk bemerke. Diese Verzögerungen beeinträchtigen meine Arbeit erheblich, da sowohl das Abrufen von E-Mails als auch der Zugriff auf interne Server extrem langsam erfolgt.</a:t>
             </a:r>
           </a:p>
           <a:p/>
           <a:p>
             <a:r>
-              <a:t>Description: Ein Datenbankadministrator meldet persönlich, dass ungewöhnliche SQL-Abfragen die Datenbank belasten.</a:t>
+              <a:t>Hier einige Details zur Problematik:</a:t>
+            </a:r>
+          </a:p>
+          <a:p>
+            <a:r>
+              <a:t>Datum und Uhrzeit des Auftretens:</a:t>
+            </a:r>
+          </a:p>
+          <a:p>
+            <a:r>
+              <a:t>Heute, seit ca. 09:00 Uhr</a:t>
             </a:r>
           </a:p>
           <a:p/>
           <a:p>
             <a:r>
-              <a:t>Comment: Hier fehlt noch eine Ende-Meldung.</a:t>
+              <a:t>Betroffene Anwendungen:</a:t>
+            </a:r>
+          </a:p>
+          <a:p>
+            <a:r>
+              <a:t>E-Mail, internes CRM-System, Dokumentenmanagementsystem</a:t>
+            </a:r>
+          </a:p>
+          <a:p>
+            <a:r>
+              <a:t>Standort: Büro Nr. 205, 2. Stock</a:t>
+            </a:r>
+          </a:p>
+          <a:p>
+            <a:r>
+              <a:t>Netzwerkanbindung: Kabelgebunden </a:t>
+            </a:r>
+          </a:p>
+          <a:p>
+            <a:r>
+              <a:t>Ich habe bereits die üblichen Schritte zur Fehlerbehebung unternommen, wie das Neustarten meines Computers und das Überprüfen der Kabelverbindungen. Leider hat dies keine Verbesserung gebracht.Ich bitte Sie daher dringend, diese Angelegenheit zu prüfen und zu beheben, da die aktuelle Situation die Arbeitsabläufe erheblich stört. Vielen Dank im Voraus für Ihre schnelle Unterstützung.</a:t>
+            </a:r>
+          </a:p>
+          <a:p>
+            <a:r>
+              <a:t>        </a:t>
+            </a:r>
+          </a:p>
+          <a:p>
+            <a:r>
+              <a:t>Mit freundlichen Grüßen,</a:t>
+            </a:r>
+          </a:p>
+          <a:p>
+            <a:r>
+              <a:t>[Ihr Name]</a:t>
+            </a:r>
+          </a:p>
+          <a:p>
+            <a:r>
+              <a:t>[Ihre Position]</a:t>
+            </a:r>
+          </a:p>
+          <a:p>
+            <a:r>
+              <a:t>[Abteilung]</a:t>
+            </a:r>
+          </a:p>
+          <a:p>
+            <a:r>
+              <a:t>[Kontaktinformationen]</a:t>
             </a:r>
           </a:p>
         </p:txBody>
@@ -8043,19 +8160,7 @@
           <a:lstStyle/>
           <a:p>
             <a:r>
-              <a:t>Duration: 120 seconds</a:t>
-            </a:r>
-          </a:p>
-          <a:p/>
-          <a:p>
-            <a:r>
-              <a:t>Description: Break.</a:t>
-            </a:r>
-          </a:p>
-          <a:p/>
-          <a:p>
-            <a:r>
-              <a:t>Comment: No comment</a:t>
+              <a:t>No description</a:t>
             </a:r>
           </a:p>
         </p:txBody>
@@ -8094,7 +8199,7 @@
           <a:lstStyle/>
           <a:p>
             <a:r>
-              <a:t>Inject 3: Verzögerte Kommunikation</a:t>
+              <a:t>Inject 29: The End</a:t>
             </a:r>
           </a:p>
         </p:txBody>
@@ -8115,19 +8220,7 @@
           <a:lstStyle/>
           <a:p>
             <a:r>
-              <a:t>Duration: 5 seconds</a:t>
-            </a:r>
-          </a:p>
-          <a:p/>
-          <a:p>
-            <a:r>
-              <a:t>Description: Ein Mitarbeiter ruft an und meldet, dass die Kommunikation Über das interne Netzwerk ungewöhnlich langsam ist.</a:t>
-            </a:r>
-          </a:p>
-          <a:p/>
-          <a:p>
-            <a:r>
-              <a:t>Comment: Aber es überschreibt die vorherigen LOGS?!?!?!?!</a:t>
+              <a:t>No description</a:t>
             </a:r>
           </a:p>
         </p:txBody>
@@ -8166,7 +8259,7 @@
           <a:lstStyle/>
           <a:p>
             <a:r>
-              <a:t>Inject 2: Auffällig schnelle Kommunikation</a:t>
+              <a:t>Inject 26: Contest Winner Notification</a:t>
             </a:r>
           </a:p>
         </p:txBody>
@@ -8187,19 +8280,7 @@
           <a:lstStyle/>
           <a:p>
             <a:r>
-              <a:t>Duration: 5 seconds</a:t>
-            </a:r>
-          </a:p>
-          <a:p/>
-          <a:p>
-            <a:r>
-              <a:t>Description: Ein Mitarbeiter ruft an und meldet, dass die Kommunikation Über das interne Netzwerk ungewöhnlich langsam ist.</a:t>
-            </a:r>
-          </a:p>
-          <a:p/>
-          <a:p>
-            <a:r>
-              <a:t>Comment: Hier auch.</a:t>
+              <a:t>No description</a:t>
             </a:r>
           </a:p>
         </p:txBody>
@@ -8238,7 +8319,7 @@
           <a:lstStyle/>
           <a:p>
             <a:r>
-              <a:t>Inject 1: Verdächtige E-Mail entdeckt</a:t>
+              <a:t>Inject 4: Datenbankfehler</a:t>
             </a:r>
           </a:p>
         </p:txBody>
@@ -8259,19 +8340,7 @@
           <a:lstStyle/>
           <a:p>
             <a:r>
-              <a:t>Duration: 5 seconds</a:t>
-            </a:r>
-          </a:p>
-          <a:p/>
-          <a:p>
-            <a:r>
-              <a:t>Description: Ein Mitarbeiter meldet eine verdächtige E-Mail, die einen Anhang mit einem seltsamen Namen enthält.</a:t>
-            </a:r>
-          </a:p>
-          <a:p/>
-          <a:p>
-            <a:r>
-              <a:t>Comment: TOP Alles gleich erkannt.</a:t>
+              <a:t>No description</a:t>
             </a:r>
           </a:p>
         </p:txBody>
@@ -8331,19 +8400,7 @@
           <a:lstStyle/>
           <a:p>
             <a:r>
-              <a:t>Duration: 10 seconds</a:t>
-            </a:r>
-          </a:p>
-          <a:p/>
-          <a:p>
-            <a:r>
-              <a:t>Description: Das Sicherheitssystem meldet eine hohe Anzahl fehlgeschlagener Anmeldeversuche.</a:t>
-            </a:r>
-          </a:p>
-          <a:p/>
-          <a:p>
-            <a:r>
-              <a:t>Comment: No comment</a:t>
+              <a:t>No description</a:t>
             </a:r>
           </a:p>
         </p:txBody>
